--- a/Präsentation.pptx
+++ b/Präsentation.pptx
@@ -5,17 +5,18 @@
     <p:sldMasterId id="2147483648" r:id="rId1"/>
   </p:sldMasterIdLst>
   <p:sldIdLst>
-    <p:sldId id="256" r:id="rId2"/>
-    <p:sldId id="257" r:id="rId3"/>
-    <p:sldId id="263" r:id="rId4"/>
-    <p:sldId id="258" r:id="rId5"/>
-    <p:sldId id="259" r:id="rId6"/>
-    <p:sldId id="261" r:id="rId7"/>
-    <p:sldId id="260" r:id="rId8"/>
-    <p:sldId id="262" r:id="rId9"/>
-    <p:sldId id="264" r:id="rId10"/>
-    <p:sldId id="267" r:id="rId11"/>
-    <p:sldId id="265" r:id="rId12"/>
+    <p:sldId id="270" r:id="rId2"/>
+    <p:sldId id="256" r:id="rId3"/>
+    <p:sldId id="271" r:id="rId4"/>
+    <p:sldId id="257" r:id="rId5"/>
+    <p:sldId id="263" r:id="rId6"/>
+    <p:sldId id="258" r:id="rId7"/>
+    <p:sldId id="262" r:id="rId8"/>
+    <p:sldId id="261" r:id="rId9"/>
+    <p:sldId id="260" r:id="rId10"/>
+    <p:sldId id="264" r:id="rId11"/>
+    <p:sldId id="267" r:id="rId12"/>
+    <p:sldId id="265" r:id="rId13"/>
   </p:sldIdLst>
   <p:sldSz cx="12192000" cy="6858000"/>
   <p:notesSz cx="6858000" cy="9144000"/>
@@ -3344,21 +3345,21 @@
           <a:chExt cx="0" cy="0"/>
         </a:xfrm>
       </p:grpSpPr>
-      <p:cxnSp>
-        <p:nvCxnSpPr>
-          <p:cNvPr id="39" name="Straight Connector 38">
-            <a:extLst>
-              <a:ext uri="{FF2B5EF4-FFF2-40B4-BE49-F238E27FC236}">
-                <a16:creationId xmlns:a16="http://schemas.microsoft.com/office/drawing/2014/main" id="{D2E961F1-4A28-4A5F-BBD4-6E400E5E6C75}"/>
+      <p:sp useBgFill="1">
+        <p:nvSpPr>
+          <p:cNvPr id="64" name="Rectangle 49">
+            <a:extLst>
+              <a:ext uri="{FF2B5EF4-FFF2-40B4-BE49-F238E27FC236}">
+                <a16:creationId xmlns:a16="http://schemas.microsoft.com/office/drawing/2014/main" id="{AB8C311F-7253-4AED-9701-7FC0708C41C7}"/>
               </a:ext>
               <a:ext uri="{C183D7F6-B498-43B3-948B-1728B52AA6E4}">
                 <adec:decorative xmlns:adec="http://schemas.microsoft.com/office/drawing/2017/decorative" val="1"/>
               </a:ext>
             </a:extLst>
           </p:cNvPr>
-          <p:cNvCxnSpPr>
-            <a:cxnSpLocks noGrp="1" noRot="1" noChangeAspect="1" noMove="1" noResize="1" noEditPoints="1" noAdjustHandles="1" noChangeArrowheads="1" noChangeShapeType="1"/>
-          </p:cNvCxnSpPr>
+          <p:cNvSpPr>
+            <a:spLocks noGrp="1" noRot="1" noChangeAspect="1" noMove="1" noResize="1" noEditPoints="1" noAdjustHandles="1" noChangeArrowheads="1" noChangeShapeType="1" noTextEdit="1"/>
+          </p:cNvSpPr>
           <p:nvPr>
             <p:extLst>
               <p:ext uri="{386F3935-93C4-4BCD-93E2-E3B085C9AB24}">
@@ -3366,79 +3367,34 @@
               </p:ext>
             </p:extLst>
           </p:nvPr>
-        </p:nvCxnSpPr>
-        <p:spPr bwMode="white">
-          <a:xfrm>
-            <a:off x="0" y="272357"/>
-            <a:ext cx="12188824" cy="0"/>
-          </a:xfrm>
-          <a:prstGeom prst="line">
-            <a:avLst/>
-          </a:prstGeom>
-          <a:ln w="50800">
-            <a:solidFill>
-              <a:schemeClr val="tx1">
-                <a:lumMod val="75000"/>
-                <a:lumOff val="25000"/>
-              </a:schemeClr>
-            </a:solidFill>
-          </a:ln>
-        </p:spPr>
-        <p:style>
-          <a:lnRef idx="1">
-            <a:schemeClr val="accent1"/>
-          </a:lnRef>
-          <a:fillRef idx="0">
-            <a:schemeClr val="accent1"/>
-          </a:fillRef>
-          <a:effectRef idx="0">
-            <a:schemeClr val="accent1"/>
-          </a:effectRef>
-          <a:fontRef idx="minor">
-            <a:schemeClr val="tx1"/>
-          </a:fontRef>
-        </p:style>
-      </p:cxnSp>
-      <p:sp>
-        <p:nvSpPr>
-          <p:cNvPr id="41" name="Rectangle 40">
-            <a:extLst>
-              <a:ext uri="{FF2B5EF4-FFF2-40B4-BE49-F238E27FC236}">
-                <a16:creationId xmlns:a16="http://schemas.microsoft.com/office/drawing/2014/main" id="{7F57BEA8-497D-4AA8-8A18-BDCD696B25FE}"/>
-              </a:ext>
-              <a:ext uri="{C183D7F6-B498-43B3-948B-1728B52AA6E4}">
-                <adec:decorative xmlns:adec="http://schemas.microsoft.com/office/drawing/2017/decorative" val="1"/>
-              </a:ext>
-            </a:extLst>
-          </p:cNvPr>
-          <p:cNvSpPr>
-            <a:spLocks noGrp="1" noRot="1" noChangeAspect="1" noMove="1" noResize="1" noEditPoints="1" noAdjustHandles="1" noChangeArrowheads="1" noChangeShapeType="1" noTextEdit="1"/>
-          </p:cNvSpPr>
-          <p:nvPr>
-            <p:extLst>
-              <p:ext uri="{386F3935-93C4-4BCD-93E2-E3B085C9AB24}">
-                <p16:designElem xmlns:p16="http://schemas.microsoft.com/office/powerpoint/2015/main" val="1"/>
-              </p:ext>
-            </p:extLst>
-          </p:nvPr>
         </p:nvSpPr>
         <p:spPr>
           <a:xfrm>
-            <a:off x="0" y="368596"/>
-            <a:ext cx="12192000" cy="1735555"/>
+            <a:off x="0" y="0"/>
+            <a:ext cx="12192000" cy="6858000"/>
           </a:xfrm>
           <a:prstGeom prst="rect">
             <a:avLst/>
           </a:prstGeom>
-          <a:solidFill>
-            <a:schemeClr val="tx1">
-              <a:lumMod val="75000"/>
-              <a:lumOff val="25000"/>
-            </a:schemeClr>
-          </a:solidFill>
-          <a:ln>
+          <a:ln w="12700" cap="flat" cmpd="sng" algn="ctr">
             <a:noFill/>
+            <a:prstDash val="solid"/>
+            <a:miter lim="800000"/>
           </a:ln>
+          <a:effectLst/>
+          <a:extLst>
+            <a:ext uri="{91240B29-F687-4F45-9708-019B960494DF}">
+              <a14:hiddenLine xmlns:a14="http://schemas.microsoft.com/office/drawing/2010/main" w="12700" cap="flat" cmpd="sng" algn="ctr">
+                <a:solidFill>
+                  <a:schemeClr val="accent1">
+                    <a:shade val="50000"/>
+                  </a:schemeClr>
+                </a:solidFill>
+                <a:prstDash val="solid"/>
+                <a:miter lim="800000"/>
+              </a14:hiddenLine>
+            </a:ext>
+          </a:extLst>
         </p:spPr>
         <p:style>
           <a:lnRef idx="2">
@@ -3467,79 +3423,19 @@
       </p:sp>
       <p:sp>
         <p:nvSpPr>
-          <p:cNvPr id="19" name="Textfeld 18">
-            <a:extLst>
-              <a:ext uri="{FF2B5EF4-FFF2-40B4-BE49-F238E27FC236}">
-                <a16:creationId xmlns:a16="http://schemas.microsoft.com/office/drawing/2014/main" id="{6AFE277D-035E-8CA5-CF40-E4C913ED35E6}"/>
-              </a:ext>
-            </a:extLst>
-          </p:cNvPr>
-          <p:cNvSpPr txBox="1"/>
-          <p:nvPr/>
-        </p:nvSpPr>
-        <p:spPr>
-          <a:xfrm>
-            <a:off x="526073" y="489439"/>
-            <a:ext cx="11139854" cy="930447"/>
-          </a:xfrm>
-          <a:prstGeom prst="ellipse">
-            <a:avLst/>
-          </a:prstGeom>
-        </p:spPr>
-        <p:txBody>
-          <a:bodyPr vert="horz" lIns="91440" tIns="45720" rIns="91440" bIns="45720" rtlCol="0" anchor="b">
-            <a:normAutofit/>
-          </a:bodyPr>
-          <a:lstStyle/>
-          <a:p>
-            <a:pPr algn="ctr">
-              <a:lnSpc>
-                <a:spcPct val="90000"/>
-              </a:lnSpc>
-              <a:spcBef>
-                <a:spcPct val="0"/>
-              </a:spcBef>
-              <a:spcAft>
-                <a:spcPts val="600"/>
-              </a:spcAft>
-            </a:pPr>
-            <a:r>
-              <a:rPr lang="en-US" sz="3800" kern="1200" dirty="0" err="1">
-                <a:solidFill>
-                  <a:schemeClr val="bg1"/>
-                </a:solidFill>
-                <a:latin typeface="+mj-lt"/>
-                <a:ea typeface="+mj-ea"/>
-                <a:cs typeface="+mj-cs"/>
-              </a:rPr>
-              <a:t>Schnittstellen</a:t>
-            </a:r>
-            <a:endParaRPr lang="en-US" sz="3800" kern="1200" dirty="0">
-              <a:solidFill>
-                <a:schemeClr val="bg1"/>
-              </a:solidFill>
-              <a:latin typeface="+mj-lt"/>
-              <a:ea typeface="+mj-ea"/>
-              <a:cs typeface="+mj-cs"/>
-            </a:endParaRPr>
-          </a:p>
-        </p:txBody>
-      </p:sp>
-      <p:cxnSp>
-        <p:nvCxnSpPr>
-          <p:cNvPr id="43" name="Straight Connector 42">
-            <a:extLst>
-              <a:ext uri="{FF2B5EF4-FFF2-40B4-BE49-F238E27FC236}">
-                <a16:creationId xmlns:a16="http://schemas.microsoft.com/office/drawing/2014/main" id="{A82415D3-DDE5-4D63-8CB3-23A5EC581B27}"/>
+          <p:cNvPr id="65" name="Rectangle 51">
+            <a:extLst>
+              <a:ext uri="{FF2B5EF4-FFF2-40B4-BE49-F238E27FC236}">
+                <a16:creationId xmlns:a16="http://schemas.microsoft.com/office/drawing/2014/main" id="{E2384209-CB15-4CDF-9D31-C44FD9A3F20D}"/>
               </a:ext>
               <a:ext uri="{C183D7F6-B498-43B3-948B-1728B52AA6E4}">
                 <adec:decorative xmlns:adec="http://schemas.microsoft.com/office/drawing/2017/decorative" val="1"/>
               </a:ext>
             </a:extLst>
           </p:cNvPr>
-          <p:cNvCxnSpPr>
-            <a:cxnSpLocks noGrp="1" noRot="1" noChangeAspect="1" noMove="1" noResize="1" noEditPoints="1" noAdjustHandles="1" noChangeArrowheads="1" noChangeShapeType="1"/>
-          </p:cNvCxnSpPr>
+          <p:cNvSpPr>
+            <a:spLocks noGrp="1" noRot="1" noChangeAspect="1" noMove="1" noResize="1" noEditPoints="1" noAdjustHandles="1" noChangeArrowheads="1" noChangeShapeType="1" noTextEdit="1"/>
+          </p:cNvSpPr>
           <p:nvPr>
             <p:extLst>
               <p:ext uri="{386F3935-93C4-4BCD-93E2-E3B085C9AB24}">
@@ -3547,53 +3443,72 @@
               </p:ext>
             </p:extLst>
           </p:nvPr>
-        </p:nvCxnSpPr>
+        </p:nvSpPr>
         <p:spPr>
-          <a:xfrm>
-            <a:off x="4724400" y="1479733"/>
-            <a:ext cx="2743200" cy="0"/>
-          </a:xfrm>
-          <a:prstGeom prst="line">
+          <a:xfrm rot="16200000" flipH="1">
+            <a:off x="2666617" y="-2666188"/>
+            <a:ext cx="6858000" cy="12191233"/>
+          </a:xfrm>
+          <a:prstGeom prst="rect">
             <a:avLst/>
           </a:prstGeom>
-          <a:ln w="19050">
-            <a:solidFill>
-              <a:schemeClr val="bg1">
-                <a:alpha val="75000"/>
-              </a:schemeClr>
-            </a:solidFill>
+          <a:gradFill>
+            <a:gsLst>
+              <a:gs pos="8000">
+                <a:schemeClr val="accent1"/>
+              </a:gs>
+              <a:gs pos="100000">
+                <a:schemeClr val="accent1">
+                  <a:lumMod val="50000"/>
+                </a:schemeClr>
+              </a:gs>
+            </a:gsLst>
+            <a:lin ang="12000000" scaled="0"/>
+          </a:gradFill>
+          <a:ln>
+            <a:noFill/>
           </a:ln>
         </p:spPr>
         <p:style>
-          <a:lnRef idx="1">
-            <a:schemeClr val="accent1"/>
+          <a:lnRef idx="2">
+            <a:schemeClr val="accent1">
+              <a:shade val="50000"/>
+            </a:schemeClr>
           </a:lnRef>
-          <a:fillRef idx="0">
+          <a:fillRef idx="1">
             <a:schemeClr val="accent1"/>
           </a:fillRef>
           <a:effectRef idx="0">
             <a:schemeClr val="accent1"/>
           </a:effectRef>
           <a:fontRef idx="minor">
-            <a:schemeClr val="tx1"/>
+            <a:schemeClr val="lt1"/>
           </a:fontRef>
         </p:style>
-      </p:cxnSp>
-      <p:cxnSp>
-        <p:nvCxnSpPr>
-          <p:cNvPr id="45" name="Straight Connector 44">
-            <a:extLst>
-              <a:ext uri="{FF2B5EF4-FFF2-40B4-BE49-F238E27FC236}">
-                <a16:creationId xmlns:a16="http://schemas.microsoft.com/office/drawing/2014/main" id="{AD7193FB-6AE6-4B3B-8F89-56B55DD63B4D}"/>
+        <p:txBody>
+          <a:bodyPr rtlCol="0" anchor="ctr"/>
+          <a:lstStyle/>
+          <a:p>
+            <a:pPr algn="ctr"/>
+            <a:endParaRPr lang="en-US"/>
+          </a:p>
+        </p:txBody>
+      </p:sp>
+      <p:sp>
+        <p:nvSpPr>
+          <p:cNvPr id="54" name="Rectangle 53">
+            <a:extLst>
+              <a:ext uri="{FF2B5EF4-FFF2-40B4-BE49-F238E27FC236}">
+                <a16:creationId xmlns:a16="http://schemas.microsoft.com/office/drawing/2014/main" id="{2633B3B5-CC90-43F0-8714-D31D1F3F0209}"/>
               </a:ext>
               <a:ext uri="{C183D7F6-B498-43B3-948B-1728B52AA6E4}">
                 <adec:decorative xmlns:adec="http://schemas.microsoft.com/office/drawing/2017/decorative" val="1"/>
               </a:ext>
             </a:extLst>
           </p:cNvPr>
-          <p:cNvCxnSpPr>
-            <a:cxnSpLocks noGrp="1" noRot="1" noChangeAspect="1" noMove="1" noResize="1" noEditPoints="1" noAdjustHandles="1" noChangeArrowheads="1" noChangeShapeType="1"/>
-          </p:cNvCxnSpPr>
+          <p:cNvSpPr>
+            <a:spLocks noGrp="1" noRot="1" noChangeAspect="1" noMove="1" noResize="1" noEditPoints="1" noAdjustHandles="1" noChangeArrowheads="1" noChangeShapeType="1" noTextEdit="1"/>
+          </p:cNvSpPr>
           <p:nvPr>
             <p:extLst>
               <p:ext uri="{386F3935-93C4-4BCD-93E2-E3B085C9AB24}">
@@ -3601,45 +3516,140 @@
               </p:ext>
             </p:extLst>
           </p:nvPr>
-        </p:nvCxnSpPr>
-        <p:spPr bwMode="white">
-          <a:xfrm>
-            <a:off x="0" y="2201402"/>
-            <a:ext cx="12188824" cy="0"/>
-          </a:xfrm>
-          <a:prstGeom prst="line">
+        </p:nvSpPr>
+        <p:spPr>
+          <a:xfrm rot="10800000" flipH="1">
+            <a:off x="-2311" y="0"/>
+            <a:ext cx="9070846" cy="6857572"/>
+          </a:xfrm>
+          <a:prstGeom prst="rect">
             <a:avLst/>
           </a:prstGeom>
-          <a:ln w="50800">
-            <a:solidFill>
-              <a:schemeClr val="tx1">
-                <a:lumMod val="75000"/>
-                <a:lumOff val="25000"/>
-              </a:schemeClr>
-            </a:solidFill>
+          <a:gradFill>
+            <a:gsLst>
+              <a:gs pos="8000">
+                <a:srgbClr val="000000">
+                  <a:alpha val="52000"/>
+                </a:srgbClr>
+              </a:gs>
+              <a:gs pos="100000">
+                <a:schemeClr val="accent1"/>
+              </a:gs>
+            </a:gsLst>
+            <a:lin ang="4800000" scaled="0"/>
+          </a:gradFill>
+          <a:ln>
+            <a:noFill/>
           </a:ln>
         </p:spPr>
         <p:style>
-          <a:lnRef idx="1">
-            <a:schemeClr val="accent1"/>
+          <a:lnRef idx="2">
+            <a:schemeClr val="accent1">
+              <a:shade val="50000"/>
+            </a:schemeClr>
           </a:lnRef>
-          <a:fillRef idx="0">
+          <a:fillRef idx="1">
             <a:schemeClr val="accent1"/>
           </a:fillRef>
           <a:effectRef idx="0">
             <a:schemeClr val="accent1"/>
           </a:effectRef>
           <a:fontRef idx="minor">
-            <a:schemeClr val="tx1"/>
+            <a:schemeClr val="lt1"/>
           </a:fontRef>
         </p:style>
-      </p:cxnSp>
+        <p:txBody>
+          <a:bodyPr rtlCol="0" anchor="ctr"/>
+          <a:lstStyle/>
+          <a:p>
+            <a:pPr algn="ctr"/>
+            <a:endParaRPr lang="en-US"/>
+          </a:p>
+        </p:txBody>
+      </p:sp>
+      <p:sp>
+        <p:nvSpPr>
+          <p:cNvPr id="66" name="Rectangle 55">
+            <a:extLst>
+              <a:ext uri="{FF2B5EF4-FFF2-40B4-BE49-F238E27FC236}">
+                <a16:creationId xmlns:a16="http://schemas.microsoft.com/office/drawing/2014/main" id="{A8D57A06-A426-446D-B02C-A2DC6B62E45E}"/>
+              </a:ext>
+              <a:ext uri="{C183D7F6-B498-43B3-948B-1728B52AA6E4}">
+                <adec:decorative xmlns:adec="http://schemas.microsoft.com/office/drawing/2017/decorative" val="1"/>
+              </a:ext>
+            </a:extLst>
+          </p:cNvPr>
+          <p:cNvSpPr>
+            <a:spLocks noGrp="1" noRot="1" noChangeAspect="1" noMove="1" noResize="1" noEditPoints="1" noAdjustHandles="1" noChangeArrowheads="1" noChangeShapeType="1" noTextEdit="1"/>
+          </p:cNvSpPr>
+          <p:nvPr>
+            <p:extLst>
+              <p:ext uri="{386F3935-93C4-4BCD-93E2-E3B085C9AB24}">
+                <p16:designElem xmlns:p16="http://schemas.microsoft.com/office/powerpoint/2015/main" val="1"/>
+              </p:ext>
+            </p:extLst>
+          </p:nvPr>
+        </p:nvSpPr>
+        <p:spPr>
+          <a:xfrm rot="16200000" flipH="1">
+            <a:off x="3649491" y="-1685840"/>
+            <a:ext cx="4894564" cy="12193546"/>
+          </a:xfrm>
+          <a:prstGeom prst="rect">
+            <a:avLst/>
+          </a:prstGeom>
+          <a:gradFill>
+            <a:gsLst>
+              <a:gs pos="0">
+                <a:schemeClr val="accent5">
+                  <a:lumMod val="60000"/>
+                  <a:lumOff val="40000"/>
+                  <a:alpha val="0"/>
+                </a:schemeClr>
+              </a:gs>
+              <a:gs pos="100000">
+                <a:srgbClr val="000000">
+                  <a:alpha val="46000"/>
+                </a:srgbClr>
+              </a:gs>
+            </a:gsLst>
+            <a:lin ang="1200000" scaled="0"/>
+          </a:gradFill>
+          <a:ln>
+            <a:noFill/>
+          </a:ln>
+        </p:spPr>
+        <p:style>
+          <a:lnRef idx="2">
+            <a:schemeClr val="accent1">
+              <a:shade val="50000"/>
+            </a:schemeClr>
+          </a:lnRef>
+          <a:fillRef idx="1">
+            <a:schemeClr val="accent1"/>
+          </a:fillRef>
+          <a:effectRef idx="0">
+            <a:schemeClr val="accent1"/>
+          </a:effectRef>
+          <a:fontRef idx="minor">
+            <a:schemeClr val="lt1"/>
+          </a:fontRef>
+        </p:style>
+        <p:txBody>
+          <a:bodyPr rtlCol="0" anchor="ctr"/>
+          <a:lstStyle/>
+          <a:p>
+            <a:pPr algn="ctr"/>
+            <a:endParaRPr lang="en-US"/>
+          </a:p>
+        </p:txBody>
+      </p:sp>
       <p:pic>
         <p:nvPicPr>
-          <p:cNvPr id="5" name="Grafik 4" descr="Ein Bild, das Text enthält.&#10;&#10;Automatisch generierte Beschreibung">
-            <a:extLst>
-              <a:ext uri="{FF2B5EF4-FFF2-40B4-BE49-F238E27FC236}">
-                <a16:creationId xmlns:a16="http://schemas.microsoft.com/office/drawing/2014/main" id="{96E32329-5FEE-8934-A398-7E8640CD1090}"/>
+          <p:cNvPr id="3" name="Grafik 2">
+            <a:extLst>
+              <a:ext uri="{FF2B5EF4-FFF2-40B4-BE49-F238E27FC236}">
+                <a16:creationId xmlns:a16="http://schemas.microsoft.com/office/drawing/2014/main" id="{2EDF5FB7-C7BC-BE3C-76EA-9C550D7C489A}"/>
               </a:ext>
             </a:extLst>
           </p:cNvPr>
@@ -3648,15 +3658,16 @@
           </p:cNvPicPr>
           <p:nvPr/>
         </p:nvPicPr>
-        <p:blipFill rotWithShape="1">
+        <p:blipFill>
           <a:blip r:embed="rId2"/>
-          <a:srcRect r="5454"/>
-          <a:stretch/>
+          <a:stretch>
+            <a:fillRect/>
+          </a:stretch>
         </p:blipFill>
         <p:spPr>
           <a:xfrm>
-            <a:off x="371963" y="2590654"/>
-            <a:ext cx="11172337" cy="3574600"/>
+            <a:off x="457200" y="2103882"/>
+            <a:ext cx="11277600" cy="2650235"/>
           </a:xfrm>
           <a:prstGeom prst="rect">
             <a:avLst/>
@@ -3666,7 +3677,7 @@
     </p:spTree>
     <p:extLst>
       <p:ext uri="{BB962C8B-B14F-4D97-AF65-F5344CB8AC3E}">
-        <p14:creationId xmlns:p14="http://schemas.microsoft.com/office/powerpoint/2010/main" val="2194443060"/>
+        <p14:creationId xmlns:p14="http://schemas.microsoft.com/office/powerpoint/2010/main" val="2672246750"/>
       </p:ext>
     </p:extLst>
   </p:cSld>
@@ -3703,10 +3714,10 @@
       </p:grpSpPr>
       <p:sp useBgFill="1">
         <p:nvSpPr>
-          <p:cNvPr id="12" name="Rectangle 11">
-            <a:extLst>
-              <a:ext uri="{FF2B5EF4-FFF2-40B4-BE49-F238E27FC236}">
-                <a16:creationId xmlns:a16="http://schemas.microsoft.com/office/drawing/2014/main" id="{19D32F93-50AC-4C46-A5DB-291C60DDB7BD}"/>
+          <p:cNvPr id="28" name="Rectangle 22">
+            <a:extLst>
+              <a:ext uri="{FF2B5EF4-FFF2-40B4-BE49-F238E27FC236}">
+                <a16:creationId xmlns:a16="http://schemas.microsoft.com/office/drawing/2014/main" id="{B5FA7C47-B7C1-4D2E-AB49-ED23BA34BA83}"/>
               </a:ext>
               <a:ext uri="{C183D7F6-B498-43B3-948B-1728B52AA6E4}">
                 <adec:decorative xmlns:adec="http://schemas.microsoft.com/office/drawing/2017/decorative" val="1"/>
@@ -3727,7 +3738,7 @@
         <p:spPr>
           <a:xfrm>
             <a:off x="0" y="0"/>
-            <a:ext cx="12192000" cy="6858000"/>
+            <a:ext cx="12188952" cy="6858000"/>
           </a:xfrm>
           <a:prstGeom prst="rect">
             <a:avLst/>
@@ -3761,12 +3772,366 @@
           </a:p>
         </p:txBody>
       </p:sp>
+      <p:sp>
+        <p:nvSpPr>
+          <p:cNvPr id="30" name="Freeform 6">
+            <a:extLst>
+              <a:ext uri="{FF2B5EF4-FFF2-40B4-BE49-F238E27FC236}">
+                <a16:creationId xmlns:a16="http://schemas.microsoft.com/office/drawing/2014/main" id="{596EE156-ABF1-4329-A6BA-03B4254E0877}"/>
+              </a:ext>
+              <a:ext uri="{C183D7F6-B498-43B3-948B-1728B52AA6E4}">
+                <adec:decorative xmlns:adec="http://schemas.microsoft.com/office/drawing/2017/decorative" val="1"/>
+              </a:ext>
+            </a:extLst>
+          </p:cNvPr>
+          <p:cNvSpPr>
+            <a:spLocks noGrp="1" noRot="1" noChangeAspect="1" noMove="1" noResize="1" noEditPoints="1" noAdjustHandles="1" noChangeArrowheads="1" noChangeShapeType="1" noTextEdit="1"/>
+          </p:cNvSpPr>
+          <p:nvPr>
+            <p:extLst>
+              <p:ext uri="{386F3935-93C4-4BCD-93E2-E3B085C9AB24}">
+                <p16:designElem xmlns:p16="http://schemas.microsoft.com/office/powerpoint/2015/main" val="1"/>
+              </p:ext>
+            </p:extLst>
+          </p:nvPr>
+        </p:nvSpPr>
+        <p:spPr bwMode="auto">
+          <a:xfrm flipH="1">
+            <a:off x="521144" y="911116"/>
+            <a:ext cx="687754" cy="5710965"/>
+          </a:xfrm>
+          <a:custGeom>
+            <a:avLst/>
+            <a:gdLst>
+              <a:gd name="T0" fmla="*/ 414 w 414"/>
+              <a:gd name="T1" fmla="*/ 2447 h 2447"/>
+              <a:gd name="T2" fmla="*/ 0 w 414"/>
+              <a:gd name="T3" fmla="*/ 2247 h 2447"/>
+              <a:gd name="T4" fmla="*/ 0 w 414"/>
+              <a:gd name="T5" fmla="*/ 0 h 2447"/>
+              <a:gd name="T6" fmla="*/ 414 w 414"/>
+              <a:gd name="T7" fmla="*/ 200 h 2447"/>
+              <a:gd name="T8" fmla="*/ 414 w 414"/>
+              <a:gd name="T9" fmla="*/ 2447 h 2447"/>
+            </a:gdLst>
+            <a:ahLst/>
+            <a:cxnLst>
+              <a:cxn ang="0">
+                <a:pos x="T0" y="T1"/>
+              </a:cxn>
+              <a:cxn ang="0">
+                <a:pos x="T2" y="T3"/>
+              </a:cxn>
+              <a:cxn ang="0">
+                <a:pos x="T4" y="T5"/>
+              </a:cxn>
+              <a:cxn ang="0">
+                <a:pos x="T6" y="T7"/>
+              </a:cxn>
+              <a:cxn ang="0">
+                <a:pos x="T8" y="T9"/>
+              </a:cxn>
+            </a:cxnLst>
+            <a:rect l="0" t="0" r="r" b="b"/>
+            <a:pathLst>
+              <a:path w="414" h="2447">
+                <a:moveTo>
+                  <a:pt x="414" y="2447"/>
+                </a:moveTo>
+                <a:lnTo>
+                  <a:pt x="0" y="2247"/>
+                </a:lnTo>
+                <a:lnTo>
+                  <a:pt x="0" y="0"/>
+                </a:lnTo>
+                <a:lnTo>
+                  <a:pt x="414" y="200"/>
+                </a:lnTo>
+                <a:lnTo>
+                  <a:pt x="414" y="2447"/>
+                </a:lnTo>
+                <a:close/>
+              </a:path>
+            </a:pathLst>
+          </a:custGeom>
+          <a:solidFill>
+            <a:schemeClr val="accent1">
+              <a:lumMod val="75000"/>
+            </a:schemeClr>
+          </a:solidFill>
+          <a:ln>
+            <a:noFill/>
+          </a:ln>
+        </p:spPr>
+        <p:txBody>
+          <a:bodyPr vert="horz" wrap="square" lIns="91440" tIns="45720" rIns="91440" bIns="45720" numCol="1" anchor="t" anchorCtr="0" compatLnSpc="1">
+            <a:prstTxWarp prst="textNoShape">
+              <a:avLst/>
+            </a:prstTxWarp>
+          </a:bodyPr>
+          <a:lstStyle/>
+          <a:p>
+            <a:endParaRPr lang="en-US"/>
+          </a:p>
+        </p:txBody>
+      </p:sp>
+      <p:sp>
+        <p:nvSpPr>
+          <p:cNvPr id="27" name="Rectangle 8">
+            <a:extLst>
+              <a:ext uri="{FF2B5EF4-FFF2-40B4-BE49-F238E27FC236}">
+                <a16:creationId xmlns:a16="http://schemas.microsoft.com/office/drawing/2014/main" id="{19B9933F-AAB3-444A-8BB5-9CA194A8BC63}"/>
+              </a:ext>
+              <a:ext uri="{C183D7F6-B498-43B3-948B-1728B52AA6E4}">
+                <adec:decorative xmlns:adec="http://schemas.microsoft.com/office/drawing/2017/decorative" val="1"/>
+              </a:ext>
+            </a:extLst>
+          </p:cNvPr>
+          <p:cNvSpPr>
+            <a:spLocks noGrp="1" noRot="1" noChangeAspect="1" noMove="1" noResize="1" noEditPoints="1" noAdjustHandles="1" noChangeArrowheads="1" noChangeShapeType="1" noTextEdit="1"/>
+          </p:cNvSpPr>
+          <p:nvPr>
+            <p:extLst>
+              <p:ext uri="{386F3935-93C4-4BCD-93E2-E3B085C9AB24}">
+                <p16:designElem xmlns:p16="http://schemas.microsoft.com/office/powerpoint/2015/main" val="1"/>
+              </p:ext>
+            </p:extLst>
+          </p:nvPr>
+        </p:nvSpPr>
+        <p:spPr bwMode="auto">
+          <a:xfrm flipH="1">
+            <a:off x="0" y="1370435"/>
+            <a:ext cx="527226" cy="5251646"/>
+          </a:xfrm>
+          <a:prstGeom prst="rect">
+            <a:avLst/>
+          </a:prstGeom>
+          <a:solidFill>
+            <a:schemeClr val="accent1"/>
+          </a:solidFill>
+          <a:ln>
+            <a:noFill/>
+          </a:ln>
+        </p:spPr>
+        <p:txBody>
+          <a:bodyPr vert="horz" wrap="square" lIns="91440" tIns="45720" rIns="91440" bIns="45720" numCol="1" anchor="t" anchorCtr="0" compatLnSpc="1">
+            <a:prstTxWarp prst="textNoShape">
+              <a:avLst/>
+            </a:prstTxWarp>
+          </a:bodyPr>
+          <a:lstStyle/>
+          <a:p>
+            <a:endParaRPr lang="en-US"/>
+          </a:p>
+        </p:txBody>
+      </p:sp>
+      <p:sp>
+        <p:nvSpPr>
+          <p:cNvPr id="29" name="Freeform 7">
+            <a:extLst>
+              <a:ext uri="{FF2B5EF4-FFF2-40B4-BE49-F238E27FC236}">
+                <a16:creationId xmlns:a16="http://schemas.microsoft.com/office/drawing/2014/main" id="{7D20183A-0B1D-4A1F-89B1-ADBEDBC6E54E}"/>
+              </a:ext>
+              <a:ext uri="{C183D7F6-B498-43B3-948B-1728B52AA6E4}">
+                <adec:decorative xmlns:adec="http://schemas.microsoft.com/office/drawing/2017/decorative" val="1"/>
+              </a:ext>
+            </a:extLst>
+          </p:cNvPr>
+          <p:cNvSpPr>
+            <a:spLocks noGrp="1" noRot="1" noChangeAspect="1" noMove="1" noResize="1" noEditPoints="1" noAdjustHandles="1" noChangeArrowheads="1" noChangeShapeType="1" noTextEdit="1"/>
+          </p:cNvSpPr>
+          <p:nvPr>
+            <p:extLst>
+              <p:ext uri="{386F3935-93C4-4BCD-93E2-E3B085C9AB24}">
+                <p16:designElem xmlns:p16="http://schemas.microsoft.com/office/powerpoint/2015/main" val="1"/>
+              </p:ext>
+            </p:extLst>
+          </p:nvPr>
+        </p:nvSpPr>
+        <p:spPr bwMode="auto">
+          <a:xfrm flipH="1">
+            <a:off x="800164" y="643467"/>
+            <a:ext cx="409371" cy="5521414"/>
+          </a:xfrm>
+          <a:custGeom>
+            <a:avLst/>
+            <a:gdLst>
+              <a:gd name="T0" fmla="*/ 209 w 209"/>
+              <a:gd name="T1" fmla="*/ 2246 h 2358"/>
+              <a:gd name="T2" fmla="*/ 0 w 209"/>
+              <a:gd name="T3" fmla="*/ 2358 h 2358"/>
+              <a:gd name="T4" fmla="*/ 0 w 209"/>
+              <a:gd name="T5" fmla="*/ 111 h 2358"/>
+              <a:gd name="T6" fmla="*/ 209 w 209"/>
+              <a:gd name="T7" fmla="*/ 0 h 2358"/>
+              <a:gd name="T8" fmla="*/ 209 w 209"/>
+              <a:gd name="T9" fmla="*/ 2246 h 2358"/>
+            </a:gdLst>
+            <a:ahLst/>
+            <a:cxnLst>
+              <a:cxn ang="0">
+                <a:pos x="T0" y="T1"/>
+              </a:cxn>
+              <a:cxn ang="0">
+                <a:pos x="T2" y="T3"/>
+              </a:cxn>
+              <a:cxn ang="0">
+                <a:pos x="T4" y="T5"/>
+              </a:cxn>
+              <a:cxn ang="0">
+                <a:pos x="T6" y="T7"/>
+              </a:cxn>
+              <a:cxn ang="0">
+                <a:pos x="T8" y="T9"/>
+              </a:cxn>
+            </a:cxnLst>
+            <a:rect l="0" t="0" r="r" b="b"/>
+            <a:pathLst>
+              <a:path w="209" h="2358">
+                <a:moveTo>
+                  <a:pt x="209" y="2246"/>
+                </a:moveTo>
+                <a:lnTo>
+                  <a:pt x="0" y="2358"/>
+                </a:lnTo>
+                <a:lnTo>
+                  <a:pt x="0" y="111"/>
+                </a:lnTo>
+                <a:lnTo>
+                  <a:pt x="209" y="0"/>
+                </a:lnTo>
+                <a:lnTo>
+                  <a:pt x="209" y="2246"/>
+                </a:lnTo>
+                <a:close/>
+              </a:path>
+            </a:pathLst>
+          </a:custGeom>
+          <a:solidFill>
+            <a:schemeClr val="accent1">
+              <a:lumMod val="50000"/>
+            </a:schemeClr>
+          </a:solidFill>
+          <a:ln>
+            <a:noFill/>
+          </a:ln>
+        </p:spPr>
+        <p:txBody>
+          <a:bodyPr vert="horz" wrap="square" lIns="91440" tIns="45720" rIns="91440" bIns="45720" numCol="1" anchor="t" anchorCtr="0" compatLnSpc="1">
+            <a:prstTxWarp prst="textNoShape">
+              <a:avLst/>
+            </a:prstTxWarp>
+          </a:bodyPr>
+          <a:lstStyle/>
+          <a:p>
+            <a:endParaRPr lang="en-US"/>
+          </a:p>
+        </p:txBody>
+      </p:sp>
+      <p:sp>
+        <p:nvSpPr>
+          <p:cNvPr id="31" name="Rectangle 8">
+            <a:extLst>
+              <a:ext uri="{FF2B5EF4-FFF2-40B4-BE49-F238E27FC236}">
+                <a16:creationId xmlns:a16="http://schemas.microsoft.com/office/drawing/2014/main" id="{131031D3-26CD-4214-A9A4-5857EFA15A0C}"/>
+              </a:ext>
+              <a:ext uri="{C183D7F6-B498-43B3-948B-1728B52AA6E4}">
+                <adec:decorative xmlns:adec="http://schemas.microsoft.com/office/drawing/2017/decorative" val="1"/>
+              </a:ext>
+            </a:extLst>
+          </p:cNvPr>
+          <p:cNvSpPr>
+            <a:spLocks noGrp="1" noRot="1" noChangeAspect="1" noMove="1" noResize="1" noEditPoints="1" noAdjustHandles="1" noChangeArrowheads="1" noChangeShapeType="1" noTextEdit="1"/>
+          </p:cNvSpPr>
+          <p:nvPr>
+            <p:extLst>
+              <p:ext uri="{386F3935-93C4-4BCD-93E2-E3B085C9AB24}">
+                <p16:designElem xmlns:p16="http://schemas.microsoft.com/office/powerpoint/2015/main" val="1"/>
+              </p:ext>
+            </p:extLst>
+          </p:nvPr>
+        </p:nvSpPr>
+        <p:spPr bwMode="auto">
+          <a:xfrm>
+            <a:off x="795529" y="644382"/>
+            <a:ext cx="3856024" cy="5251646"/>
+          </a:xfrm>
+          <a:prstGeom prst="rect">
+            <a:avLst/>
+          </a:prstGeom>
+          <a:solidFill>
+            <a:schemeClr val="accent1"/>
+          </a:solidFill>
+          <a:ln>
+            <a:noFill/>
+          </a:ln>
+        </p:spPr>
+        <p:txBody>
+          <a:bodyPr vert="horz" wrap="square" lIns="91440" tIns="45720" rIns="91440" bIns="45720" numCol="1" anchor="t" anchorCtr="0" compatLnSpc="1">
+            <a:prstTxWarp prst="textNoShape">
+              <a:avLst/>
+            </a:prstTxWarp>
+          </a:bodyPr>
+          <a:lstStyle/>
+          <a:p>
+            <a:endParaRPr lang="en-US"/>
+          </a:p>
+        </p:txBody>
+      </p:sp>
+      <p:sp>
+        <p:nvSpPr>
+          <p:cNvPr id="2" name="Textfeld 1">
+            <a:extLst>
+              <a:ext uri="{FF2B5EF4-FFF2-40B4-BE49-F238E27FC236}">
+                <a16:creationId xmlns:a16="http://schemas.microsoft.com/office/drawing/2014/main" id="{1E78A683-DECE-9D04-77C9-887CC73B53BE}"/>
+              </a:ext>
+            </a:extLst>
+          </p:cNvPr>
+          <p:cNvSpPr txBox="1"/>
+          <p:nvPr/>
+        </p:nvSpPr>
+        <p:spPr>
+          <a:xfrm>
+            <a:off x="1139635" y="2546161"/>
+            <a:ext cx="3200451" cy="2985929"/>
+          </a:xfrm>
+          <a:prstGeom prst="rect">
+            <a:avLst/>
+          </a:prstGeom>
+        </p:spPr>
+        <p:txBody>
+          <a:bodyPr vert="horz" lIns="91440" tIns="45720" rIns="91440" bIns="45720" rtlCol="0" anchor="t">
+            <a:normAutofit/>
+          </a:bodyPr>
+          <a:lstStyle/>
+          <a:p>
+            <a:pPr indent="-228600">
+              <a:lnSpc>
+                <a:spcPct val="90000"/>
+              </a:lnSpc>
+              <a:spcAft>
+                <a:spcPts val="600"/>
+              </a:spcAft>
+              <a:buFont typeface="Arial" panose="020B0604020202020204" pitchFamily="34" charset="0"/>
+              <a:buChar char="•"/>
+            </a:pPr>
+            <a:r>
+              <a:rPr lang="en-US" sz="2400">
+                <a:solidFill>
+                  <a:srgbClr val="FEFFFF"/>
+                </a:solidFill>
+              </a:rPr>
+              <a:t>Typed Checker</a:t>
+            </a:r>
+          </a:p>
+        </p:txBody>
+      </p:sp>
       <p:pic>
         <p:nvPicPr>
-          <p:cNvPr id="7" name="Grafik 6">
-            <a:extLst>
-              <a:ext uri="{FF2B5EF4-FFF2-40B4-BE49-F238E27FC236}">
-                <a16:creationId xmlns:a16="http://schemas.microsoft.com/office/drawing/2014/main" id="{3F8A1F04-DA60-A3E1-F474-D1A4431009B9}"/>
+          <p:cNvPr id="5" name="Grafik 4">
+            <a:extLst>
+              <a:ext uri="{FF2B5EF4-FFF2-40B4-BE49-F238E27FC236}">
+                <a16:creationId xmlns:a16="http://schemas.microsoft.com/office/drawing/2014/main" id="{5ED7E082-4B45-58E4-1F21-6C885C647D36}"/>
               </a:ext>
             </a:extLst>
           </p:cNvPr>
@@ -3783,199 +4148,18 @@
         </p:blipFill>
         <p:spPr>
           <a:xfrm>
-            <a:off x="1289303" y="1589047"/>
-            <a:ext cx="9613397" cy="1273773"/>
+            <a:off x="4998268" y="825310"/>
+            <a:ext cx="6539075" cy="4887959"/>
           </a:xfrm>
           <a:prstGeom prst="rect">
             <a:avLst/>
           </a:prstGeom>
         </p:spPr>
       </p:pic>
-      <p:sp>
-        <p:nvSpPr>
-          <p:cNvPr id="14" name="Right Triangle 13">
-            <a:extLst>
-              <a:ext uri="{FF2B5EF4-FFF2-40B4-BE49-F238E27FC236}">
-                <a16:creationId xmlns:a16="http://schemas.microsoft.com/office/drawing/2014/main" id="{827DC2C4-B485-428A-BF4A-472D2967F47F}"/>
-              </a:ext>
-              <a:ext uri="{C183D7F6-B498-43B3-948B-1728B52AA6E4}">
-                <adec:decorative xmlns:adec="http://schemas.microsoft.com/office/drawing/2017/decorative" val="1"/>
-              </a:ext>
-            </a:extLst>
-          </p:cNvPr>
-          <p:cNvSpPr>
-            <a:spLocks noGrp="1" noRot="1" noChangeAspect="1" noMove="1" noResize="1" noEditPoints="1" noAdjustHandles="1" noChangeArrowheads="1" noChangeShapeType="1" noTextEdit="1"/>
-          </p:cNvSpPr>
-          <p:nvPr>
-            <p:extLst>
-              <p:ext uri="{386F3935-93C4-4BCD-93E2-E3B085C9AB24}">
-                <p16:designElem xmlns:p16="http://schemas.microsoft.com/office/powerpoint/2015/main" val="1"/>
-              </p:ext>
-            </p:extLst>
-          </p:nvPr>
-        </p:nvSpPr>
-        <p:spPr>
-          <a:xfrm flipH="1">
-            <a:off x="8576720" y="3335867"/>
-            <a:ext cx="3291840" cy="3200400"/>
-          </a:xfrm>
-          <a:prstGeom prst="rtTriangle">
-            <a:avLst/>
-          </a:prstGeom>
-          <a:solidFill>
-            <a:schemeClr val="accent4"/>
-          </a:solidFill>
-          <a:ln>
-            <a:noFill/>
-          </a:ln>
-        </p:spPr>
-        <p:style>
-          <a:lnRef idx="2">
-            <a:schemeClr val="accent1">
-              <a:shade val="50000"/>
-            </a:schemeClr>
-          </a:lnRef>
-          <a:fillRef idx="1">
-            <a:schemeClr val="accent1"/>
-          </a:fillRef>
-          <a:effectRef idx="0">
-            <a:schemeClr val="accent1"/>
-          </a:effectRef>
-          <a:fontRef idx="minor">
-            <a:schemeClr val="lt1"/>
-          </a:fontRef>
-        </p:style>
-        <p:txBody>
-          <a:bodyPr rtlCol="0" anchor="ctr"/>
-          <a:lstStyle/>
-          <a:p>
-            <a:pPr algn="ctr"/>
-            <a:endParaRPr lang="en-US" dirty="0"/>
-          </a:p>
-        </p:txBody>
-      </p:sp>
-      <p:sp>
-        <p:nvSpPr>
-          <p:cNvPr id="16" name="Rectangle 15">
-            <a:extLst>
-              <a:ext uri="{FF2B5EF4-FFF2-40B4-BE49-F238E27FC236}">
-                <a16:creationId xmlns:a16="http://schemas.microsoft.com/office/drawing/2014/main" id="{EE04B5EB-F158-4507-90DD-BD23620C7CC9}"/>
-              </a:ext>
-              <a:ext uri="{C183D7F6-B498-43B3-948B-1728B52AA6E4}">
-                <adec:decorative xmlns:adec="http://schemas.microsoft.com/office/drawing/2017/decorative" val="1"/>
-              </a:ext>
-            </a:extLst>
-          </p:cNvPr>
-          <p:cNvSpPr>
-            <a:spLocks noGrp="1" noRot="1" noChangeAspect="1" noMove="1" noResize="1" noEditPoints="1" noAdjustHandles="1" noChangeArrowheads="1" noChangeShapeType="1" noTextEdit="1"/>
-          </p:cNvSpPr>
-          <p:nvPr>
-            <p:extLst>
-              <p:ext uri="{386F3935-93C4-4BCD-93E2-E3B085C9AB24}">
-                <p16:designElem xmlns:p16="http://schemas.microsoft.com/office/powerpoint/2015/main" val="1"/>
-              </p:ext>
-            </p:extLst>
-          </p:nvPr>
-        </p:nvSpPr>
-        <p:spPr>
-          <a:xfrm>
-            <a:off x="641774" y="623275"/>
-            <a:ext cx="10905053" cy="5607882"/>
-          </a:xfrm>
-          <a:prstGeom prst="rect">
-            <a:avLst/>
-          </a:prstGeom>
-          <a:noFill/>
-          <a:ln w="19050">
-            <a:solidFill>
-              <a:schemeClr val="tx1">
-                <a:lumMod val="75000"/>
-                <a:lumOff val="25000"/>
-              </a:schemeClr>
-            </a:solidFill>
-          </a:ln>
-        </p:spPr>
-        <p:style>
-          <a:lnRef idx="2">
-            <a:schemeClr val="accent1">
-              <a:shade val="50000"/>
-            </a:schemeClr>
-          </a:lnRef>
-          <a:fillRef idx="1">
-            <a:schemeClr val="accent1"/>
-          </a:fillRef>
-          <a:effectRef idx="0">
-            <a:schemeClr val="accent1"/>
-          </a:effectRef>
-          <a:fontRef idx="minor">
-            <a:schemeClr val="lt1"/>
-          </a:fontRef>
-        </p:style>
-        <p:txBody>
-          <a:bodyPr rtlCol="0" anchor="ctr"/>
-          <a:lstStyle/>
-          <a:p>
-            <a:pPr algn="ctr"/>
-            <a:endParaRPr lang="en-US"/>
-          </a:p>
-        </p:txBody>
-      </p:sp>
-      <p:sp>
-        <p:nvSpPr>
-          <p:cNvPr id="6" name="Textfeld 5">
-            <a:extLst>
-              <a:ext uri="{FF2B5EF4-FFF2-40B4-BE49-F238E27FC236}">
-                <a16:creationId xmlns:a16="http://schemas.microsoft.com/office/drawing/2014/main" id="{FC44B694-8510-7F76-2A0D-85D03E272259}"/>
-              </a:ext>
-            </a:extLst>
-          </p:cNvPr>
-          <p:cNvSpPr txBox="1"/>
-          <p:nvPr/>
-        </p:nvSpPr>
-        <p:spPr>
-          <a:xfrm>
-            <a:off x="1289304" y="3429000"/>
-            <a:ext cx="8921672" cy="1713305"/>
-          </a:xfrm>
-          <a:prstGeom prst="ellipse">
-            <a:avLst/>
-          </a:prstGeom>
-        </p:spPr>
-        <p:txBody>
-          <a:bodyPr vert="horz" lIns="91440" tIns="45720" rIns="91440" bIns="45720" rtlCol="0" anchor="b">
-            <a:normAutofit/>
-          </a:bodyPr>
-          <a:lstStyle/>
-          <a:p>
-            <a:pPr>
-              <a:lnSpc>
-                <a:spcPct val="90000"/>
-              </a:lnSpc>
-              <a:spcBef>
-                <a:spcPct val="0"/>
-              </a:spcBef>
-              <a:spcAft>
-                <a:spcPts val="600"/>
-              </a:spcAft>
-            </a:pPr>
-            <a:r>
-              <a:rPr lang="en-US" sz="8000" kern="1200" dirty="0">
-                <a:solidFill>
-                  <a:schemeClr val="tx1"/>
-                </a:solidFill>
-                <a:latin typeface="+mj-lt"/>
-                <a:ea typeface="+mj-ea"/>
-                <a:cs typeface="+mj-cs"/>
-              </a:rPr>
-              <a:t>Records</a:t>
-            </a:r>
-          </a:p>
-        </p:txBody>
-      </p:sp>
     </p:spTree>
     <p:extLst>
       <p:ext uri="{BB962C8B-B14F-4D97-AF65-F5344CB8AC3E}">
-        <p14:creationId xmlns:p14="http://schemas.microsoft.com/office/powerpoint/2010/main" val="4040797384"/>
+        <p14:creationId xmlns:p14="http://schemas.microsoft.com/office/powerpoint/2010/main" val="3261119834"/>
       </p:ext>
     </p:extLst>
   </p:cSld>
@@ -4010,6 +4194,315 @@
           <a:chExt cx="0" cy="0"/>
         </a:xfrm>
       </p:grpSpPr>
+      <p:sp useBgFill="1">
+        <p:nvSpPr>
+          <p:cNvPr id="12" name="Rectangle 11">
+            <a:extLst>
+              <a:ext uri="{FF2B5EF4-FFF2-40B4-BE49-F238E27FC236}">
+                <a16:creationId xmlns:a16="http://schemas.microsoft.com/office/drawing/2014/main" id="{19D32F93-50AC-4C46-A5DB-291C60DDB7BD}"/>
+              </a:ext>
+              <a:ext uri="{C183D7F6-B498-43B3-948B-1728B52AA6E4}">
+                <adec:decorative xmlns:adec="http://schemas.microsoft.com/office/drawing/2017/decorative" val="1"/>
+              </a:ext>
+            </a:extLst>
+          </p:cNvPr>
+          <p:cNvSpPr>
+            <a:spLocks noGrp="1" noRot="1" noChangeAspect="1" noMove="1" noResize="1" noEditPoints="1" noAdjustHandles="1" noChangeArrowheads="1" noChangeShapeType="1" noTextEdit="1"/>
+          </p:cNvSpPr>
+          <p:nvPr>
+            <p:extLst>
+              <p:ext uri="{386F3935-93C4-4BCD-93E2-E3B085C9AB24}">
+                <p16:designElem xmlns:p16="http://schemas.microsoft.com/office/powerpoint/2015/main" val="1"/>
+              </p:ext>
+            </p:extLst>
+          </p:nvPr>
+        </p:nvSpPr>
+        <p:spPr>
+          <a:xfrm>
+            <a:off x="0" y="0"/>
+            <a:ext cx="12192000" cy="6858000"/>
+          </a:xfrm>
+          <a:prstGeom prst="rect">
+            <a:avLst/>
+          </a:prstGeom>
+          <a:ln>
+            <a:noFill/>
+          </a:ln>
+        </p:spPr>
+        <p:style>
+          <a:lnRef idx="2">
+            <a:schemeClr val="accent1">
+              <a:shade val="50000"/>
+            </a:schemeClr>
+          </a:lnRef>
+          <a:fillRef idx="1">
+            <a:schemeClr val="accent1"/>
+          </a:fillRef>
+          <a:effectRef idx="0">
+            <a:schemeClr val="accent1"/>
+          </a:effectRef>
+          <a:fontRef idx="minor">
+            <a:schemeClr val="lt1"/>
+          </a:fontRef>
+        </p:style>
+        <p:txBody>
+          <a:bodyPr rtlCol="0" anchor="ctr"/>
+          <a:lstStyle/>
+          <a:p>
+            <a:pPr algn="ctr"/>
+            <a:endParaRPr lang="en-US"/>
+          </a:p>
+        </p:txBody>
+      </p:sp>
+      <p:pic>
+        <p:nvPicPr>
+          <p:cNvPr id="7" name="Grafik 6">
+            <a:extLst>
+              <a:ext uri="{FF2B5EF4-FFF2-40B4-BE49-F238E27FC236}">
+                <a16:creationId xmlns:a16="http://schemas.microsoft.com/office/drawing/2014/main" id="{3F8A1F04-DA60-A3E1-F474-D1A4431009B9}"/>
+              </a:ext>
+            </a:extLst>
+          </p:cNvPr>
+          <p:cNvPicPr>
+            <a:picLocks noChangeAspect="1"/>
+          </p:cNvPicPr>
+          <p:nvPr/>
+        </p:nvPicPr>
+        <p:blipFill>
+          <a:blip r:embed="rId2"/>
+          <a:stretch>
+            <a:fillRect/>
+          </a:stretch>
+        </p:blipFill>
+        <p:spPr>
+          <a:xfrm>
+            <a:off x="1289303" y="1589047"/>
+            <a:ext cx="9613397" cy="1273773"/>
+          </a:xfrm>
+          <a:prstGeom prst="rect">
+            <a:avLst/>
+          </a:prstGeom>
+        </p:spPr>
+      </p:pic>
+      <p:sp>
+        <p:nvSpPr>
+          <p:cNvPr id="14" name="Right Triangle 13">
+            <a:extLst>
+              <a:ext uri="{FF2B5EF4-FFF2-40B4-BE49-F238E27FC236}">
+                <a16:creationId xmlns:a16="http://schemas.microsoft.com/office/drawing/2014/main" id="{827DC2C4-B485-428A-BF4A-472D2967F47F}"/>
+              </a:ext>
+              <a:ext uri="{C183D7F6-B498-43B3-948B-1728B52AA6E4}">
+                <adec:decorative xmlns:adec="http://schemas.microsoft.com/office/drawing/2017/decorative" val="1"/>
+              </a:ext>
+            </a:extLst>
+          </p:cNvPr>
+          <p:cNvSpPr>
+            <a:spLocks noGrp="1" noRot="1" noChangeAspect="1" noMove="1" noResize="1" noEditPoints="1" noAdjustHandles="1" noChangeArrowheads="1" noChangeShapeType="1" noTextEdit="1"/>
+          </p:cNvSpPr>
+          <p:nvPr>
+            <p:extLst>
+              <p:ext uri="{386F3935-93C4-4BCD-93E2-E3B085C9AB24}">
+                <p16:designElem xmlns:p16="http://schemas.microsoft.com/office/powerpoint/2015/main" val="1"/>
+              </p:ext>
+            </p:extLst>
+          </p:nvPr>
+        </p:nvSpPr>
+        <p:spPr>
+          <a:xfrm flipH="1">
+            <a:off x="8576720" y="3335867"/>
+            <a:ext cx="3291840" cy="3200400"/>
+          </a:xfrm>
+          <a:prstGeom prst="rtTriangle">
+            <a:avLst/>
+          </a:prstGeom>
+          <a:solidFill>
+            <a:schemeClr val="accent4"/>
+          </a:solidFill>
+          <a:ln>
+            <a:noFill/>
+          </a:ln>
+        </p:spPr>
+        <p:style>
+          <a:lnRef idx="2">
+            <a:schemeClr val="accent1">
+              <a:shade val="50000"/>
+            </a:schemeClr>
+          </a:lnRef>
+          <a:fillRef idx="1">
+            <a:schemeClr val="accent1"/>
+          </a:fillRef>
+          <a:effectRef idx="0">
+            <a:schemeClr val="accent1"/>
+          </a:effectRef>
+          <a:fontRef idx="minor">
+            <a:schemeClr val="lt1"/>
+          </a:fontRef>
+        </p:style>
+        <p:txBody>
+          <a:bodyPr rtlCol="0" anchor="ctr"/>
+          <a:lstStyle/>
+          <a:p>
+            <a:pPr algn="ctr"/>
+            <a:endParaRPr lang="en-US" dirty="0"/>
+          </a:p>
+        </p:txBody>
+      </p:sp>
+      <p:sp>
+        <p:nvSpPr>
+          <p:cNvPr id="16" name="Rectangle 15">
+            <a:extLst>
+              <a:ext uri="{FF2B5EF4-FFF2-40B4-BE49-F238E27FC236}">
+                <a16:creationId xmlns:a16="http://schemas.microsoft.com/office/drawing/2014/main" id="{EE04B5EB-F158-4507-90DD-BD23620C7CC9}"/>
+              </a:ext>
+              <a:ext uri="{C183D7F6-B498-43B3-948B-1728B52AA6E4}">
+                <adec:decorative xmlns:adec="http://schemas.microsoft.com/office/drawing/2017/decorative" val="1"/>
+              </a:ext>
+            </a:extLst>
+          </p:cNvPr>
+          <p:cNvSpPr>
+            <a:spLocks noGrp="1" noRot="1" noChangeAspect="1" noMove="1" noResize="1" noEditPoints="1" noAdjustHandles="1" noChangeArrowheads="1" noChangeShapeType="1" noTextEdit="1"/>
+          </p:cNvSpPr>
+          <p:nvPr>
+            <p:extLst>
+              <p:ext uri="{386F3935-93C4-4BCD-93E2-E3B085C9AB24}">
+                <p16:designElem xmlns:p16="http://schemas.microsoft.com/office/powerpoint/2015/main" val="1"/>
+              </p:ext>
+            </p:extLst>
+          </p:nvPr>
+        </p:nvSpPr>
+        <p:spPr>
+          <a:xfrm>
+            <a:off x="641774" y="623275"/>
+            <a:ext cx="10905053" cy="5607882"/>
+          </a:xfrm>
+          <a:prstGeom prst="rect">
+            <a:avLst/>
+          </a:prstGeom>
+          <a:noFill/>
+          <a:ln w="19050">
+            <a:solidFill>
+              <a:schemeClr val="tx1">
+                <a:lumMod val="75000"/>
+                <a:lumOff val="25000"/>
+              </a:schemeClr>
+            </a:solidFill>
+          </a:ln>
+        </p:spPr>
+        <p:style>
+          <a:lnRef idx="2">
+            <a:schemeClr val="accent1">
+              <a:shade val="50000"/>
+            </a:schemeClr>
+          </a:lnRef>
+          <a:fillRef idx="1">
+            <a:schemeClr val="accent1"/>
+          </a:fillRef>
+          <a:effectRef idx="0">
+            <a:schemeClr val="accent1"/>
+          </a:effectRef>
+          <a:fontRef idx="minor">
+            <a:schemeClr val="lt1"/>
+          </a:fontRef>
+        </p:style>
+        <p:txBody>
+          <a:bodyPr rtlCol="0" anchor="ctr"/>
+          <a:lstStyle/>
+          <a:p>
+            <a:pPr algn="ctr"/>
+            <a:endParaRPr lang="en-US"/>
+          </a:p>
+        </p:txBody>
+      </p:sp>
+      <p:sp>
+        <p:nvSpPr>
+          <p:cNvPr id="6" name="Textfeld 5">
+            <a:extLst>
+              <a:ext uri="{FF2B5EF4-FFF2-40B4-BE49-F238E27FC236}">
+                <a16:creationId xmlns:a16="http://schemas.microsoft.com/office/drawing/2014/main" id="{FC44B694-8510-7F76-2A0D-85D03E272259}"/>
+              </a:ext>
+            </a:extLst>
+          </p:cNvPr>
+          <p:cNvSpPr txBox="1"/>
+          <p:nvPr/>
+        </p:nvSpPr>
+        <p:spPr>
+          <a:xfrm>
+            <a:off x="1289304" y="3429000"/>
+            <a:ext cx="8921672" cy="1713305"/>
+          </a:xfrm>
+          <a:prstGeom prst="ellipse">
+            <a:avLst/>
+          </a:prstGeom>
+        </p:spPr>
+        <p:txBody>
+          <a:bodyPr vert="horz" lIns="91440" tIns="45720" rIns="91440" bIns="45720" rtlCol="0" anchor="b">
+            <a:normAutofit/>
+          </a:bodyPr>
+          <a:lstStyle/>
+          <a:p>
+            <a:pPr>
+              <a:lnSpc>
+                <a:spcPct val="90000"/>
+              </a:lnSpc>
+              <a:spcBef>
+                <a:spcPct val="0"/>
+              </a:spcBef>
+              <a:spcAft>
+                <a:spcPts val="600"/>
+              </a:spcAft>
+            </a:pPr>
+            <a:r>
+              <a:rPr lang="en-US" sz="8000" kern="1200" dirty="0">
+                <a:solidFill>
+                  <a:schemeClr val="tx1"/>
+                </a:solidFill>
+                <a:latin typeface="+mj-lt"/>
+                <a:ea typeface="+mj-ea"/>
+                <a:cs typeface="+mj-cs"/>
+              </a:rPr>
+              <a:t>Records</a:t>
+            </a:r>
+          </a:p>
+        </p:txBody>
+      </p:sp>
+    </p:spTree>
+    <p:extLst>
+      <p:ext uri="{BB962C8B-B14F-4D97-AF65-F5344CB8AC3E}">
+        <p14:creationId xmlns:p14="http://schemas.microsoft.com/office/powerpoint/2010/main" val="4040797384"/>
+      </p:ext>
+    </p:extLst>
+  </p:cSld>
+  <p:clrMapOvr>
+    <a:masterClrMapping/>
+  </p:clrMapOvr>
+</p:sld>
+</file>
+
+<file path=ppt/slides/slide12.xml><?xml version="1.0" encoding="utf-8"?>
+<p:sld xmlns:a="http://schemas.openxmlformats.org/drawingml/2006/main" xmlns:r="http://schemas.openxmlformats.org/officeDocument/2006/relationships" xmlns:p="http://schemas.openxmlformats.org/presentationml/2006/main">
+  <p:cSld>
+    <p:bg>
+      <p:bgPr>
+        <a:solidFill>
+          <a:schemeClr val="bg1"/>
+        </a:solidFill>
+        <a:effectLst/>
+      </p:bgPr>
+    </p:bg>
+    <p:spTree>
+      <p:nvGrpSpPr>
+        <p:cNvPr id="1" name=""/>
+        <p:cNvGrpSpPr/>
+        <p:nvPr/>
+      </p:nvGrpSpPr>
+      <p:grpSpPr>
+        <a:xfrm>
+          <a:off x="0" y="0"/>
+          <a:ext cx="0" cy="0"/>
+          <a:chOff x="0" y="0"/>
+          <a:chExt cx="0" cy="0"/>
+        </a:xfrm>
+      </p:grpSpPr>
       <p:sp>
         <p:nvSpPr>
           <p:cNvPr id="17" name="Rectangle 10">
@@ -4240,6 +4733,553 @@
 </file>
 
 <file path=ppt/slides/slide2.xml><?xml version="1.0" encoding="utf-8"?>
+<p:sld xmlns:a="http://schemas.openxmlformats.org/drawingml/2006/main" xmlns:r="http://schemas.openxmlformats.org/officeDocument/2006/relationships" xmlns:p="http://schemas.openxmlformats.org/presentationml/2006/main">
+  <p:cSld>
+    <p:bg>
+      <p:bgPr>
+        <a:solidFill>
+          <a:schemeClr val="bg1"/>
+        </a:solidFill>
+        <a:effectLst/>
+      </p:bgPr>
+    </p:bg>
+    <p:spTree>
+      <p:nvGrpSpPr>
+        <p:cNvPr id="1" name=""/>
+        <p:cNvGrpSpPr/>
+        <p:nvPr/>
+      </p:nvGrpSpPr>
+      <p:grpSpPr>
+        <a:xfrm>
+          <a:off x="0" y="0"/>
+          <a:ext cx="0" cy="0"/>
+          <a:chOff x="0" y="0"/>
+          <a:chExt cx="0" cy="0"/>
+        </a:xfrm>
+      </p:grpSpPr>
+      <p:sp>
+        <p:nvSpPr>
+          <p:cNvPr id="50" name="Rectangle 49">
+            <a:extLst>
+              <a:ext uri="{FF2B5EF4-FFF2-40B4-BE49-F238E27FC236}">
+                <a16:creationId xmlns:a16="http://schemas.microsoft.com/office/drawing/2014/main" id="{823AC064-BC96-4F32-8AE1-B2FD38754823}"/>
+              </a:ext>
+              <a:ext uri="{C183D7F6-B498-43B3-948B-1728B52AA6E4}">
+                <adec:decorative xmlns:adec="http://schemas.microsoft.com/office/drawing/2017/decorative" val="1"/>
+              </a:ext>
+            </a:extLst>
+          </p:cNvPr>
+          <p:cNvSpPr>
+            <a:spLocks noGrp="1" noRot="1" noChangeAspect="1" noMove="1" noResize="1" noEditPoints="1" noAdjustHandles="1" noChangeArrowheads="1" noChangeShapeType="1" noTextEdit="1"/>
+          </p:cNvSpPr>
+          <p:nvPr>
+            <p:extLst>
+              <p:ext uri="{386F3935-93C4-4BCD-93E2-E3B085C9AB24}">
+                <p16:designElem xmlns:p16="http://schemas.microsoft.com/office/powerpoint/2015/main" val="1"/>
+              </p:ext>
+            </p:extLst>
+          </p:nvPr>
+        </p:nvSpPr>
+        <p:spPr bwMode="ltGray">
+          <a:xfrm>
+            <a:off x="378068" y="343486"/>
+            <a:ext cx="11438793" cy="1844256"/>
+          </a:xfrm>
+          <a:prstGeom prst="rect">
+            <a:avLst/>
+          </a:prstGeom>
+          <a:solidFill>
+            <a:srgbClr val="404040"/>
+          </a:solidFill>
+          <a:ln w="127000" cap="sq" cmpd="thinThick">
+            <a:solidFill>
+              <a:srgbClr val="404040"/>
+            </a:solidFill>
+          </a:ln>
+        </p:spPr>
+        <p:style>
+          <a:lnRef idx="2">
+            <a:schemeClr val="accent1">
+              <a:shade val="50000"/>
+            </a:schemeClr>
+          </a:lnRef>
+          <a:fillRef idx="1">
+            <a:schemeClr val="accent1"/>
+          </a:fillRef>
+          <a:effectRef idx="0">
+            <a:schemeClr val="accent1"/>
+          </a:effectRef>
+          <a:fontRef idx="minor">
+            <a:schemeClr val="lt1"/>
+          </a:fontRef>
+        </p:style>
+        <p:txBody>
+          <a:bodyPr rtlCol="0" anchor="ctr"/>
+          <a:lstStyle/>
+          <a:p>
+            <a:pPr marL="0" marR="0" lvl="0" indent="0" algn="ctr" defTabSz="914400" rtl="0" eaLnBrk="1" fontAlgn="auto" latinLnBrk="0" hangingPunct="1">
+              <a:lnSpc>
+                <a:spcPct val="100000"/>
+              </a:lnSpc>
+              <a:spcBef>
+                <a:spcPts val="0"/>
+              </a:spcBef>
+              <a:spcAft>
+                <a:spcPts val="0"/>
+              </a:spcAft>
+              <a:buClrTx/>
+              <a:buSzTx/>
+              <a:buFontTx/>
+              <a:buNone/>
+              <a:tabLst/>
+              <a:defRPr/>
+            </a:pPr>
+            <a:endParaRPr kumimoji="0" lang="en-US" sz="1800" b="0" i="0" u="none" strike="noStrike" kern="1200" cap="none" spc="0" normalizeH="0" baseline="0" noProof="0">
+              <a:ln>
+                <a:noFill/>
+              </a:ln>
+              <a:solidFill>
+                <a:prstClr val="white"/>
+              </a:solidFill>
+              <a:effectLst/>
+              <a:uLnTx/>
+              <a:uFillTx/>
+              <a:latin typeface="Calibri" panose="020F0502020204030204"/>
+              <a:ea typeface="+mn-ea"/>
+              <a:cs typeface="+mn-cs"/>
+            </a:endParaRPr>
+          </a:p>
+        </p:txBody>
+      </p:sp>
+      <p:sp>
+        <p:nvSpPr>
+          <p:cNvPr id="19" name="Textfeld 18">
+            <a:extLst>
+              <a:ext uri="{FF2B5EF4-FFF2-40B4-BE49-F238E27FC236}">
+                <a16:creationId xmlns:a16="http://schemas.microsoft.com/office/drawing/2014/main" id="{6AFE277D-035E-8CA5-CF40-E4C913ED35E6}"/>
+              </a:ext>
+            </a:extLst>
+          </p:cNvPr>
+          <p:cNvSpPr txBox="1"/>
+          <p:nvPr/>
+        </p:nvSpPr>
+        <p:spPr>
+          <a:xfrm>
+            <a:off x="526073" y="466578"/>
+            <a:ext cx="11139854" cy="930447"/>
+          </a:xfrm>
+          <a:prstGeom prst="ellipse">
+            <a:avLst/>
+          </a:prstGeom>
+        </p:spPr>
+        <p:txBody>
+          <a:bodyPr vert="horz" lIns="91440" tIns="45720" rIns="91440" bIns="45720" rtlCol="0" anchor="b">
+            <a:normAutofit/>
+          </a:bodyPr>
+          <a:lstStyle/>
+          <a:p>
+            <a:pPr algn="ctr">
+              <a:lnSpc>
+                <a:spcPct val="90000"/>
+              </a:lnSpc>
+              <a:spcBef>
+                <a:spcPct val="0"/>
+              </a:spcBef>
+              <a:spcAft>
+                <a:spcPts val="600"/>
+              </a:spcAft>
+            </a:pPr>
+            <a:r>
+              <a:rPr lang="en-US" sz="3800" kern="1200" dirty="0" err="1">
+                <a:solidFill>
+                  <a:srgbClr val="FFFFFF"/>
+                </a:solidFill>
+                <a:latin typeface="+mj-lt"/>
+                <a:ea typeface="+mj-ea"/>
+                <a:cs typeface="+mj-cs"/>
+              </a:rPr>
+              <a:t>Rollenverteilung</a:t>
+            </a:r>
+            <a:endParaRPr lang="en-US" sz="3800" kern="1200" dirty="0">
+              <a:solidFill>
+                <a:srgbClr val="FFFFFF"/>
+              </a:solidFill>
+              <a:latin typeface="+mj-lt"/>
+              <a:ea typeface="+mj-ea"/>
+              <a:cs typeface="+mj-cs"/>
+            </a:endParaRPr>
+          </a:p>
+        </p:txBody>
+      </p:sp>
+      <p:cxnSp>
+        <p:nvCxnSpPr>
+          <p:cNvPr id="52" name="Straight Connector 51">
+            <a:extLst>
+              <a:ext uri="{FF2B5EF4-FFF2-40B4-BE49-F238E27FC236}">
+                <a16:creationId xmlns:a16="http://schemas.microsoft.com/office/drawing/2014/main" id="{7E7C77BC-7138-40B1-A15B-20F57A494629}"/>
+              </a:ext>
+              <a:ext uri="{C183D7F6-B498-43B3-948B-1728B52AA6E4}">
+                <adec:decorative xmlns:adec="http://schemas.microsoft.com/office/drawing/2017/decorative" val="1"/>
+              </a:ext>
+            </a:extLst>
+          </p:cNvPr>
+          <p:cNvCxnSpPr>
+            <a:cxnSpLocks noGrp="1" noRot="1" noChangeAspect="1" noMove="1" noResize="1" noEditPoints="1" noAdjustHandles="1" noChangeArrowheads="1" noChangeShapeType="1"/>
+          </p:cNvCxnSpPr>
+          <p:nvPr>
+            <p:extLst>
+              <p:ext uri="{386F3935-93C4-4BCD-93E2-E3B085C9AB24}">
+                <p16:designElem xmlns:p16="http://schemas.microsoft.com/office/powerpoint/2015/main" val="1"/>
+              </p:ext>
+            </p:extLst>
+          </p:nvPr>
+        </p:nvCxnSpPr>
+        <p:spPr>
+          <a:xfrm>
+            <a:off x="2209800" y="1448631"/>
+            <a:ext cx="7772400" cy="0"/>
+          </a:xfrm>
+          <a:prstGeom prst="line">
+            <a:avLst/>
+          </a:prstGeom>
+          <a:ln w="22225">
+            <a:solidFill>
+              <a:srgbClr val="D9D9D9"/>
+            </a:solidFill>
+          </a:ln>
+        </p:spPr>
+        <p:style>
+          <a:lnRef idx="1">
+            <a:schemeClr val="accent1"/>
+          </a:lnRef>
+          <a:fillRef idx="0">
+            <a:schemeClr val="accent1"/>
+          </a:fillRef>
+          <a:effectRef idx="0">
+            <a:schemeClr val="accent1"/>
+          </a:effectRef>
+          <a:fontRef idx="minor">
+            <a:schemeClr val="tx1"/>
+          </a:fontRef>
+        </p:style>
+      </p:cxnSp>
+      <p:pic>
+        <p:nvPicPr>
+          <p:cNvPr id="3" name="Grafik 2">
+            <a:extLst>
+              <a:ext uri="{FF2B5EF4-FFF2-40B4-BE49-F238E27FC236}">
+                <a16:creationId xmlns:a16="http://schemas.microsoft.com/office/drawing/2014/main" id="{94346F98-FFA2-C46C-FA9B-BD50E6FFE9F2}"/>
+              </a:ext>
+            </a:extLst>
+          </p:cNvPr>
+          <p:cNvPicPr>
+            <a:picLocks noChangeAspect="1"/>
+          </p:cNvPicPr>
+          <p:nvPr/>
+        </p:nvPicPr>
+        <p:blipFill>
+          <a:blip r:embed="rId2"/>
+          <a:stretch>
+            <a:fillRect/>
+          </a:stretch>
+        </p:blipFill>
+        <p:spPr>
+          <a:xfrm>
+            <a:off x="320040" y="2841691"/>
+            <a:ext cx="11496821" cy="3334077"/>
+          </a:xfrm>
+          <a:prstGeom prst="rect">
+            <a:avLst/>
+          </a:prstGeom>
+        </p:spPr>
+      </p:pic>
+    </p:spTree>
+    <p:extLst>
+      <p:ext uri="{BB962C8B-B14F-4D97-AF65-F5344CB8AC3E}">
+        <p14:creationId xmlns:p14="http://schemas.microsoft.com/office/powerpoint/2010/main" val="2194443060"/>
+      </p:ext>
+    </p:extLst>
+  </p:cSld>
+  <p:clrMapOvr>
+    <a:masterClrMapping/>
+  </p:clrMapOvr>
+</p:sld>
+</file>
+
+<file path=ppt/slides/slide3.xml><?xml version="1.0" encoding="utf-8"?>
+<p:sld xmlns:a="http://schemas.openxmlformats.org/drawingml/2006/main" xmlns:r="http://schemas.openxmlformats.org/officeDocument/2006/relationships" xmlns:p="http://schemas.openxmlformats.org/presentationml/2006/main">
+  <p:cSld>
+    <p:bg>
+      <p:bgPr>
+        <a:solidFill>
+          <a:schemeClr val="bg1"/>
+        </a:solidFill>
+        <a:effectLst/>
+      </p:bgPr>
+    </p:bg>
+    <p:spTree>
+      <p:nvGrpSpPr>
+        <p:cNvPr id="1" name=""/>
+        <p:cNvGrpSpPr/>
+        <p:nvPr/>
+      </p:nvGrpSpPr>
+      <p:grpSpPr>
+        <a:xfrm>
+          <a:off x="0" y="0"/>
+          <a:ext cx="0" cy="0"/>
+          <a:chOff x="0" y="0"/>
+          <a:chExt cx="0" cy="0"/>
+        </a:xfrm>
+      </p:grpSpPr>
+      <p:sp>
+        <p:nvSpPr>
+          <p:cNvPr id="50" name="Rectangle 49">
+            <a:extLst>
+              <a:ext uri="{FF2B5EF4-FFF2-40B4-BE49-F238E27FC236}">
+                <a16:creationId xmlns:a16="http://schemas.microsoft.com/office/drawing/2014/main" id="{823AC064-BC96-4F32-8AE1-B2FD38754823}"/>
+              </a:ext>
+              <a:ext uri="{C183D7F6-B498-43B3-948B-1728B52AA6E4}">
+                <adec:decorative xmlns:adec="http://schemas.microsoft.com/office/drawing/2017/decorative" val="1"/>
+              </a:ext>
+            </a:extLst>
+          </p:cNvPr>
+          <p:cNvSpPr>
+            <a:spLocks noGrp="1" noRot="1" noChangeAspect="1" noMove="1" noResize="1" noEditPoints="1" noAdjustHandles="1" noChangeArrowheads="1" noChangeShapeType="1" noTextEdit="1"/>
+          </p:cNvSpPr>
+          <p:nvPr>
+            <p:extLst>
+              <p:ext uri="{386F3935-93C4-4BCD-93E2-E3B085C9AB24}">
+                <p16:designElem xmlns:p16="http://schemas.microsoft.com/office/powerpoint/2015/main" val="1"/>
+              </p:ext>
+            </p:extLst>
+          </p:nvPr>
+        </p:nvSpPr>
+        <p:spPr bwMode="ltGray">
+          <a:xfrm>
+            <a:off x="378068" y="343486"/>
+            <a:ext cx="11438793" cy="1844256"/>
+          </a:xfrm>
+          <a:prstGeom prst="rect">
+            <a:avLst/>
+          </a:prstGeom>
+          <a:solidFill>
+            <a:srgbClr val="404040"/>
+          </a:solidFill>
+          <a:ln w="127000" cap="sq" cmpd="thinThick">
+            <a:solidFill>
+              <a:srgbClr val="404040"/>
+            </a:solidFill>
+          </a:ln>
+        </p:spPr>
+        <p:style>
+          <a:lnRef idx="2">
+            <a:schemeClr val="accent1">
+              <a:shade val="50000"/>
+            </a:schemeClr>
+          </a:lnRef>
+          <a:fillRef idx="1">
+            <a:schemeClr val="accent1"/>
+          </a:fillRef>
+          <a:effectRef idx="0">
+            <a:schemeClr val="accent1"/>
+          </a:effectRef>
+          <a:fontRef idx="minor">
+            <a:schemeClr val="lt1"/>
+          </a:fontRef>
+        </p:style>
+        <p:txBody>
+          <a:bodyPr rtlCol="0" anchor="ctr"/>
+          <a:lstStyle/>
+          <a:p>
+            <a:pPr marL="0" marR="0" lvl="0" indent="0" algn="ctr" defTabSz="914400" rtl="0" eaLnBrk="1" fontAlgn="auto" latinLnBrk="0" hangingPunct="1">
+              <a:lnSpc>
+                <a:spcPct val="100000"/>
+              </a:lnSpc>
+              <a:spcBef>
+                <a:spcPts val="0"/>
+              </a:spcBef>
+              <a:spcAft>
+                <a:spcPts val="0"/>
+              </a:spcAft>
+              <a:buClrTx/>
+              <a:buSzTx/>
+              <a:buFontTx/>
+              <a:buNone/>
+              <a:tabLst/>
+              <a:defRPr/>
+            </a:pPr>
+            <a:endParaRPr kumimoji="0" lang="en-US" sz="1800" b="0" i="0" u="none" strike="noStrike" kern="1200" cap="none" spc="0" normalizeH="0" baseline="0" noProof="0">
+              <a:ln>
+                <a:noFill/>
+              </a:ln>
+              <a:solidFill>
+                <a:prstClr val="white"/>
+              </a:solidFill>
+              <a:effectLst/>
+              <a:uLnTx/>
+              <a:uFillTx/>
+              <a:latin typeface="Calibri" panose="020F0502020204030204"/>
+              <a:ea typeface="+mn-ea"/>
+              <a:cs typeface="+mn-cs"/>
+            </a:endParaRPr>
+          </a:p>
+        </p:txBody>
+      </p:sp>
+      <p:sp>
+        <p:nvSpPr>
+          <p:cNvPr id="19" name="Textfeld 18">
+            <a:extLst>
+              <a:ext uri="{FF2B5EF4-FFF2-40B4-BE49-F238E27FC236}">
+                <a16:creationId xmlns:a16="http://schemas.microsoft.com/office/drawing/2014/main" id="{6AFE277D-035E-8CA5-CF40-E4C913ED35E6}"/>
+              </a:ext>
+            </a:extLst>
+          </p:cNvPr>
+          <p:cNvSpPr txBox="1"/>
+          <p:nvPr/>
+        </p:nvSpPr>
+        <p:spPr>
+          <a:xfrm>
+            <a:off x="526073" y="466578"/>
+            <a:ext cx="11139854" cy="930447"/>
+          </a:xfrm>
+          <a:prstGeom prst="ellipse">
+            <a:avLst/>
+          </a:prstGeom>
+        </p:spPr>
+        <p:txBody>
+          <a:bodyPr vert="horz" lIns="91440" tIns="45720" rIns="91440" bIns="45720" rtlCol="0" anchor="b">
+            <a:normAutofit/>
+          </a:bodyPr>
+          <a:lstStyle/>
+          <a:p>
+            <a:pPr algn="ctr">
+              <a:lnSpc>
+                <a:spcPct val="90000"/>
+              </a:lnSpc>
+              <a:spcBef>
+                <a:spcPct val="0"/>
+              </a:spcBef>
+              <a:spcAft>
+                <a:spcPts val="600"/>
+              </a:spcAft>
+            </a:pPr>
+            <a:r>
+              <a:rPr lang="en-US" sz="3800" kern="1200" dirty="0" err="1">
+                <a:solidFill>
+                  <a:srgbClr val="FFFFFF"/>
+                </a:solidFill>
+                <a:latin typeface="+mj-lt"/>
+                <a:ea typeface="+mj-ea"/>
+                <a:cs typeface="+mj-cs"/>
+              </a:rPr>
+              <a:t>Schnittstellen</a:t>
+            </a:r>
+            <a:endParaRPr lang="en-US" sz="3800" kern="1200" dirty="0">
+              <a:solidFill>
+                <a:srgbClr val="FFFFFF"/>
+              </a:solidFill>
+              <a:latin typeface="+mj-lt"/>
+              <a:ea typeface="+mj-ea"/>
+              <a:cs typeface="+mj-cs"/>
+            </a:endParaRPr>
+          </a:p>
+        </p:txBody>
+      </p:sp>
+      <p:cxnSp>
+        <p:nvCxnSpPr>
+          <p:cNvPr id="52" name="Straight Connector 51">
+            <a:extLst>
+              <a:ext uri="{FF2B5EF4-FFF2-40B4-BE49-F238E27FC236}">
+                <a16:creationId xmlns:a16="http://schemas.microsoft.com/office/drawing/2014/main" id="{7E7C77BC-7138-40B1-A15B-20F57A494629}"/>
+              </a:ext>
+              <a:ext uri="{C183D7F6-B498-43B3-948B-1728B52AA6E4}">
+                <adec:decorative xmlns:adec="http://schemas.microsoft.com/office/drawing/2017/decorative" val="1"/>
+              </a:ext>
+            </a:extLst>
+          </p:cNvPr>
+          <p:cNvCxnSpPr>
+            <a:cxnSpLocks noGrp="1" noRot="1" noChangeAspect="1" noMove="1" noResize="1" noEditPoints="1" noAdjustHandles="1" noChangeArrowheads="1" noChangeShapeType="1"/>
+          </p:cNvCxnSpPr>
+          <p:nvPr>
+            <p:extLst>
+              <p:ext uri="{386F3935-93C4-4BCD-93E2-E3B085C9AB24}">
+                <p16:designElem xmlns:p16="http://schemas.microsoft.com/office/powerpoint/2015/main" val="1"/>
+              </p:ext>
+            </p:extLst>
+          </p:nvPr>
+        </p:nvCxnSpPr>
+        <p:spPr>
+          <a:xfrm>
+            <a:off x="2209800" y="1448631"/>
+            <a:ext cx="7772400" cy="0"/>
+          </a:xfrm>
+          <a:prstGeom prst="line">
+            <a:avLst/>
+          </a:prstGeom>
+          <a:ln w="22225">
+            <a:solidFill>
+              <a:srgbClr val="D9D9D9"/>
+            </a:solidFill>
+          </a:ln>
+        </p:spPr>
+        <p:style>
+          <a:lnRef idx="1">
+            <a:schemeClr val="accent1"/>
+          </a:lnRef>
+          <a:fillRef idx="0">
+            <a:schemeClr val="accent1"/>
+          </a:fillRef>
+          <a:effectRef idx="0">
+            <a:schemeClr val="accent1"/>
+          </a:effectRef>
+          <a:fontRef idx="minor">
+            <a:schemeClr val="tx1"/>
+          </a:fontRef>
+        </p:style>
+      </p:cxnSp>
+      <p:pic>
+        <p:nvPicPr>
+          <p:cNvPr id="6" name="Grafik 5" descr="Ein Bild, das Text enthält.&#10;&#10;Automatisch generierte Beschreibung">
+            <a:extLst>
+              <a:ext uri="{FF2B5EF4-FFF2-40B4-BE49-F238E27FC236}">
+                <a16:creationId xmlns:a16="http://schemas.microsoft.com/office/drawing/2014/main" id="{B07966CB-491B-DF5C-752E-AD1D43A7020D}"/>
+              </a:ext>
+            </a:extLst>
+          </p:cNvPr>
+          <p:cNvPicPr>
+            <a:picLocks noChangeAspect="1"/>
+          </p:cNvPicPr>
+          <p:nvPr/>
+        </p:nvPicPr>
+        <p:blipFill rotWithShape="1">
+          <a:blip r:embed="rId2"/>
+          <a:srcRect r="5454"/>
+          <a:stretch/>
+        </p:blipFill>
+        <p:spPr>
+          <a:xfrm>
+            <a:off x="371963" y="2590654"/>
+            <a:ext cx="11172337" cy="3574600"/>
+          </a:xfrm>
+          <a:prstGeom prst="rect">
+            <a:avLst/>
+          </a:prstGeom>
+        </p:spPr>
+      </p:pic>
+    </p:spTree>
+    <p:extLst>
+      <p:ext uri="{BB962C8B-B14F-4D97-AF65-F5344CB8AC3E}">
+        <p14:creationId xmlns:p14="http://schemas.microsoft.com/office/powerpoint/2010/main" val="2542139941"/>
+      </p:ext>
+    </p:extLst>
+  </p:cSld>
+  <p:clrMapOvr>
+    <a:masterClrMapping/>
+  </p:clrMapOvr>
+</p:sld>
+</file>
+
+<file path=ppt/slides/slide4.xml><?xml version="1.0" encoding="utf-8"?>
 <p:sld xmlns:a="http://schemas.openxmlformats.org/drawingml/2006/main" xmlns:r="http://schemas.openxmlformats.org/officeDocument/2006/relationships" xmlns:p="http://schemas.openxmlformats.org/presentationml/2006/main">
   <p:cSld>
     <p:bg>
@@ -4714,7 +5754,7 @@
 </p:sld>
 </file>
 
-<file path=ppt/slides/slide3.xml><?xml version="1.0" encoding="utf-8"?>
+<file path=ppt/slides/slide5.xml><?xml version="1.0" encoding="utf-8"?>
 <p:sld xmlns:a="http://schemas.openxmlformats.org/drawingml/2006/main" xmlns:r="http://schemas.openxmlformats.org/officeDocument/2006/relationships" xmlns:p="http://schemas.openxmlformats.org/presentationml/2006/main">
   <p:cSld>
     <p:bg>
@@ -5026,7 +6066,7 @@
 </p:sld>
 </file>
 
-<file path=ppt/slides/slide4.xml><?xml version="1.0" encoding="utf-8"?>
+<file path=ppt/slides/slide6.xml><?xml version="1.0" encoding="utf-8"?>
 <p:sld xmlns:a="http://schemas.openxmlformats.org/drawingml/2006/main" xmlns:r="http://schemas.openxmlformats.org/officeDocument/2006/relationships" xmlns:p="http://schemas.openxmlformats.org/presentationml/2006/main">
   <p:cSld>
     <p:bg>
@@ -5393,7 +6433,7 @@
 </p:sld>
 </file>
 
-<file path=ppt/slides/slide5.xml><?xml version="1.0" encoding="utf-8"?>
+<file path=ppt/slides/slide7.xml><?xml version="1.0" encoding="utf-8"?>
 <p:sld xmlns:a="http://schemas.openxmlformats.org/drawingml/2006/main" xmlns:r="http://schemas.openxmlformats.org/officeDocument/2006/relationships" xmlns:p="http://schemas.openxmlformats.org/presentationml/2006/main">
   <p:cSld>
     <p:bg>
@@ -5420,10 +6460,10 @@
       </p:grpSpPr>
       <p:sp>
         <p:nvSpPr>
-          <p:cNvPr id="25" name="Rectangle 9">
-            <a:extLst>
-              <a:ext uri="{FF2B5EF4-FFF2-40B4-BE49-F238E27FC236}">
-                <a16:creationId xmlns:a16="http://schemas.microsoft.com/office/drawing/2014/main" id="{86FF76B9-219D-4469-AF87-0236D29032F1}"/>
+          <p:cNvPr id="10" name="Rectangle 9">
+            <a:extLst>
+              <a:ext uri="{FF2B5EF4-FFF2-40B4-BE49-F238E27FC236}">
+                <a16:creationId xmlns:a16="http://schemas.microsoft.com/office/drawing/2014/main" id="{F3060C83-F051-4F0E-ABAD-AA0DFC48B218}"/>
               </a:ext>
               <a:ext uri="{C183D7F6-B498-43B3-948B-1728B52AA6E4}">
                 <adec:decorative xmlns:adec="http://schemas.microsoft.com/office/drawing/2017/decorative" val="1"/>
@@ -5481,9 +6521,1249 @@
           </a:p>
         </p:txBody>
       </p:sp>
+      <p:sp>
+        <p:nvSpPr>
+          <p:cNvPr id="12" name="Freeform: Shape 11">
+            <a:extLst>
+              <a:ext uri="{FF2B5EF4-FFF2-40B4-BE49-F238E27FC236}">
+                <a16:creationId xmlns:a16="http://schemas.microsoft.com/office/drawing/2014/main" id="{83C98ABE-055B-441F-B07E-44F97F083C39}"/>
+              </a:ext>
+              <a:ext uri="{C183D7F6-B498-43B3-948B-1728B52AA6E4}">
+                <adec:decorative xmlns:adec="http://schemas.microsoft.com/office/drawing/2017/decorative" val="1"/>
+              </a:ext>
+            </a:extLst>
+          </p:cNvPr>
+          <p:cNvSpPr>
+            <a:spLocks noGrp="1" noRot="1" noChangeAspect="1" noMove="1" noResize="1" noEditPoints="1" noAdjustHandles="1" noChangeArrowheads="1" noChangeShapeType="1" noTextEdit="1"/>
+          </p:cNvSpPr>
+          <p:nvPr>
+            <p:extLst>
+              <p:ext uri="{386F3935-93C4-4BCD-93E2-E3B085C9AB24}">
+                <p16:designElem xmlns:p16="http://schemas.microsoft.com/office/powerpoint/2015/main" val="1"/>
+              </p:ext>
+            </p:extLst>
+          </p:nvPr>
+        </p:nvSpPr>
+        <p:spPr>
+          <a:xfrm rot="18900000" flipH="1">
+            <a:off x="-376156" y="-253670"/>
+            <a:ext cx="1827638" cy="1376989"/>
+          </a:xfrm>
+          <a:custGeom>
+            <a:avLst/>
+            <a:gdLst>
+              <a:gd name="connsiteX0" fmla="*/ 0 w 1827638"/>
+              <a:gd name="connsiteY0" fmla="*/ 987379 h 1376989"/>
+              <a:gd name="connsiteX1" fmla="*/ 987379 w 1827638"/>
+              <a:gd name="connsiteY1" fmla="*/ 0 h 1376989"/>
+              <a:gd name="connsiteX2" fmla="*/ 1827638 w 1827638"/>
+              <a:gd name="connsiteY2" fmla="*/ 840260 h 1376989"/>
+              <a:gd name="connsiteX3" fmla="*/ 1827638 w 1827638"/>
+              <a:gd name="connsiteY3" fmla="*/ 1376989 h 1376989"/>
+              <a:gd name="connsiteX4" fmla="*/ 0 w 1827638"/>
+              <a:gd name="connsiteY4" fmla="*/ 1376989 h 1376989"/>
+            </a:gdLst>
+            <a:ahLst/>
+            <a:cxnLst>
+              <a:cxn ang="0">
+                <a:pos x="connsiteX0" y="connsiteY0"/>
+              </a:cxn>
+              <a:cxn ang="0">
+                <a:pos x="connsiteX1" y="connsiteY1"/>
+              </a:cxn>
+              <a:cxn ang="0">
+                <a:pos x="connsiteX2" y="connsiteY2"/>
+              </a:cxn>
+              <a:cxn ang="0">
+                <a:pos x="connsiteX3" y="connsiteY3"/>
+              </a:cxn>
+              <a:cxn ang="0">
+                <a:pos x="connsiteX4" y="connsiteY4"/>
+              </a:cxn>
+            </a:cxnLst>
+            <a:rect l="l" t="t" r="r" b="b"/>
+            <a:pathLst>
+              <a:path w="1827638" h="1376989">
+                <a:moveTo>
+                  <a:pt x="0" y="987379"/>
+                </a:moveTo>
+                <a:lnTo>
+                  <a:pt x="987379" y="0"/>
+                </a:lnTo>
+                <a:lnTo>
+                  <a:pt x="1827638" y="840260"/>
+                </a:lnTo>
+                <a:lnTo>
+                  <a:pt x="1827638" y="1376989"/>
+                </a:lnTo>
+                <a:lnTo>
+                  <a:pt x="0" y="1376989"/>
+                </a:lnTo>
+                <a:close/>
+              </a:path>
+            </a:pathLst>
+          </a:custGeom>
+          <a:solidFill>
+            <a:schemeClr val="accent1">
+              <a:alpha val="30000"/>
+            </a:schemeClr>
+          </a:solidFill>
+          <a:ln>
+            <a:noFill/>
+          </a:ln>
+        </p:spPr>
+        <p:style>
+          <a:lnRef idx="2">
+            <a:schemeClr val="accent1">
+              <a:shade val="50000"/>
+            </a:schemeClr>
+          </a:lnRef>
+          <a:fillRef idx="1">
+            <a:schemeClr val="accent1"/>
+          </a:fillRef>
+          <a:effectRef idx="0">
+            <a:schemeClr val="accent1"/>
+          </a:effectRef>
+          <a:fontRef idx="minor">
+            <a:schemeClr val="lt1"/>
+          </a:fontRef>
+        </p:style>
+        <p:txBody>
+          <a:bodyPr rtlCol="0" anchor="ctr"/>
+          <a:lstStyle/>
+          <a:p>
+            <a:pPr algn="ctr"/>
+            <a:endParaRPr lang="en-US" dirty="0"/>
+          </a:p>
+        </p:txBody>
+      </p:sp>
+      <p:sp>
+        <p:nvSpPr>
+          <p:cNvPr id="14" name="Rectangle 13">
+            <a:extLst>
+              <a:ext uri="{FF2B5EF4-FFF2-40B4-BE49-F238E27FC236}">
+                <a16:creationId xmlns:a16="http://schemas.microsoft.com/office/drawing/2014/main" id="{29FDB030-9B49-4CED-8CCD-4D99382388AC}"/>
+              </a:ext>
+              <a:ext uri="{C183D7F6-B498-43B3-948B-1728B52AA6E4}">
+                <adec:decorative xmlns:adec="http://schemas.microsoft.com/office/drawing/2017/decorative" val="1"/>
+              </a:ext>
+            </a:extLst>
+          </p:cNvPr>
+          <p:cNvSpPr>
+            <a:spLocks noGrp="1" noRot="1" noChangeAspect="1" noMove="1" noResize="1" noEditPoints="1" noAdjustHandles="1" noChangeArrowheads="1" noChangeShapeType="1" noTextEdit="1"/>
+          </p:cNvSpPr>
+          <p:nvPr>
+            <p:extLst>
+              <p:ext uri="{386F3935-93C4-4BCD-93E2-E3B085C9AB24}">
+                <p16:designElem xmlns:p16="http://schemas.microsoft.com/office/powerpoint/2015/main" val="1"/>
+              </p:ext>
+            </p:extLst>
+          </p:nvPr>
+        </p:nvSpPr>
+        <p:spPr>
+          <a:xfrm rot="18900000" flipH="1">
+            <a:off x="891641" y="422146"/>
+            <a:ext cx="645368" cy="645368"/>
+          </a:xfrm>
+          <a:prstGeom prst="rect">
+            <a:avLst/>
+          </a:prstGeom>
+          <a:solidFill>
+            <a:schemeClr val="accent1">
+              <a:alpha val="30000"/>
+            </a:schemeClr>
+          </a:solidFill>
+          <a:ln>
+            <a:noFill/>
+          </a:ln>
+        </p:spPr>
+        <p:style>
+          <a:lnRef idx="2">
+            <a:schemeClr val="accent1">
+              <a:shade val="50000"/>
+            </a:schemeClr>
+          </a:lnRef>
+          <a:fillRef idx="1">
+            <a:schemeClr val="accent1"/>
+          </a:fillRef>
+          <a:effectRef idx="0">
+            <a:schemeClr val="accent1"/>
+          </a:effectRef>
+          <a:fontRef idx="minor">
+            <a:schemeClr val="lt1"/>
+          </a:fontRef>
+        </p:style>
+        <p:txBody>
+          <a:bodyPr rtlCol="0" anchor="ctr"/>
+          <a:lstStyle/>
+          <a:p>
+            <a:pPr algn="ctr"/>
+            <a:endParaRPr lang="en-US"/>
+          </a:p>
+        </p:txBody>
+      </p:sp>
+      <p:sp>
+        <p:nvSpPr>
+          <p:cNvPr id="16" name="Rectangle 15">
+            <a:extLst>
+              <a:ext uri="{FF2B5EF4-FFF2-40B4-BE49-F238E27FC236}">
+                <a16:creationId xmlns:a16="http://schemas.microsoft.com/office/drawing/2014/main" id="{3783CA14-24A1-485C-8B30-D6A5D87987AD}"/>
+              </a:ext>
+              <a:ext uri="{C183D7F6-B498-43B3-948B-1728B52AA6E4}">
+                <adec:decorative xmlns:adec="http://schemas.microsoft.com/office/drawing/2017/decorative" val="1"/>
+              </a:ext>
+            </a:extLst>
+          </p:cNvPr>
+          <p:cNvSpPr>
+            <a:spLocks noGrp="1" noRot="1" noChangeAspect="1" noMove="1" noResize="1" noEditPoints="1" noAdjustHandles="1" noChangeArrowheads="1" noChangeShapeType="1" noTextEdit="1"/>
+          </p:cNvSpPr>
+          <p:nvPr>
+            <p:extLst>
+              <p:ext uri="{386F3935-93C4-4BCD-93E2-E3B085C9AB24}">
+                <p16:designElem xmlns:p16="http://schemas.microsoft.com/office/powerpoint/2015/main" val="1"/>
+              </p:ext>
+            </p:extLst>
+          </p:nvPr>
+        </p:nvSpPr>
+        <p:spPr>
+          <a:xfrm rot="18900000" flipH="1">
+            <a:off x="10043482" y="655140"/>
+            <a:ext cx="687472" cy="687472"/>
+          </a:xfrm>
+          <a:prstGeom prst="rect">
+            <a:avLst/>
+          </a:prstGeom>
+          <a:solidFill>
+            <a:schemeClr val="accent4">
+              <a:alpha val="30000"/>
+            </a:schemeClr>
+          </a:solidFill>
+          <a:ln>
+            <a:noFill/>
+          </a:ln>
+        </p:spPr>
+        <p:style>
+          <a:lnRef idx="2">
+            <a:schemeClr val="accent1">
+              <a:shade val="50000"/>
+            </a:schemeClr>
+          </a:lnRef>
+          <a:fillRef idx="1">
+            <a:schemeClr val="accent1"/>
+          </a:fillRef>
+          <a:effectRef idx="0">
+            <a:schemeClr val="accent1"/>
+          </a:effectRef>
+          <a:fontRef idx="minor">
+            <a:schemeClr val="lt1"/>
+          </a:fontRef>
+        </p:style>
+        <p:txBody>
+          <a:bodyPr rtlCol="0" anchor="ctr"/>
+          <a:lstStyle/>
+          <a:p>
+            <a:pPr algn="ctr"/>
+            <a:endParaRPr lang="en-US"/>
+          </a:p>
+        </p:txBody>
+      </p:sp>
+      <p:sp>
+        <p:nvSpPr>
+          <p:cNvPr id="18" name="Freeform: Shape 17">
+            <a:extLst>
+              <a:ext uri="{FF2B5EF4-FFF2-40B4-BE49-F238E27FC236}">
+                <a16:creationId xmlns:a16="http://schemas.microsoft.com/office/drawing/2014/main" id="{9A97C86A-04D6-40F7-AE84-31AB43E6A846}"/>
+              </a:ext>
+              <a:ext uri="{C183D7F6-B498-43B3-948B-1728B52AA6E4}">
+                <adec:decorative xmlns:adec="http://schemas.microsoft.com/office/drawing/2017/decorative" val="1"/>
+              </a:ext>
+            </a:extLst>
+          </p:cNvPr>
+          <p:cNvSpPr>
+            <a:spLocks noGrp="1" noRot="1" noChangeAspect="1" noMove="1" noResize="1" noEditPoints="1" noAdjustHandles="1" noChangeArrowheads="1" noChangeShapeType="1" noTextEdit="1"/>
+          </p:cNvSpPr>
+          <p:nvPr>
+            <p:extLst>
+              <p:ext uri="{386F3935-93C4-4BCD-93E2-E3B085C9AB24}">
+                <p16:designElem xmlns:p16="http://schemas.microsoft.com/office/powerpoint/2015/main" val="1"/>
+              </p:ext>
+            </p:extLst>
+          </p:nvPr>
+        </p:nvSpPr>
+        <p:spPr>
+          <a:xfrm rot="10800000" flipH="1">
+            <a:off x="9356643" y="0"/>
+            <a:ext cx="2835357" cy="1480837"/>
+          </a:xfrm>
+          <a:custGeom>
+            <a:avLst/>
+            <a:gdLst>
+              <a:gd name="connsiteX0" fmla="*/ 2835357 w 2835357"/>
+              <a:gd name="connsiteY0" fmla="*/ 1480837 h 1480837"/>
+              <a:gd name="connsiteX1" fmla="*/ 0 w 2835357"/>
+              <a:gd name="connsiteY1" fmla="*/ 1480837 h 1480837"/>
+              <a:gd name="connsiteX2" fmla="*/ 1552727 w 2835357"/>
+              <a:gd name="connsiteY2" fmla="*/ 0 h 1480837"/>
+              <a:gd name="connsiteX3" fmla="*/ 2835357 w 2835357"/>
+              <a:gd name="connsiteY3" fmla="*/ 1223245 h 1480837"/>
+            </a:gdLst>
+            <a:ahLst/>
+            <a:cxnLst>
+              <a:cxn ang="0">
+                <a:pos x="connsiteX0" y="connsiteY0"/>
+              </a:cxn>
+              <a:cxn ang="0">
+                <a:pos x="connsiteX1" y="connsiteY1"/>
+              </a:cxn>
+              <a:cxn ang="0">
+                <a:pos x="connsiteX2" y="connsiteY2"/>
+              </a:cxn>
+              <a:cxn ang="0">
+                <a:pos x="connsiteX3" y="connsiteY3"/>
+              </a:cxn>
+            </a:cxnLst>
+            <a:rect l="l" t="t" r="r" b="b"/>
+            <a:pathLst>
+              <a:path w="2835357" h="1480837">
+                <a:moveTo>
+                  <a:pt x="2835357" y="1480837"/>
+                </a:moveTo>
+                <a:lnTo>
+                  <a:pt x="0" y="1480837"/>
+                </a:lnTo>
+                <a:lnTo>
+                  <a:pt x="1552727" y="0"/>
+                </a:lnTo>
+                <a:lnTo>
+                  <a:pt x="2835357" y="1223245"/>
+                </a:lnTo>
+                <a:close/>
+              </a:path>
+            </a:pathLst>
+          </a:custGeom>
+          <a:solidFill>
+            <a:schemeClr val="accent4">
+              <a:alpha val="30000"/>
+            </a:schemeClr>
+          </a:solidFill>
+          <a:ln>
+            <a:noFill/>
+          </a:ln>
+        </p:spPr>
+        <p:style>
+          <a:lnRef idx="2">
+            <a:schemeClr val="accent1">
+              <a:shade val="50000"/>
+            </a:schemeClr>
+          </a:lnRef>
+          <a:fillRef idx="1">
+            <a:schemeClr val="accent1"/>
+          </a:fillRef>
+          <a:effectRef idx="0">
+            <a:schemeClr val="accent1"/>
+          </a:effectRef>
+          <a:fontRef idx="minor">
+            <a:schemeClr val="lt1"/>
+          </a:fontRef>
+        </p:style>
+        <p:txBody>
+          <a:bodyPr wrap="square" rtlCol="0" anchor="ctr">
+            <a:noAutofit/>
+          </a:bodyPr>
+          <a:lstStyle/>
+          <a:p>
+            <a:pPr algn="ctr"/>
+            <a:endParaRPr lang="en-US" dirty="0"/>
+          </a:p>
+        </p:txBody>
+      </p:sp>
+      <p:sp>
+        <p:nvSpPr>
+          <p:cNvPr id="20" name="Isosceles Triangle 19">
+            <a:extLst>
+              <a:ext uri="{FF2B5EF4-FFF2-40B4-BE49-F238E27FC236}">
+                <a16:creationId xmlns:a16="http://schemas.microsoft.com/office/drawing/2014/main" id="{FF9F2414-84E8-453E-B1F3-389FDE8192D9}"/>
+              </a:ext>
+              <a:ext uri="{C183D7F6-B498-43B3-948B-1728B52AA6E4}">
+                <adec:decorative xmlns:adec="http://schemas.microsoft.com/office/drawing/2017/decorative" val="1"/>
+              </a:ext>
+            </a:extLst>
+          </p:cNvPr>
+          <p:cNvSpPr>
+            <a:spLocks noGrp="1" noRot="1" noChangeAspect="1" noMove="1" noResize="1" noEditPoints="1" noAdjustHandles="1" noChangeArrowheads="1" noChangeShapeType="1" noTextEdit="1"/>
+          </p:cNvSpPr>
+          <p:nvPr>
+            <p:extLst>
+              <p:ext uri="{386F3935-93C4-4BCD-93E2-E3B085C9AB24}">
+                <p16:designElem xmlns:p16="http://schemas.microsoft.com/office/powerpoint/2015/main" val="1"/>
+              </p:ext>
+            </p:extLst>
+          </p:nvPr>
+        </p:nvSpPr>
+        <p:spPr>
+          <a:xfrm flipH="1">
+            <a:off x="7976344" y="6115501"/>
+            <a:ext cx="1494513" cy="742499"/>
+          </a:xfrm>
+          <a:prstGeom prst="triangle">
+            <a:avLst/>
+          </a:prstGeom>
+          <a:solidFill>
+            <a:schemeClr val="accent1">
+              <a:alpha val="30000"/>
+            </a:schemeClr>
+          </a:solidFill>
+          <a:ln>
+            <a:noFill/>
+          </a:ln>
+        </p:spPr>
+        <p:style>
+          <a:lnRef idx="2">
+            <a:schemeClr val="accent1">
+              <a:shade val="50000"/>
+            </a:schemeClr>
+          </a:lnRef>
+          <a:fillRef idx="1">
+            <a:schemeClr val="accent1"/>
+          </a:fillRef>
+          <a:effectRef idx="0">
+            <a:schemeClr val="accent1"/>
+          </a:effectRef>
+          <a:fontRef idx="minor">
+            <a:schemeClr val="lt1"/>
+          </a:fontRef>
+        </p:style>
+        <p:txBody>
+          <a:bodyPr rtlCol="0" anchor="ctr"/>
+          <a:lstStyle/>
+          <a:p>
+            <a:pPr algn="ctr"/>
+            <a:endParaRPr lang="en-US"/>
+          </a:p>
+        </p:txBody>
+      </p:sp>
+      <p:pic>
+        <p:nvPicPr>
+          <p:cNvPr id="5" name="Grafik 4">
+            <a:extLst>
+              <a:ext uri="{FF2B5EF4-FFF2-40B4-BE49-F238E27FC236}">
+                <a16:creationId xmlns:a16="http://schemas.microsoft.com/office/drawing/2014/main" id="{802B7ED9-1C32-7125-975D-F87E560B7290}"/>
+              </a:ext>
+            </a:extLst>
+          </p:cNvPr>
+          <p:cNvPicPr>
+            <a:picLocks noChangeAspect="1"/>
+          </p:cNvPicPr>
+          <p:nvPr/>
+        </p:nvPicPr>
+        <p:blipFill>
+          <a:blip r:embed="rId2"/>
+          <a:stretch>
+            <a:fillRect/>
+          </a:stretch>
+        </p:blipFill>
+        <p:spPr>
+          <a:xfrm>
+            <a:off x="643467" y="1956815"/>
+            <a:ext cx="10905066" cy="2944368"/>
+          </a:xfrm>
+          <a:prstGeom prst="rect">
+            <a:avLst/>
+          </a:prstGeom>
+          <a:ln>
+            <a:noFill/>
+          </a:ln>
+        </p:spPr>
+      </p:pic>
+      <p:sp>
+        <p:nvSpPr>
+          <p:cNvPr id="22" name="Isosceles Triangle 21">
+            <a:extLst>
+              <a:ext uri="{FF2B5EF4-FFF2-40B4-BE49-F238E27FC236}">
+                <a16:creationId xmlns:a16="http://schemas.microsoft.com/office/drawing/2014/main" id="{3ECA69A1-7536-43AC-85EF-C7106179F5ED}"/>
+              </a:ext>
+              <a:ext uri="{C183D7F6-B498-43B3-948B-1728B52AA6E4}">
+                <adec:decorative xmlns:adec="http://schemas.microsoft.com/office/drawing/2017/decorative" val="1"/>
+              </a:ext>
+            </a:extLst>
+          </p:cNvPr>
+          <p:cNvSpPr>
+            <a:spLocks noGrp="1" noRot="1" noChangeAspect="1" noMove="1" noResize="1" noEditPoints="1" noAdjustHandles="1" noChangeArrowheads="1" noChangeShapeType="1" noTextEdit="1"/>
+          </p:cNvSpPr>
+          <p:nvPr>
+            <p:extLst>
+              <p:ext uri="{386F3935-93C4-4BCD-93E2-E3B085C9AB24}">
+                <p16:designElem xmlns:p16="http://schemas.microsoft.com/office/powerpoint/2015/main" val="1"/>
+              </p:ext>
+            </p:extLst>
+          </p:nvPr>
+        </p:nvSpPr>
+        <p:spPr>
+          <a:xfrm flipH="1">
+            <a:off x="7604080" y="6453143"/>
+            <a:ext cx="814903" cy="404857"/>
+          </a:xfrm>
+          <a:prstGeom prst="triangle">
+            <a:avLst/>
+          </a:prstGeom>
+          <a:solidFill>
+            <a:schemeClr val="accent1">
+              <a:alpha val="30000"/>
+            </a:schemeClr>
+          </a:solidFill>
+          <a:ln>
+            <a:noFill/>
+          </a:ln>
+        </p:spPr>
+        <p:style>
+          <a:lnRef idx="2">
+            <a:schemeClr val="accent1">
+              <a:shade val="50000"/>
+            </a:schemeClr>
+          </a:lnRef>
+          <a:fillRef idx="1">
+            <a:schemeClr val="accent1"/>
+          </a:fillRef>
+          <a:effectRef idx="0">
+            <a:schemeClr val="accent1"/>
+          </a:effectRef>
+          <a:fontRef idx="minor">
+            <a:schemeClr val="lt1"/>
+          </a:fontRef>
+        </p:style>
+        <p:txBody>
+          <a:bodyPr rtlCol="0" anchor="ctr"/>
+          <a:lstStyle/>
+          <a:p>
+            <a:pPr algn="ctr"/>
+            <a:endParaRPr lang="en-US"/>
+          </a:p>
+        </p:txBody>
+      </p:sp>
+    </p:spTree>
+    <p:extLst>
+      <p:ext uri="{BB962C8B-B14F-4D97-AF65-F5344CB8AC3E}">
+        <p14:creationId xmlns:p14="http://schemas.microsoft.com/office/powerpoint/2010/main" val="1264714409"/>
+      </p:ext>
+    </p:extLst>
+  </p:cSld>
+  <p:clrMapOvr>
+    <a:masterClrMapping/>
+  </p:clrMapOvr>
+</p:sld>
+</file>
+
+<file path=ppt/slides/slide8.xml><?xml version="1.0" encoding="utf-8"?>
+<p:sld xmlns:a="http://schemas.openxmlformats.org/drawingml/2006/main" xmlns:r="http://schemas.openxmlformats.org/officeDocument/2006/relationships" xmlns:p="http://schemas.openxmlformats.org/presentationml/2006/main">
+  <p:cSld>
+    <p:bg>
+      <p:bgPr>
+        <a:solidFill>
+          <a:schemeClr val="bg1"/>
+        </a:solidFill>
+        <a:effectLst/>
+      </p:bgPr>
+    </p:bg>
+    <p:spTree>
+      <p:nvGrpSpPr>
+        <p:cNvPr id="1" name=""/>
+        <p:cNvGrpSpPr/>
+        <p:nvPr/>
+      </p:nvGrpSpPr>
+      <p:grpSpPr>
+        <a:xfrm>
+          <a:off x="0" y="0"/>
+          <a:ext cx="0" cy="0"/>
+          <a:chOff x="0" y="0"/>
+          <a:chExt cx="0" cy="0"/>
+        </a:xfrm>
+      </p:grpSpPr>
+      <p:sp>
+        <p:nvSpPr>
+          <p:cNvPr id="17" name="Rectangle 7">
+            <a:extLst>
+              <a:ext uri="{FF2B5EF4-FFF2-40B4-BE49-F238E27FC236}">
+                <a16:creationId xmlns:a16="http://schemas.microsoft.com/office/drawing/2014/main" id="{F3060C83-F051-4F0E-ABAD-AA0DFC48B218}"/>
+              </a:ext>
+              <a:ext uri="{C183D7F6-B498-43B3-948B-1728B52AA6E4}">
+                <adec:decorative xmlns:adec="http://schemas.microsoft.com/office/drawing/2017/decorative" val="1"/>
+              </a:ext>
+            </a:extLst>
+          </p:cNvPr>
+          <p:cNvSpPr>
+            <a:spLocks noGrp="1" noRot="1" noChangeAspect="1" noMove="1" noResize="1" noEditPoints="1" noAdjustHandles="1" noChangeArrowheads="1" noChangeShapeType="1" noTextEdit="1"/>
+          </p:cNvSpPr>
+          <p:nvPr>
+            <p:extLst>
+              <p:ext uri="{386F3935-93C4-4BCD-93E2-E3B085C9AB24}">
+                <p16:designElem xmlns:p16="http://schemas.microsoft.com/office/powerpoint/2015/main" val="1"/>
+              </p:ext>
+            </p:extLst>
+          </p:nvPr>
+        </p:nvSpPr>
+        <p:spPr>
+          <a:xfrm>
+            <a:off x="0" y="0"/>
+            <a:ext cx="12192000" cy="6858000"/>
+          </a:xfrm>
+          <a:prstGeom prst="rect">
+            <a:avLst/>
+          </a:prstGeom>
+          <a:solidFill>
+            <a:schemeClr val="bg1"/>
+          </a:solidFill>
+          <a:ln>
+            <a:noFill/>
+          </a:ln>
+        </p:spPr>
+        <p:style>
+          <a:lnRef idx="2">
+            <a:schemeClr val="accent1">
+              <a:shade val="50000"/>
+            </a:schemeClr>
+          </a:lnRef>
+          <a:fillRef idx="1">
+            <a:schemeClr val="accent1"/>
+          </a:fillRef>
+          <a:effectRef idx="0">
+            <a:schemeClr val="accent1"/>
+          </a:effectRef>
+          <a:fontRef idx="minor">
+            <a:schemeClr val="lt1"/>
+          </a:fontRef>
+        </p:style>
+        <p:txBody>
+          <a:bodyPr rtlCol="0" anchor="ctr"/>
+          <a:lstStyle/>
+          <a:p>
+            <a:pPr algn="ctr"/>
+            <a:endParaRPr lang="en-US" dirty="0"/>
+          </a:p>
+        </p:txBody>
+      </p:sp>
+      <p:sp>
+        <p:nvSpPr>
+          <p:cNvPr id="19" name="Freeform: Shape 9">
+            <a:extLst>
+              <a:ext uri="{FF2B5EF4-FFF2-40B4-BE49-F238E27FC236}">
+                <a16:creationId xmlns:a16="http://schemas.microsoft.com/office/drawing/2014/main" id="{83C98ABE-055B-441F-B07E-44F97F083C39}"/>
+              </a:ext>
+              <a:ext uri="{C183D7F6-B498-43B3-948B-1728B52AA6E4}">
+                <adec:decorative xmlns:adec="http://schemas.microsoft.com/office/drawing/2017/decorative" val="1"/>
+              </a:ext>
+            </a:extLst>
+          </p:cNvPr>
+          <p:cNvSpPr>
+            <a:spLocks noGrp="1" noRot="1" noChangeAspect="1" noMove="1" noResize="1" noEditPoints="1" noAdjustHandles="1" noChangeArrowheads="1" noChangeShapeType="1" noTextEdit="1"/>
+          </p:cNvSpPr>
+          <p:nvPr>
+            <p:extLst>
+              <p:ext uri="{386F3935-93C4-4BCD-93E2-E3B085C9AB24}">
+                <p16:designElem xmlns:p16="http://schemas.microsoft.com/office/powerpoint/2015/main" val="1"/>
+              </p:ext>
+            </p:extLst>
+          </p:nvPr>
+        </p:nvSpPr>
+        <p:spPr>
+          <a:xfrm rot="18900000" flipH="1">
+            <a:off x="-376156" y="-253670"/>
+            <a:ext cx="1827638" cy="1376989"/>
+          </a:xfrm>
+          <a:custGeom>
+            <a:avLst/>
+            <a:gdLst>
+              <a:gd name="connsiteX0" fmla="*/ 0 w 1827638"/>
+              <a:gd name="connsiteY0" fmla="*/ 987379 h 1376989"/>
+              <a:gd name="connsiteX1" fmla="*/ 987379 w 1827638"/>
+              <a:gd name="connsiteY1" fmla="*/ 0 h 1376989"/>
+              <a:gd name="connsiteX2" fmla="*/ 1827638 w 1827638"/>
+              <a:gd name="connsiteY2" fmla="*/ 840260 h 1376989"/>
+              <a:gd name="connsiteX3" fmla="*/ 1827638 w 1827638"/>
+              <a:gd name="connsiteY3" fmla="*/ 1376989 h 1376989"/>
+              <a:gd name="connsiteX4" fmla="*/ 0 w 1827638"/>
+              <a:gd name="connsiteY4" fmla="*/ 1376989 h 1376989"/>
+            </a:gdLst>
+            <a:ahLst/>
+            <a:cxnLst>
+              <a:cxn ang="0">
+                <a:pos x="connsiteX0" y="connsiteY0"/>
+              </a:cxn>
+              <a:cxn ang="0">
+                <a:pos x="connsiteX1" y="connsiteY1"/>
+              </a:cxn>
+              <a:cxn ang="0">
+                <a:pos x="connsiteX2" y="connsiteY2"/>
+              </a:cxn>
+              <a:cxn ang="0">
+                <a:pos x="connsiteX3" y="connsiteY3"/>
+              </a:cxn>
+              <a:cxn ang="0">
+                <a:pos x="connsiteX4" y="connsiteY4"/>
+              </a:cxn>
+            </a:cxnLst>
+            <a:rect l="l" t="t" r="r" b="b"/>
+            <a:pathLst>
+              <a:path w="1827638" h="1376989">
+                <a:moveTo>
+                  <a:pt x="0" y="987379"/>
+                </a:moveTo>
+                <a:lnTo>
+                  <a:pt x="987379" y="0"/>
+                </a:lnTo>
+                <a:lnTo>
+                  <a:pt x="1827638" y="840260"/>
+                </a:lnTo>
+                <a:lnTo>
+                  <a:pt x="1827638" y="1376989"/>
+                </a:lnTo>
+                <a:lnTo>
+                  <a:pt x="0" y="1376989"/>
+                </a:lnTo>
+                <a:close/>
+              </a:path>
+            </a:pathLst>
+          </a:custGeom>
+          <a:solidFill>
+            <a:schemeClr val="accent1">
+              <a:alpha val="30000"/>
+            </a:schemeClr>
+          </a:solidFill>
+          <a:ln>
+            <a:noFill/>
+          </a:ln>
+        </p:spPr>
+        <p:style>
+          <a:lnRef idx="2">
+            <a:schemeClr val="accent1">
+              <a:shade val="50000"/>
+            </a:schemeClr>
+          </a:lnRef>
+          <a:fillRef idx="1">
+            <a:schemeClr val="accent1"/>
+          </a:fillRef>
+          <a:effectRef idx="0">
+            <a:schemeClr val="accent1"/>
+          </a:effectRef>
+          <a:fontRef idx="minor">
+            <a:schemeClr val="lt1"/>
+          </a:fontRef>
+        </p:style>
+        <p:txBody>
+          <a:bodyPr rtlCol="0" anchor="ctr"/>
+          <a:lstStyle/>
+          <a:p>
+            <a:pPr algn="ctr"/>
+            <a:endParaRPr lang="en-US" dirty="0"/>
+          </a:p>
+        </p:txBody>
+      </p:sp>
+      <p:sp>
+        <p:nvSpPr>
+          <p:cNvPr id="21" name="Rectangle 11">
+            <a:extLst>
+              <a:ext uri="{FF2B5EF4-FFF2-40B4-BE49-F238E27FC236}">
+                <a16:creationId xmlns:a16="http://schemas.microsoft.com/office/drawing/2014/main" id="{29FDB030-9B49-4CED-8CCD-4D99382388AC}"/>
+              </a:ext>
+              <a:ext uri="{C183D7F6-B498-43B3-948B-1728B52AA6E4}">
+                <adec:decorative xmlns:adec="http://schemas.microsoft.com/office/drawing/2017/decorative" val="1"/>
+              </a:ext>
+            </a:extLst>
+          </p:cNvPr>
+          <p:cNvSpPr>
+            <a:spLocks noGrp="1" noRot="1" noChangeAspect="1" noMove="1" noResize="1" noEditPoints="1" noAdjustHandles="1" noChangeArrowheads="1" noChangeShapeType="1" noTextEdit="1"/>
+          </p:cNvSpPr>
+          <p:nvPr>
+            <p:extLst>
+              <p:ext uri="{386F3935-93C4-4BCD-93E2-E3B085C9AB24}">
+                <p16:designElem xmlns:p16="http://schemas.microsoft.com/office/powerpoint/2015/main" val="1"/>
+              </p:ext>
+            </p:extLst>
+          </p:nvPr>
+        </p:nvSpPr>
+        <p:spPr>
+          <a:xfrm rot="18900000" flipH="1">
+            <a:off x="891641" y="422146"/>
+            <a:ext cx="645368" cy="645368"/>
+          </a:xfrm>
+          <a:prstGeom prst="rect">
+            <a:avLst/>
+          </a:prstGeom>
+          <a:solidFill>
+            <a:schemeClr val="accent1">
+              <a:alpha val="30000"/>
+            </a:schemeClr>
+          </a:solidFill>
+          <a:ln>
+            <a:noFill/>
+          </a:ln>
+        </p:spPr>
+        <p:style>
+          <a:lnRef idx="2">
+            <a:schemeClr val="accent1">
+              <a:shade val="50000"/>
+            </a:schemeClr>
+          </a:lnRef>
+          <a:fillRef idx="1">
+            <a:schemeClr val="accent1"/>
+          </a:fillRef>
+          <a:effectRef idx="0">
+            <a:schemeClr val="accent1"/>
+          </a:effectRef>
+          <a:fontRef idx="minor">
+            <a:schemeClr val="lt1"/>
+          </a:fontRef>
+        </p:style>
+        <p:txBody>
+          <a:bodyPr rtlCol="0" anchor="ctr"/>
+          <a:lstStyle/>
+          <a:p>
+            <a:pPr algn="ctr"/>
+            <a:endParaRPr lang="en-US"/>
+          </a:p>
+        </p:txBody>
+      </p:sp>
+      <p:sp>
+        <p:nvSpPr>
+          <p:cNvPr id="22" name="Rectangle 13">
+            <a:extLst>
+              <a:ext uri="{FF2B5EF4-FFF2-40B4-BE49-F238E27FC236}">
+                <a16:creationId xmlns:a16="http://schemas.microsoft.com/office/drawing/2014/main" id="{3783CA14-24A1-485C-8B30-D6A5D87987AD}"/>
+              </a:ext>
+              <a:ext uri="{C183D7F6-B498-43B3-948B-1728B52AA6E4}">
+                <adec:decorative xmlns:adec="http://schemas.microsoft.com/office/drawing/2017/decorative" val="1"/>
+              </a:ext>
+            </a:extLst>
+          </p:cNvPr>
+          <p:cNvSpPr>
+            <a:spLocks noGrp="1" noRot="1" noChangeAspect="1" noMove="1" noResize="1" noEditPoints="1" noAdjustHandles="1" noChangeArrowheads="1" noChangeShapeType="1" noTextEdit="1"/>
+          </p:cNvSpPr>
+          <p:nvPr>
+            <p:extLst>
+              <p:ext uri="{386F3935-93C4-4BCD-93E2-E3B085C9AB24}">
+                <p16:designElem xmlns:p16="http://schemas.microsoft.com/office/powerpoint/2015/main" val="1"/>
+              </p:ext>
+            </p:extLst>
+          </p:nvPr>
+        </p:nvSpPr>
+        <p:spPr>
+          <a:xfrm rot="18900000" flipH="1">
+            <a:off x="10043482" y="655140"/>
+            <a:ext cx="687472" cy="687472"/>
+          </a:xfrm>
+          <a:prstGeom prst="rect">
+            <a:avLst/>
+          </a:prstGeom>
+          <a:solidFill>
+            <a:schemeClr val="accent4">
+              <a:alpha val="30000"/>
+            </a:schemeClr>
+          </a:solidFill>
+          <a:ln>
+            <a:noFill/>
+          </a:ln>
+        </p:spPr>
+        <p:style>
+          <a:lnRef idx="2">
+            <a:schemeClr val="accent1">
+              <a:shade val="50000"/>
+            </a:schemeClr>
+          </a:lnRef>
+          <a:fillRef idx="1">
+            <a:schemeClr val="accent1"/>
+          </a:fillRef>
+          <a:effectRef idx="0">
+            <a:schemeClr val="accent1"/>
+          </a:effectRef>
+          <a:fontRef idx="minor">
+            <a:schemeClr val="lt1"/>
+          </a:fontRef>
+        </p:style>
+        <p:txBody>
+          <a:bodyPr rtlCol="0" anchor="ctr"/>
+          <a:lstStyle/>
+          <a:p>
+            <a:pPr algn="ctr"/>
+            <a:endParaRPr lang="en-US"/>
+          </a:p>
+        </p:txBody>
+      </p:sp>
+      <p:sp>
+        <p:nvSpPr>
+          <p:cNvPr id="16" name="Freeform: Shape 15">
+            <a:extLst>
+              <a:ext uri="{FF2B5EF4-FFF2-40B4-BE49-F238E27FC236}">
+                <a16:creationId xmlns:a16="http://schemas.microsoft.com/office/drawing/2014/main" id="{9A97C86A-04D6-40F7-AE84-31AB43E6A846}"/>
+              </a:ext>
+              <a:ext uri="{C183D7F6-B498-43B3-948B-1728B52AA6E4}">
+                <adec:decorative xmlns:adec="http://schemas.microsoft.com/office/drawing/2017/decorative" val="1"/>
+              </a:ext>
+            </a:extLst>
+          </p:cNvPr>
+          <p:cNvSpPr>
+            <a:spLocks noGrp="1" noRot="1" noChangeAspect="1" noMove="1" noResize="1" noEditPoints="1" noAdjustHandles="1" noChangeArrowheads="1" noChangeShapeType="1" noTextEdit="1"/>
+          </p:cNvSpPr>
+          <p:nvPr>
+            <p:extLst>
+              <p:ext uri="{386F3935-93C4-4BCD-93E2-E3B085C9AB24}">
+                <p16:designElem xmlns:p16="http://schemas.microsoft.com/office/powerpoint/2015/main" val="1"/>
+              </p:ext>
+            </p:extLst>
+          </p:nvPr>
+        </p:nvSpPr>
+        <p:spPr>
+          <a:xfrm rot="10800000" flipH="1">
+            <a:off x="9356643" y="0"/>
+            <a:ext cx="2835357" cy="1480837"/>
+          </a:xfrm>
+          <a:custGeom>
+            <a:avLst/>
+            <a:gdLst>
+              <a:gd name="connsiteX0" fmla="*/ 2835357 w 2835357"/>
+              <a:gd name="connsiteY0" fmla="*/ 1480837 h 1480837"/>
+              <a:gd name="connsiteX1" fmla="*/ 0 w 2835357"/>
+              <a:gd name="connsiteY1" fmla="*/ 1480837 h 1480837"/>
+              <a:gd name="connsiteX2" fmla="*/ 1552727 w 2835357"/>
+              <a:gd name="connsiteY2" fmla="*/ 0 h 1480837"/>
+              <a:gd name="connsiteX3" fmla="*/ 2835357 w 2835357"/>
+              <a:gd name="connsiteY3" fmla="*/ 1223245 h 1480837"/>
+            </a:gdLst>
+            <a:ahLst/>
+            <a:cxnLst>
+              <a:cxn ang="0">
+                <a:pos x="connsiteX0" y="connsiteY0"/>
+              </a:cxn>
+              <a:cxn ang="0">
+                <a:pos x="connsiteX1" y="connsiteY1"/>
+              </a:cxn>
+              <a:cxn ang="0">
+                <a:pos x="connsiteX2" y="connsiteY2"/>
+              </a:cxn>
+              <a:cxn ang="0">
+                <a:pos x="connsiteX3" y="connsiteY3"/>
+              </a:cxn>
+            </a:cxnLst>
+            <a:rect l="l" t="t" r="r" b="b"/>
+            <a:pathLst>
+              <a:path w="2835357" h="1480837">
+                <a:moveTo>
+                  <a:pt x="2835357" y="1480837"/>
+                </a:moveTo>
+                <a:lnTo>
+                  <a:pt x="0" y="1480837"/>
+                </a:lnTo>
+                <a:lnTo>
+                  <a:pt x="1552727" y="0"/>
+                </a:lnTo>
+                <a:lnTo>
+                  <a:pt x="2835357" y="1223245"/>
+                </a:lnTo>
+                <a:close/>
+              </a:path>
+            </a:pathLst>
+          </a:custGeom>
+          <a:solidFill>
+            <a:schemeClr val="accent4">
+              <a:alpha val="30000"/>
+            </a:schemeClr>
+          </a:solidFill>
+          <a:ln>
+            <a:noFill/>
+          </a:ln>
+        </p:spPr>
+        <p:style>
+          <a:lnRef idx="2">
+            <a:schemeClr val="accent1">
+              <a:shade val="50000"/>
+            </a:schemeClr>
+          </a:lnRef>
+          <a:fillRef idx="1">
+            <a:schemeClr val="accent1"/>
+          </a:fillRef>
+          <a:effectRef idx="0">
+            <a:schemeClr val="accent1"/>
+          </a:effectRef>
+          <a:fontRef idx="minor">
+            <a:schemeClr val="lt1"/>
+          </a:fontRef>
+        </p:style>
+        <p:txBody>
+          <a:bodyPr wrap="square" rtlCol="0" anchor="ctr">
+            <a:noAutofit/>
+          </a:bodyPr>
+          <a:lstStyle/>
+          <a:p>
+            <a:pPr algn="ctr"/>
+            <a:endParaRPr lang="en-US" dirty="0"/>
+          </a:p>
+        </p:txBody>
+      </p:sp>
+      <p:sp>
+        <p:nvSpPr>
+          <p:cNvPr id="18" name="Isosceles Triangle 17">
+            <a:extLst>
+              <a:ext uri="{FF2B5EF4-FFF2-40B4-BE49-F238E27FC236}">
+                <a16:creationId xmlns:a16="http://schemas.microsoft.com/office/drawing/2014/main" id="{FF9F2414-84E8-453E-B1F3-389FDE8192D9}"/>
+              </a:ext>
+              <a:ext uri="{C183D7F6-B498-43B3-948B-1728B52AA6E4}">
+                <adec:decorative xmlns:adec="http://schemas.microsoft.com/office/drawing/2017/decorative" val="1"/>
+              </a:ext>
+            </a:extLst>
+          </p:cNvPr>
+          <p:cNvSpPr>
+            <a:spLocks noGrp="1" noRot="1" noChangeAspect="1" noMove="1" noResize="1" noEditPoints="1" noAdjustHandles="1" noChangeArrowheads="1" noChangeShapeType="1" noTextEdit="1"/>
+          </p:cNvSpPr>
+          <p:nvPr>
+            <p:extLst>
+              <p:ext uri="{386F3935-93C4-4BCD-93E2-E3B085C9AB24}">
+                <p16:designElem xmlns:p16="http://schemas.microsoft.com/office/powerpoint/2015/main" val="1"/>
+              </p:ext>
+            </p:extLst>
+          </p:nvPr>
+        </p:nvSpPr>
+        <p:spPr>
+          <a:xfrm flipH="1">
+            <a:off x="7976344" y="6115501"/>
+            <a:ext cx="1494513" cy="742499"/>
+          </a:xfrm>
+          <a:prstGeom prst="triangle">
+            <a:avLst/>
+          </a:prstGeom>
+          <a:solidFill>
+            <a:schemeClr val="accent1">
+              <a:alpha val="30000"/>
+            </a:schemeClr>
+          </a:solidFill>
+          <a:ln>
+            <a:noFill/>
+          </a:ln>
+        </p:spPr>
+        <p:style>
+          <a:lnRef idx="2">
+            <a:schemeClr val="accent1">
+              <a:shade val="50000"/>
+            </a:schemeClr>
+          </a:lnRef>
+          <a:fillRef idx="1">
+            <a:schemeClr val="accent1"/>
+          </a:fillRef>
+          <a:effectRef idx="0">
+            <a:schemeClr val="accent1"/>
+          </a:effectRef>
+          <a:fontRef idx="minor">
+            <a:schemeClr val="lt1"/>
+          </a:fontRef>
+        </p:style>
+        <p:txBody>
+          <a:bodyPr rtlCol="0" anchor="ctr"/>
+          <a:lstStyle/>
+          <a:p>
+            <a:pPr algn="ctr"/>
+            <a:endParaRPr lang="en-US"/>
+          </a:p>
+        </p:txBody>
+      </p:sp>
+      <p:pic>
+        <p:nvPicPr>
+          <p:cNvPr id="3" name="Grafik 2">
+            <a:extLst>
+              <a:ext uri="{FF2B5EF4-FFF2-40B4-BE49-F238E27FC236}">
+                <a16:creationId xmlns:a16="http://schemas.microsoft.com/office/drawing/2014/main" id="{32E4D1D6-9AD4-DCC0-0779-6E5EB4752840}"/>
+              </a:ext>
+            </a:extLst>
+          </p:cNvPr>
+          <p:cNvPicPr>
+            <a:picLocks noChangeAspect="1"/>
+          </p:cNvPicPr>
+          <p:nvPr/>
+        </p:nvPicPr>
+        <p:blipFill>
+          <a:blip r:embed="rId2"/>
+          <a:stretch>
+            <a:fillRect/>
+          </a:stretch>
+        </p:blipFill>
+        <p:spPr>
+          <a:xfrm>
+            <a:off x="2215128" y="149663"/>
+            <a:ext cx="7576571" cy="6402202"/>
+          </a:xfrm>
+          <a:prstGeom prst="rect">
+            <a:avLst/>
+          </a:prstGeom>
+          <a:ln>
+            <a:noFill/>
+          </a:ln>
+        </p:spPr>
+      </p:pic>
+      <p:sp>
+        <p:nvSpPr>
+          <p:cNvPr id="20" name="Isosceles Triangle 19">
+            <a:extLst>
+              <a:ext uri="{FF2B5EF4-FFF2-40B4-BE49-F238E27FC236}">
+                <a16:creationId xmlns:a16="http://schemas.microsoft.com/office/drawing/2014/main" id="{3ECA69A1-7536-43AC-85EF-C7106179F5ED}"/>
+              </a:ext>
+              <a:ext uri="{C183D7F6-B498-43B3-948B-1728B52AA6E4}">
+                <adec:decorative xmlns:adec="http://schemas.microsoft.com/office/drawing/2017/decorative" val="1"/>
+              </a:ext>
+            </a:extLst>
+          </p:cNvPr>
+          <p:cNvSpPr>
+            <a:spLocks noGrp="1" noRot="1" noChangeAspect="1" noMove="1" noResize="1" noEditPoints="1" noAdjustHandles="1" noChangeArrowheads="1" noChangeShapeType="1" noTextEdit="1"/>
+          </p:cNvSpPr>
+          <p:nvPr>
+            <p:extLst>
+              <p:ext uri="{386F3935-93C4-4BCD-93E2-E3B085C9AB24}">
+                <p16:designElem xmlns:p16="http://schemas.microsoft.com/office/powerpoint/2015/main" val="1"/>
+              </p:ext>
+            </p:extLst>
+          </p:nvPr>
+        </p:nvSpPr>
+        <p:spPr>
+          <a:xfrm flipH="1">
+            <a:off x="7604080" y="6453143"/>
+            <a:ext cx="814903" cy="404857"/>
+          </a:xfrm>
+          <a:prstGeom prst="triangle">
+            <a:avLst/>
+          </a:prstGeom>
+          <a:solidFill>
+            <a:schemeClr val="accent1">
+              <a:alpha val="30000"/>
+            </a:schemeClr>
+          </a:solidFill>
+          <a:ln>
+            <a:noFill/>
+          </a:ln>
+        </p:spPr>
+        <p:style>
+          <a:lnRef idx="2">
+            <a:schemeClr val="accent1">
+              <a:shade val="50000"/>
+            </a:schemeClr>
+          </a:lnRef>
+          <a:fillRef idx="1">
+            <a:schemeClr val="accent1"/>
+          </a:fillRef>
+          <a:effectRef idx="0">
+            <a:schemeClr val="accent1"/>
+          </a:effectRef>
+          <a:fontRef idx="minor">
+            <a:schemeClr val="lt1"/>
+          </a:fontRef>
+        </p:style>
+        <p:txBody>
+          <a:bodyPr rtlCol="0" anchor="ctr"/>
+          <a:lstStyle/>
+          <a:p>
+            <a:pPr algn="ctr"/>
+            <a:endParaRPr lang="en-US"/>
+          </a:p>
+        </p:txBody>
+      </p:sp>
+    </p:spTree>
+    <p:extLst>
+      <p:ext uri="{BB962C8B-B14F-4D97-AF65-F5344CB8AC3E}">
+        <p14:creationId xmlns:p14="http://schemas.microsoft.com/office/powerpoint/2010/main" val="3897090142"/>
+      </p:ext>
+    </p:extLst>
+  </p:cSld>
+  <p:clrMapOvr>
+    <a:masterClrMapping/>
+  </p:clrMapOvr>
+</p:sld>
+</file>
+
+<file path=ppt/slides/slide9.xml><?xml version="1.0" encoding="utf-8"?>
+<p:sld xmlns:a="http://schemas.openxmlformats.org/drawingml/2006/main" xmlns:r="http://schemas.openxmlformats.org/officeDocument/2006/relationships" xmlns:p="http://schemas.openxmlformats.org/presentationml/2006/main">
+  <p:cSld>
+    <p:bg>
+      <p:bgPr>
+        <a:solidFill>
+          <a:schemeClr val="bg1"/>
+        </a:solidFill>
+        <a:effectLst/>
+      </p:bgPr>
+    </p:bg>
+    <p:spTree>
+      <p:nvGrpSpPr>
+        <p:cNvPr id="1" name=""/>
+        <p:cNvGrpSpPr/>
+        <p:nvPr/>
+      </p:nvGrpSpPr>
+      <p:grpSpPr>
+        <a:xfrm>
+          <a:off x="0" y="0"/>
+          <a:ext cx="0" cy="0"/>
+          <a:chOff x="0" y="0"/>
+          <a:chExt cx="0" cy="0"/>
+        </a:xfrm>
+      </p:grpSpPr>
+      <p:sp>
+        <p:nvSpPr>
+          <p:cNvPr id="10" name="Rectangle 9">
+            <a:extLst>
+              <a:ext uri="{FF2B5EF4-FFF2-40B4-BE49-F238E27FC236}">
+                <a16:creationId xmlns:a16="http://schemas.microsoft.com/office/drawing/2014/main" id="{86FF76B9-219D-4469-AF87-0236D29032F1}"/>
+              </a:ext>
+              <a:ext uri="{C183D7F6-B498-43B3-948B-1728B52AA6E4}">
+                <adec:decorative xmlns:adec="http://schemas.microsoft.com/office/drawing/2017/decorative" val="1"/>
+              </a:ext>
+            </a:extLst>
+          </p:cNvPr>
+          <p:cNvSpPr>
+            <a:spLocks noGrp="1" noRot="1" noChangeAspect="1" noMove="1" noResize="1" noEditPoints="1" noAdjustHandles="1" noChangeArrowheads="1" noChangeShapeType="1" noTextEdit="1"/>
+          </p:cNvSpPr>
+          <p:nvPr>
+            <p:extLst>
+              <p:ext uri="{386F3935-93C4-4BCD-93E2-E3B085C9AB24}">
+                <p16:designElem xmlns:p16="http://schemas.microsoft.com/office/powerpoint/2015/main" val="1"/>
+              </p:ext>
+            </p:extLst>
+          </p:nvPr>
+        </p:nvSpPr>
+        <p:spPr>
+          <a:xfrm>
+            <a:off x="0" y="0"/>
+            <a:ext cx="12192000" cy="6858000"/>
+          </a:xfrm>
+          <a:prstGeom prst="rect">
+            <a:avLst/>
+          </a:prstGeom>
+          <a:solidFill>
+            <a:schemeClr val="bg1"/>
+          </a:solidFill>
+          <a:ln>
+            <a:noFill/>
+          </a:ln>
+        </p:spPr>
+        <p:style>
+          <a:lnRef idx="2">
+            <a:schemeClr val="accent1">
+              <a:shade val="50000"/>
+            </a:schemeClr>
+          </a:lnRef>
+          <a:fillRef idx="1">
+            <a:schemeClr val="accent1"/>
+          </a:fillRef>
+          <a:effectRef idx="0">
+            <a:schemeClr val="accent1"/>
+          </a:effectRef>
+          <a:fontRef idx="minor">
+            <a:schemeClr val="lt1"/>
+          </a:fontRef>
+        </p:style>
+        <p:txBody>
+          <a:bodyPr rtlCol="0" anchor="ctr"/>
+          <a:lstStyle/>
+          <a:p>
+            <a:pPr algn="ctr"/>
+            <a:endParaRPr lang="en-US" dirty="0"/>
+          </a:p>
+        </p:txBody>
+      </p:sp>
       <p:grpSp>
         <p:nvGrpSpPr>
-          <p:cNvPr id="26" name="Group 11">
+          <p:cNvPr id="12" name="Group 11">
             <a:extLst>
               <a:ext uri="{FF2B5EF4-FFF2-40B4-BE49-F238E27FC236}">
                 <a16:creationId xmlns:a16="http://schemas.microsoft.com/office/drawing/2014/main" id="{DB88BD78-87E1-424D-B479-C37D8E41B12E}"/>
@@ -5827,1101 +8107,6 @@
           <p:cNvPr id="5" name="Grafik 4">
             <a:extLst>
               <a:ext uri="{FF2B5EF4-FFF2-40B4-BE49-F238E27FC236}">
-                <a16:creationId xmlns:a16="http://schemas.microsoft.com/office/drawing/2014/main" id="{06005988-18EE-B90C-3EDA-A794F5304D88}"/>
-              </a:ext>
-            </a:extLst>
-          </p:cNvPr>
-          <p:cNvPicPr>
-            <a:picLocks noChangeAspect="1"/>
-          </p:cNvPicPr>
-          <p:nvPr/>
-        </p:nvPicPr>
-        <p:blipFill>
-          <a:blip r:embed="rId2"/>
-          <a:stretch>
-            <a:fillRect/>
-          </a:stretch>
-        </p:blipFill>
-        <p:spPr>
-          <a:xfrm>
-            <a:off x="643467" y="1861396"/>
-            <a:ext cx="10905066" cy="3135206"/>
-          </a:xfrm>
-          <a:prstGeom prst="rect">
-            <a:avLst/>
-          </a:prstGeom>
-          <a:ln>
-            <a:noFill/>
-          </a:ln>
-        </p:spPr>
-      </p:pic>
-    </p:spTree>
-    <p:extLst>
-      <p:ext uri="{BB962C8B-B14F-4D97-AF65-F5344CB8AC3E}">
-        <p14:creationId xmlns:p14="http://schemas.microsoft.com/office/powerpoint/2010/main" val="3417167774"/>
-      </p:ext>
-    </p:extLst>
-  </p:cSld>
-  <p:clrMapOvr>
-    <a:masterClrMapping/>
-  </p:clrMapOvr>
-</p:sld>
-</file>
-
-<file path=ppt/slides/slide6.xml><?xml version="1.0" encoding="utf-8"?>
-<p:sld xmlns:a="http://schemas.openxmlformats.org/drawingml/2006/main" xmlns:r="http://schemas.openxmlformats.org/officeDocument/2006/relationships" xmlns:p="http://schemas.openxmlformats.org/presentationml/2006/main">
-  <p:cSld>
-    <p:bg>
-      <p:bgPr>
-        <a:solidFill>
-          <a:schemeClr val="bg1"/>
-        </a:solidFill>
-        <a:effectLst/>
-      </p:bgPr>
-    </p:bg>
-    <p:spTree>
-      <p:nvGrpSpPr>
-        <p:cNvPr id="1" name=""/>
-        <p:cNvGrpSpPr/>
-        <p:nvPr/>
-      </p:nvGrpSpPr>
-      <p:grpSpPr>
-        <a:xfrm>
-          <a:off x="0" y="0"/>
-          <a:ext cx="0" cy="0"/>
-          <a:chOff x="0" y="0"/>
-          <a:chExt cx="0" cy="0"/>
-        </a:xfrm>
-      </p:grpSpPr>
-      <p:sp>
-        <p:nvSpPr>
-          <p:cNvPr id="17" name="Rectangle 7">
-            <a:extLst>
-              <a:ext uri="{FF2B5EF4-FFF2-40B4-BE49-F238E27FC236}">
-                <a16:creationId xmlns:a16="http://schemas.microsoft.com/office/drawing/2014/main" id="{F3060C83-F051-4F0E-ABAD-AA0DFC48B218}"/>
-              </a:ext>
-              <a:ext uri="{C183D7F6-B498-43B3-948B-1728B52AA6E4}">
-                <adec:decorative xmlns:adec="http://schemas.microsoft.com/office/drawing/2017/decorative" val="1"/>
-              </a:ext>
-            </a:extLst>
-          </p:cNvPr>
-          <p:cNvSpPr>
-            <a:spLocks noGrp="1" noRot="1" noChangeAspect="1" noMove="1" noResize="1" noEditPoints="1" noAdjustHandles="1" noChangeArrowheads="1" noChangeShapeType="1" noTextEdit="1"/>
-          </p:cNvSpPr>
-          <p:nvPr>
-            <p:extLst>
-              <p:ext uri="{386F3935-93C4-4BCD-93E2-E3B085C9AB24}">
-                <p16:designElem xmlns:p16="http://schemas.microsoft.com/office/powerpoint/2015/main" val="1"/>
-              </p:ext>
-            </p:extLst>
-          </p:nvPr>
-        </p:nvSpPr>
-        <p:spPr>
-          <a:xfrm>
-            <a:off x="0" y="0"/>
-            <a:ext cx="12192000" cy="6858000"/>
-          </a:xfrm>
-          <a:prstGeom prst="rect">
-            <a:avLst/>
-          </a:prstGeom>
-          <a:solidFill>
-            <a:schemeClr val="bg1"/>
-          </a:solidFill>
-          <a:ln>
-            <a:noFill/>
-          </a:ln>
-        </p:spPr>
-        <p:style>
-          <a:lnRef idx="2">
-            <a:schemeClr val="accent1">
-              <a:shade val="50000"/>
-            </a:schemeClr>
-          </a:lnRef>
-          <a:fillRef idx="1">
-            <a:schemeClr val="accent1"/>
-          </a:fillRef>
-          <a:effectRef idx="0">
-            <a:schemeClr val="accent1"/>
-          </a:effectRef>
-          <a:fontRef idx="minor">
-            <a:schemeClr val="lt1"/>
-          </a:fontRef>
-        </p:style>
-        <p:txBody>
-          <a:bodyPr rtlCol="0" anchor="ctr"/>
-          <a:lstStyle/>
-          <a:p>
-            <a:pPr algn="ctr"/>
-            <a:endParaRPr lang="en-US" dirty="0"/>
-          </a:p>
-        </p:txBody>
-      </p:sp>
-      <p:sp>
-        <p:nvSpPr>
-          <p:cNvPr id="19" name="Freeform: Shape 9">
-            <a:extLst>
-              <a:ext uri="{FF2B5EF4-FFF2-40B4-BE49-F238E27FC236}">
-                <a16:creationId xmlns:a16="http://schemas.microsoft.com/office/drawing/2014/main" id="{83C98ABE-055B-441F-B07E-44F97F083C39}"/>
-              </a:ext>
-              <a:ext uri="{C183D7F6-B498-43B3-948B-1728B52AA6E4}">
-                <adec:decorative xmlns:adec="http://schemas.microsoft.com/office/drawing/2017/decorative" val="1"/>
-              </a:ext>
-            </a:extLst>
-          </p:cNvPr>
-          <p:cNvSpPr>
-            <a:spLocks noGrp="1" noRot="1" noChangeAspect="1" noMove="1" noResize="1" noEditPoints="1" noAdjustHandles="1" noChangeArrowheads="1" noChangeShapeType="1" noTextEdit="1"/>
-          </p:cNvSpPr>
-          <p:nvPr>
-            <p:extLst>
-              <p:ext uri="{386F3935-93C4-4BCD-93E2-E3B085C9AB24}">
-                <p16:designElem xmlns:p16="http://schemas.microsoft.com/office/powerpoint/2015/main" val="1"/>
-              </p:ext>
-            </p:extLst>
-          </p:nvPr>
-        </p:nvSpPr>
-        <p:spPr>
-          <a:xfrm rot="18900000" flipH="1">
-            <a:off x="-376156" y="-253670"/>
-            <a:ext cx="1827638" cy="1376989"/>
-          </a:xfrm>
-          <a:custGeom>
-            <a:avLst/>
-            <a:gdLst>
-              <a:gd name="connsiteX0" fmla="*/ 0 w 1827638"/>
-              <a:gd name="connsiteY0" fmla="*/ 987379 h 1376989"/>
-              <a:gd name="connsiteX1" fmla="*/ 987379 w 1827638"/>
-              <a:gd name="connsiteY1" fmla="*/ 0 h 1376989"/>
-              <a:gd name="connsiteX2" fmla="*/ 1827638 w 1827638"/>
-              <a:gd name="connsiteY2" fmla="*/ 840260 h 1376989"/>
-              <a:gd name="connsiteX3" fmla="*/ 1827638 w 1827638"/>
-              <a:gd name="connsiteY3" fmla="*/ 1376989 h 1376989"/>
-              <a:gd name="connsiteX4" fmla="*/ 0 w 1827638"/>
-              <a:gd name="connsiteY4" fmla="*/ 1376989 h 1376989"/>
-            </a:gdLst>
-            <a:ahLst/>
-            <a:cxnLst>
-              <a:cxn ang="0">
-                <a:pos x="connsiteX0" y="connsiteY0"/>
-              </a:cxn>
-              <a:cxn ang="0">
-                <a:pos x="connsiteX1" y="connsiteY1"/>
-              </a:cxn>
-              <a:cxn ang="0">
-                <a:pos x="connsiteX2" y="connsiteY2"/>
-              </a:cxn>
-              <a:cxn ang="0">
-                <a:pos x="connsiteX3" y="connsiteY3"/>
-              </a:cxn>
-              <a:cxn ang="0">
-                <a:pos x="connsiteX4" y="connsiteY4"/>
-              </a:cxn>
-            </a:cxnLst>
-            <a:rect l="l" t="t" r="r" b="b"/>
-            <a:pathLst>
-              <a:path w="1827638" h="1376989">
-                <a:moveTo>
-                  <a:pt x="0" y="987379"/>
-                </a:moveTo>
-                <a:lnTo>
-                  <a:pt x="987379" y="0"/>
-                </a:lnTo>
-                <a:lnTo>
-                  <a:pt x="1827638" y="840260"/>
-                </a:lnTo>
-                <a:lnTo>
-                  <a:pt x="1827638" y="1376989"/>
-                </a:lnTo>
-                <a:lnTo>
-                  <a:pt x="0" y="1376989"/>
-                </a:lnTo>
-                <a:close/>
-              </a:path>
-            </a:pathLst>
-          </a:custGeom>
-          <a:solidFill>
-            <a:schemeClr val="accent1">
-              <a:alpha val="30000"/>
-            </a:schemeClr>
-          </a:solidFill>
-          <a:ln>
-            <a:noFill/>
-          </a:ln>
-        </p:spPr>
-        <p:style>
-          <a:lnRef idx="2">
-            <a:schemeClr val="accent1">
-              <a:shade val="50000"/>
-            </a:schemeClr>
-          </a:lnRef>
-          <a:fillRef idx="1">
-            <a:schemeClr val="accent1"/>
-          </a:fillRef>
-          <a:effectRef idx="0">
-            <a:schemeClr val="accent1"/>
-          </a:effectRef>
-          <a:fontRef idx="minor">
-            <a:schemeClr val="lt1"/>
-          </a:fontRef>
-        </p:style>
-        <p:txBody>
-          <a:bodyPr rtlCol="0" anchor="ctr"/>
-          <a:lstStyle/>
-          <a:p>
-            <a:pPr algn="ctr"/>
-            <a:endParaRPr lang="en-US" dirty="0"/>
-          </a:p>
-        </p:txBody>
-      </p:sp>
-      <p:sp>
-        <p:nvSpPr>
-          <p:cNvPr id="21" name="Rectangle 11">
-            <a:extLst>
-              <a:ext uri="{FF2B5EF4-FFF2-40B4-BE49-F238E27FC236}">
-                <a16:creationId xmlns:a16="http://schemas.microsoft.com/office/drawing/2014/main" id="{29FDB030-9B49-4CED-8CCD-4D99382388AC}"/>
-              </a:ext>
-              <a:ext uri="{C183D7F6-B498-43B3-948B-1728B52AA6E4}">
-                <adec:decorative xmlns:adec="http://schemas.microsoft.com/office/drawing/2017/decorative" val="1"/>
-              </a:ext>
-            </a:extLst>
-          </p:cNvPr>
-          <p:cNvSpPr>
-            <a:spLocks noGrp="1" noRot="1" noChangeAspect="1" noMove="1" noResize="1" noEditPoints="1" noAdjustHandles="1" noChangeArrowheads="1" noChangeShapeType="1" noTextEdit="1"/>
-          </p:cNvSpPr>
-          <p:nvPr>
-            <p:extLst>
-              <p:ext uri="{386F3935-93C4-4BCD-93E2-E3B085C9AB24}">
-                <p16:designElem xmlns:p16="http://schemas.microsoft.com/office/powerpoint/2015/main" val="1"/>
-              </p:ext>
-            </p:extLst>
-          </p:nvPr>
-        </p:nvSpPr>
-        <p:spPr>
-          <a:xfrm rot="18900000" flipH="1">
-            <a:off x="891641" y="422146"/>
-            <a:ext cx="645368" cy="645368"/>
-          </a:xfrm>
-          <a:prstGeom prst="rect">
-            <a:avLst/>
-          </a:prstGeom>
-          <a:solidFill>
-            <a:schemeClr val="accent1">
-              <a:alpha val="30000"/>
-            </a:schemeClr>
-          </a:solidFill>
-          <a:ln>
-            <a:noFill/>
-          </a:ln>
-        </p:spPr>
-        <p:style>
-          <a:lnRef idx="2">
-            <a:schemeClr val="accent1">
-              <a:shade val="50000"/>
-            </a:schemeClr>
-          </a:lnRef>
-          <a:fillRef idx="1">
-            <a:schemeClr val="accent1"/>
-          </a:fillRef>
-          <a:effectRef idx="0">
-            <a:schemeClr val="accent1"/>
-          </a:effectRef>
-          <a:fontRef idx="minor">
-            <a:schemeClr val="lt1"/>
-          </a:fontRef>
-        </p:style>
-        <p:txBody>
-          <a:bodyPr rtlCol="0" anchor="ctr"/>
-          <a:lstStyle/>
-          <a:p>
-            <a:pPr algn="ctr"/>
-            <a:endParaRPr lang="en-US"/>
-          </a:p>
-        </p:txBody>
-      </p:sp>
-      <p:sp>
-        <p:nvSpPr>
-          <p:cNvPr id="22" name="Rectangle 13">
-            <a:extLst>
-              <a:ext uri="{FF2B5EF4-FFF2-40B4-BE49-F238E27FC236}">
-                <a16:creationId xmlns:a16="http://schemas.microsoft.com/office/drawing/2014/main" id="{3783CA14-24A1-485C-8B30-D6A5D87987AD}"/>
-              </a:ext>
-              <a:ext uri="{C183D7F6-B498-43B3-948B-1728B52AA6E4}">
-                <adec:decorative xmlns:adec="http://schemas.microsoft.com/office/drawing/2017/decorative" val="1"/>
-              </a:ext>
-            </a:extLst>
-          </p:cNvPr>
-          <p:cNvSpPr>
-            <a:spLocks noGrp="1" noRot="1" noChangeAspect="1" noMove="1" noResize="1" noEditPoints="1" noAdjustHandles="1" noChangeArrowheads="1" noChangeShapeType="1" noTextEdit="1"/>
-          </p:cNvSpPr>
-          <p:nvPr>
-            <p:extLst>
-              <p:ext uri="{386F3935-93C4-4BCD-93E2-E3B085C9AB24}">
-                <p16:designElem xmlns:p16="http://schemas.microsoft.com/office/powerpoint/2015/main" val="1"/>
-              </p:ext>
-            </p:extLst>
-          </p:nvPr>
-        </p:nvSpPr>
-        <p:spPr>
-          <a:xfrm rot="18900000" flipH="1">
-            <a:off x="10043482" y="655140"/>
-            <a:ext cx="687472" cy="687472"/>
-          </a:xfrm>
-          <a:prstGeom prst="rect">
-            <a:avLst/>
-          </a:prstGeom>
-          <a:solidFill>
-            <a:schemeClr val="accent4">
-              <a:alpha val="30000"/>
-            </a:schemeClr>
-          </a:solidFill>
-          <a:ln>
-            <a:noFill/>
-          </a:ln>
-        </p:spPr>
-        <p:style>
-          <a:lnRef idx="2">
-            <a:schemeClr val="accent1">
-              <a:shade val="50000"/>
-            </a:schemeClr>
-          </a:lnRef>
-          <a:fillRef idx="1">
-            <a:schemeClr val="accent1"/>
-          </a:fillRef>
-          <a:effectRef idx="0">
-            <a:schemeClr val="accent1"/>
-          </a:effectRef>
-          <a:fontRef idx="minor">
-            <a:schemeClr val="lt1"/>
-          </a:fontRef>
-        </p:style>
-        <p:txBody>
-          <a:bodyPr rtlCol="0" anchor="ctr"/>
-          <a:lstStyle/>
-          <a:p>
-            <a:pPr algn="ctr"/>
-            <a:endParaRPr lang="en-US"/>
-          </a:p>
-        </p:txBody>
-      </p:sp>
-      <p:sp>
-        <p:nvSpPr>
-          <p:cNvPr id="16" name="Freeform: Shape 15">
-            <a:extLst>
-              <a:ext uri="{FF2B5EF4-FFF2-40B4-BE49-F238E27FC236}">
-                <a16:creationId xmlns:a16="http://schemas.microsoft.com/office/drawing/2014/main" id="{9A97C86A-04D6-40F7-AE84-31AB43E6A846}"/>
-              </a:ext>
-              <a:ext uri="{C183D7F6-B498-43B3-948B-1728B52AA6E4}">
-                <adec:decorative xmlns:adec="http://schemas.microsoft.com/office/drawing/2017/decorative" val="1"/>
-              </a:ext>
-            </a:extLst>
-          </p:cNvPr>
-          <p:cNvSpPr>
-            <a:spLocks noGrp="1" noRot="1" noChangeAspect="1" noMove="1" noResize="1" noEditPoints="1" noAdjustHandles="1" noChangeArrowheads="1" noChangeShapeType="1" noTextEdit="1"/>
-          </p:cNvSpPr>
-          <p:nvPr>
-            <p:extLst>
-              <p:ext uri="{386F3935-93C4-4BCD-93E2-E3B085C9AB24}">
-                <p16:designElem xmlns:p16="http://schemas.microsoft.com/office/powerpoint/2015/main" val="1"/>
-              </p:ext>
-            </p:extLst>
-          </p:nvPr>
-        </p:nvSpPr>
-        <p:spPr>
-          <a:xfrm rot="10800000" flipH="1">
-            <a:off x="9356643" y="0"/>
-            <a:ext cx="2835357" cy="1480837"/>
-          </a:xfrm>
-          <a:custGeom>
-            <a:avLst/>
-            <a:gdLst>
-              <a:gd name="connsiteX0" fmla="*/ 2835357 w 2835357"/>
-              <a:gd name="connsiteY0" fmla="*/ 1480837 h 1480837"/>
-              <a:gd name="connsiteX1" fmla="*/ 0 w 2835357"/>
-              <a:gd name="connsiteY1" fmla="*/ 1480837 h 1480837"/>
-              <a:gd name="connsiteX2" fmla="*/ 1552727 w 2835357"/>
-              <a:gd name="connsiteY2" fmla="*/ 0 h 1480837"/>
-              <a:gd name="connsiteX3" fmla="*/ 2835357 w 2835357"/>
-              <a:gd name="connsiteY3" fmla="*/ 1223245 h 1480837"/>
-            </a:gdLst>
-            <a:ahLst/>
-            <a:cxnLst>
-              <a:cxn ang="0">
-                <a:pos x="connsiteX0" y="connsiteY0"/>
-              </a:cxn>
-              <a:cxn ang="0">
-                <a:pos x="connsiteX1" y="connsiteY1"/>
-              </a:cxn>
-              <a:cxn ang="0">
-                <a:pos x="connsiteX2" y="connsiteY2"/>
-              </a:cxn>
-              <a:cxn ang="0">
-                <a:pos x="connsiteX3" y="connsiteY3"/>
-              </a:cxn>
-            </a:cxnLst>
-            <a:rect l="l" t="t" r="r" b="b"/>
-            <a:pathLst>
-              <a:path w="2835357" h="1480837">
-                <a:moveTo>
-                  <a:pt x="2835357" y="1480837"/>
-                </a:moveTo>
-                <a:lnTo>
-                  <a:pt x="0" y="1480837"/>
-                </a:lnTo>
-                <a:lnTo>
-                  <a:pt x="1552727" y="0"/>
-                </a:lnTo>
-                <a:lnTo>
-                  <a:pt x="2835357" y="1223245"/>
-                </a:lnTo>
-                <a:close/>
-              </a:path>
-            </a:pathLst>
-          </a:custGeom>
-          <a:solidFill>
-            <a:schemeClr val="accent4">
-              <a:alpha val="30000"/>
-            </a:schemeClr>
-          </a:solidFill>
-          <a:ln>
-            <a:noFill/>
-          </a:ln>
-        </p:spPr>
-        <p:style>
-          <a:lnRef idx="2">
-            <a:schemeClr val="accent1">
-              <a:shade val="50000"/>
-            </a:schemeClr>
-          </a:lnRef>
-          <a:fillRef idx="1">
-            <a:schemeClr val="accent1"/>
-          </a:fillRef>
-          <a:effectRef idx="0">
-            <a:schemeClr val="accent1"/>
-          </a:effectRef>
-          <a:fontRef idx="minor">
-            <a:schemeClr val="lt1"/>
-          </a:fontRef>
-        </p:style>
-        <p:txBody>
-          <a:bodyPr wrap="square" rtlCol="0" anchor="ctr">
-            <a:noAutofit/>
-          </a:bodyPr>
-          <a:lstStyle/>
-          <a:p>
-            <a:pPr algn="ctr"/>
-            <a:endParaRPr lang="en-US" dirty="0"/>
-          </a:p>
-        </p:txBody>
-      </p:sp>
-      <p:sp>
-        <p:nvSpPr>
-          <p:cNvPr id="18" name="Isosceles Triangle 17">
-            <a:extLst>
-              <a:ext uri="{FF2B5EF4-FFF2-40B4-BE49-F238E27FC236}">
-                <a16:creationId xmlns:a16="http://schemas.microsoft.com/office/drawing/2014/main" id="{FF9F2414-84E8-453E-B1F3-389FDE8192D9}"/>
-              </a:ext>
-              <a:ext uri="{C183D7F6-B498-43B3-948B-1728B52AA6E4}">
-                <adec:decorative xmlns:adec="http://schemas.microsoft.com/office/drawing/2017/decorative" val="1"/>
-              </a:ext>
-            </a:extLst>
-          </p:cNvPr>
-          <p:cNvSpPr>
-            <a:spLocks noGrp="1" noRot="1" noChangeAspect="1" noMove="1" noResize="1" noEditPoints="1" noAdjustHandles="1" noChangeArrowheads="1" noChangeShapeType="1" noTextEdit="1"/>
-          </p:cNvSpPr>
-          <p:nvPr>
-            <p:extLst>
-              <p:ext uri="{386F3935-93C4-4BCD-93E2-E3B085C9AB24}">
-                <p16:designElem xmlns:p16="http://schemas.microsoft.com/office/powerpoint/2015/main" val="1"/>
-              </p:ext>
-            </p:extLst>
-          </p:nvPr>
-        </p:nvSpPr>
-        <p:spPr>
-          <a:xfrm flipH="1">
-            <a:off x="7976344" y="6115501"/>
-            <a:ext cx="1494513" cy="742499"/>
-          </a:xfrm>
-          <a:prstGeom prst="triangle">
-            <a:avLst/>
-          </a:prstGeom>
-          <a:solidFill>
-            <a:schemeClr val="accent1">
-              <a:alpha val="30000"/>
-            </a:schemeClr>
-          </a:solidFill>
-          <a:ln>
-            <a:noFill/>
-          </a:ln>
-        </p:spPr>
-        <p:style>
-          <a:lnRef idx="2">
-            <a:schemeClr val="accent1">
-              <a:shade val="50000"/>
-            </a:schemeClr>
-          </a:lnRef>
-          <a:fillRef idx="1">
-            <a:schemeClr val="accent1"/>
-          </a:fillRef>
-          <a:effectRef idx="0">
-            <a:schemeClr val="accent1"/>
-          </a:effectRef>
-          <a:fontRef idx="minor">
-            <a:schemeClr val="lt1"/>
-          </a:fontRef>
-        </p:style>
-        <p:txBody>
-          <a:bodyPr rtlCol="0" anchor="ctr"/>
-          <a:lstStyle/>
-          <a:p>
-            <a:pPr algn="ctr"/>
-            <a:endParaRPr lang="en-US"/>
-          </a:p>
-        </p:txBody>
-      </p:sp>
-      <p:pic>
-        <p:nvPicPr>
-          <p:cNvPr id="3" name="Grafik 2">
-            <a:extLst>
-              <a:ext uri="{FF2B5EF4-FFF2-40B4-BE49-F238E27FC236}">
-                <a16:creationId xmlns:a16="http://schemas.microsoft.com/office/drawing/2014/main" id="{32E4D1D6-9AD4-DCC0-0779-6E5EB4752840}"/>
-              </a:ext>
-            </a:extLst>
-          </p:cNvPr>
-          <p:cNvPicPr>
-            <a:picLocks noChangeAspect="1"/>
-          </p:cNvPicPr>
-          <p:nvPr/>
-        </p:nvPicPr>
-        <p:blipFill>
-          <a:blip r:embed="rId2"/>
-          <a:stretch>
-            <a:fillRect/>
-          </a:stretch>
-        </p:blipFill>
-        <p:spPr>
-          <a:xfrm>
-            <a:off x="2215128" y="149663"/>
-            <a:ext cx="7576571" cy="6402202"/>
-          </a:xfrm>
-          <a:prstGeom prst="rect">
-            <a:avLst/>
-          </a:prstGeom>
-          <a:ln>
-            <a:noFill/>
-          </a:ln>
-        </p:spPr>
-      </p:pic>
-      <p:sp>
-        <p:nvSpPr>
-          <p:cNvPr id="20" name="Isosceles Triangle 19">
-            <a:extLst>
-              <a:ext uri="{FF2B5EF4-FFF2-40B4-BE49-F238E27FC236}">
-                <a16:creationId xmlns:a16="http://schemas.microsoft.com/office/drawing/2014/main" id="{3ECA69A1-7536-43AC-85EF-C7106179F5ED}"/>
-              </a:ext>
-              <a:ext uri="{C183D7F6-B498-43B3-948B-1728B52AA6E4}">
-                <adec:decorative xmlns:adec="http://schemas.microsoft.com/office/drawing/2017/decorative" val="1"/>
-              </a:ext>
-            </a:extLst>
-          </p:cNvPr>
-          <p:cNvSpPr>
-            <a:spLocks noGrp="1" noRot="1" noChangeAspect="1" noMove="1" noResize="1" noEditPoints="1" noAdjustHandles="1" noChangeArrowheads="1" noChangeShapeType="1" noTextEdit="1"/>
-          </p:cNvSpPr>
-          <p:nvPr>
-            <p:extLst>
-              <p:ext uri="{386F3935-93C4-4BCD-93E2-E3B085C9AB24}">
-                <p16:designElem xmlns:p16="http://schemas.microsoft.com/office/powerpoint/2015/main" val="1"/>
-              </p:ext>
-            </p:extLst>
-          </p:nvPr>
-        </p:nvSpPr>
-        <p:spPr>
-          <a:xfrm flipH="1">
-            <a:off x="7604080" y="6453143"/>
-            <a:ext cx="814903" cy="404857"/>
-          </a:xfrm>
-          <a:prstGeom prst="triangle">
-            <a:avLst/>
-          </a:prstGeom>
-          <a:solidFill>
-            <a:schemeClr val="accent1">
-              <a:alpha val="30000"/>
-            </a:schemeClr>
-          </a:solidFill>
-          <a:ln>
-            <a:noFill/>
-          </a:ln>
-        </p:spPr>
-        <p:style>
-          <a:lnRef idx="2">
-            <a:schemeClr val="accent1">
-              <a:shade val="50000"/>
-            </a:schemeClr>
-          </a:lnRef>
-          <a:fillRef idx="1">
-            <a:schemeClr val="accent1"/>
-          </a:fillRef>
-          <a:effectRef idx="0">
-            <a:schemeClr val="accent1"/>
-          </a:effectRef>
-          <a:fontRef idx="minor">
-            <a:schemeClr val="lt1"/>
-          </a:fontRef>
-        </p:style>
-        <p:txBody>
-          <a:bodyPr rtlCol="0" anchor="ctr"/>
-          <a:lstStyle/>
-          <a:p>
-            <a:pPr algn="ctr"/>
-            <a:endParaRPr lang="en-US"/>
-          </a:p>
-        </p:txBody>
-      </p:sp>
-    </p:spTree>
-    <p:extLst>
-      <p:ext uri="{BB962C8B-B14F-4D97-AF65-F5344CB8AC3E}">
-        <p14:creationId xmlns:p14="http://schemas.microsoft.com/office/powerpoint/2010/main" val="3897090142"/>
-      </p:ext>
-    </p:extLst>
-  </p:cSld>
-  <p:clrMapOvr>
-    <a:masterClrMapping/>
-  </p:clrMapOvr>
-</p:sld>
-</file>
-
-<file path=ppt/slides/slide7.xml><?xml version="1.0" encoding="utf-8"?>
-<p:sld xmlns:a="http://schemas.openxmlformats.org/drawingml/2006/main" xmlns:r="http://schemas.openxmlformats.org/officeDocument/2006/relationships" xmlns:p="http://schemas.openxmlformats.org/presentationml/2006/main">
-  <p:cSld>
-    <p:bg>
-      <p:bgPr>
-        <a:solidFill>
-          <a:schemeClr val="bg1"/>
-        </a:solidFill>
-        <a:effectLst/>
-      </p:bgPr>
-    </p:bg>
-    <p:spTree>
-      <p:nvGrpSpPr>
-        <p:cNvPr id="1" name=""/>
-        <p:cNvGrpSpPr/>
-        <p:nvPr/>
-      </p:nvGrpSpPr>
-      <p:grpSpPr>
-        <a:xfrm>
-          <a:off x="0" y="0"/>
-          <a:ext cx="0" cy="0"/>
-          <a:chOff x="0" y="0"/>
-          <a:chExt cx="0" cy="0"/>
-        </a:xfrm>
-      </p:grpSpPr>
-      <p:sp>
-        <p:nvSpPr>
-          <p:cNvPr id="10" name="Rectangle 9">
-            <a:extLst>
-              <a:ext uri="{FF2B5EF4-FFF2-40B4-BE49-F238E27FC236}">
-                <a16:creationId xmlns:a16="http://schemas.microsoft.com/office/drawing/2014/main" id="{86FF76B9-219D-4469-AF87-0236D29032F1}"/>
-              </a:ext>
-              <a:ext uri="{C183D7F6-B498-43B3-948B-1728B52AA6E4}">
-                <adec:decorative xmlns:adec="http://schemas.microsoft.com/office/drawing/2017/decorative" val="1"/>
-              </a:ext>
-            </a:extLst>
-          </p:cNvPr>
-          <p:cNvSpPr>
-            <a:spLocks noGrp="1" noRot="1" noChangeAspect="1" noMove="1" noResize="1" noEditPoints="1" noAdjustHandles="1" noChangeArrowheads="1" noChangeShapeType="1" noTextEdit="1"/>
-          </p:cNvSpPr>
-          <p:nvPr>
-            <p:extLst>
-              <p:ext uri="{386F3935-93C4-4BCD-93E2-E3B085C9AB24}">
-                <p16:designElem xmlns:p16="http://schemas.microsoft.com/office/powerpoint/2015/main" val="1"/>
-              </p:ext>
-            </p:extLst>
-          </p:nvPr>
-        </p:nvSpPr>
-        <p:spPr>
-          <a:xfrm>
-            <a:off x="0" y="0"/>
-            <a:ext cx="12192000" cy="6858000"/>
-          </a:xfrm>
-          <a:prstGeom prst="rect">
-            <a:avLst/>
-          </a:prstGeom>
-          <a:solidFill>
-            <a:schemeClr val="bg1"/>
-          </a:solidFill>
-          <a:ln>
-            <a:noFill/>
-          </a:ln>
-        </p:spPr>
-        <p:style>
-          <a:lnRef idx="2">
-            <a:schemeClr val="accent1">
-              <a:shade val="50000"/>
-            </a:schemeClr>
-          </a:lnRef>
-          <a:fillRef idx="1">
-            <a:schemeClr val="accent1"/>
-          </a:fillRef>
-          <a:effectRef idx="0">
-            <a:schemeClr val="accent1"/>
-          </a:effectRef>
-          <a:fontRef idx="minor">
-            <a:schemeClr val="lt1"/>
-          </a:fontRef>
-        </p:style>
-        <p:txBody>
-          <a:bodyPr rtlCol="0" anchor="ctr"/>
-          <a:lstStyle/>
-          <a:p>
-            <a:pPr algn="ctr"/>
-            <a:endParaRPr lang="en-US" dirty="0"/>
-          </a:p>
-        </p:txBody>
-      </p:sp>
-      <p:grpSp>
-        <p:nvGrpSpPr>
-          <p:cNvPr id="12" name="Group 11">
-            <a:extLst>
-              <a:ext uri="{FF2B5EF4-FFF2-40B4-BE49-F238E27FC236}">
-                <a16:creationId xmlns:a16="http://schemas.microsoft.com/office/drawing/2014/main" id="{DB88BD78-87E1-424D-B479-C37D8E41B12E}"/>
-              </a:ext>
-              <a:ext uri="{C183D7F6-B498-43B3-948B-1728B52AA6E4}">
-                <adec:decorative xmlns:adec="http://schemas.microsoft.com/office/drawing/2017/decorative" val="1"/>
-              </a:ext>
-            </a:extLst>
-          </p:cNvPr>
-          <p:cNvGrpSpPr>
-            <a:grpSpLocks noGrp="1" noUngrp="1" noRot="1" noChangeAspect="1" noMove="1" noResize="1"/>
-          </p:cNvGrpSpPr>
-          <p:nvPr>
-            <p:extLst>
-              <p:ext uri="{386F3935-93C4-4BCD-93E2-E3B085C9AB24}">
-                <p16:designElem xmlns:p16="http://schemas.microsoft.com/office/powerpoint/2015/main" val="1"/>
-              </p:ext>
-            </p:extLst>
-          </p:nvPr>
-        </p:nvGrpSpPr>
-        <p:grpSpPr>
-          <a:xfrm flipH="1">
-            <a:off x="10964637" y="2358"/>
-            <a:ext cx="1876653" cy="1766008"/>
-            <a:chOff x="-648769" y="2358"/>
-            <a:chExt cx="1876653" cy="1766008"/>
-          </a:xfrm>
-        </p:grpSpPr>
-        <p:sp>
-          <p:nvSpPr>
-            <p:cNvPr id="13" name="Freeform: Shape 12">
-              <a:extLst>
-                <a:ext uri="{FF2B5EF4-FFF2-40B4-BE49-F238E27FC236}">
-                  <a16:creationId xmlns:a16="http://schemas.microsoft.com/office/drawing/2014/main" id="{C05EB894-9410-4B20-95E4-7A25101AB895}"/>
-                </a:ext>
-                <a:ext uri="{C183D7F6-B498-43B3-948B-1728B52AA6E4}">
-                  <adec:decorative xmlns:adec="http://schemas.microsoft.com/office/drawing/2017/decorative" val="1"/>
-                </a:ext>
-              </a:extLst>
-            </p:cNvPr>
-            <p:cNvSpPr/>
-            <p:nvPr>
-              <p:extLst>
-                <p:ext uri="{386F3935-93C4-4BCD-93E2-E3B085C9AB24}">
-                  <p16:designElem xmlns:p16="http://schemas.microsoft.com/office/powerpoint/2015/main" val="1"/>
-                </p:ext>
-              </p:extLst>
-            </p:nvPr>
-          </p:nvSpPr>
-          <p:spPr>
-            <a:xfrm rot="2700000">
-              <a:off x="-415188" y="-231223"/>
-              <a:ext cx="1409491" cy="1876653"/>
-            </a:xfrm>
-            <a:custGeom>
-              <a:avLst/>
-              <a:gdLst>
-                <a:gd name="connsiteX0" fmla="*/ 0 w 1409491"/>
-                <a:gd name="connsiteY0" fmla="*/ 643075 h 1876653"/>
-                <a:gd name="connsiteX1" fmla="*/ 643075 w 1409491"/>
-                <a:gd name="connsiteY1" fmla="*/ 0 h 1876653"/>
-                <a:gd name="connsiteX2" fmla="*/ 1409491 w 1409491"/>
-                <a:gd name="connsiteY2" fmla="*/ 0 h 1876653"/>
-                <a:gd name="connsiteX3" fmla="*/ 1409491 w 1409491"/>
-                <a:gd name="connsiteY3" fmla="*/ 1876653 h 1876653"/>
-                <a:gd name="connsiteX4" fmla="*/ 1233578 w 1409491"/>
-                <a:gd name="connsiteY4" fmla="*/ 1876653 h 1876653"/>
-              </a:gdLst>
-              <a:ahLst/>
-              <a:cxnLst>
-                <a:cxn ang="0">
-                  <a:pos x="connsiteX0" y="connsiteY0"/>
-                </a:cxn>
-                <a:cxn ang="0">
-                  <a:pos x="connsiteX1" y="connsiteY1"/>
-                </a:cxn>
-                <a:cxn ang="0">
-                  <a:pos x="connsiteX2" y="connsiteY2"/>
-                </a:cxn>
-                <a:cxn ang="0">
-                  <a:pos x="connsiteX3" y="connsiteY3"/>
-                </a:cxn>
-                <a:cxn ang="0">
-                  <a:pos x="connsiteX4" y="connsiteY4"/>
-                </a:cxn>
-              </a:cxnLst>
-              <a:rect l="l" t="t" r="r" b="b"/>
-              <a:pathLst>
-                <a:path w="1409491" h="1876653">
-                  <a:moveTo>
-                    <a:pt x="0" y="643075"/>
-                  </a:moveTo>
-                  <a:lnTo>
-                    <a:pt x="643075" y="0"/>
-                  </a:lnTo>
-                  <a:lnTo>
-                    <a:pt x="1409491" y="0"/>
-                  </a:lnTo>
-                  <a:lnTo>
-                    <a:pt x="1409491" y="1876653"/>
-                  </a:lnTo>
-                  <a:lnTo>
-                    <a:pt x="1233578" y="1876653"/>
-                  </a:lnTo>
-                  <a:close/>
-                </a:path>
-              </a:pathLst>
-            </a:custGeom>
-            <a:solidFill>
-              <a:schemeClr val="accent1">
-                <a:alpha val="30000"/>
-              </a:schemeClr>
-            </a:solidFill>
-            <a:ln>
-              <a:noFill/>
-            </a:ln>
-          </p:spPr>
-          <p:style>
-            <a:lnRef idx="2">
-              <a:schemeClr val="accent1">
-                <a:shade val="50000"/>
-              </a:schemeClr>
-            </a:lnRef>
-            <a:fillRef idx="1">
-              <a:schemeClr val="accent1"/>
-            </a:fillRef>
-            <a:effectRef idx="0">
-              <a:schemeClr val="accent1"/>
-            </a:effectRef>
-            <a:fontRef idx="minor">
-              <a:schemeClr val="lt1"/>
-            </a:fontRef>
-          </p:style>
-          <p:txBody>
-            <a:bodyPr rtlCol="0" anchor="ctr"/>
-            <a:lstStyle/>
-            <a:p>
-              <a:pPr algn="ctr"/>
-              <a:endParaRPr lang="en-US"/>
-            </a:p>
-          </p:txBody>
-        </p:sp>
-        <p:sp>
-          <p:nvSpPr>
-            <p:cNvPr id="14" name="Rectangle 13">
-              <a:extLst>
-                <a:ext uri="{FF2B5EF4-FFF2-40B4-BE49-F238E27FC236}">
-                  <a16:creationId xmlns:a16="http://schemas.microsoft.com/office/drawing/2014/main" id="{166E38B6-B050-4340-8E8F-3A971DADC031}"/>
-                </a:ext>
-                <a:ext uri="{C183D7F6-B498-43B3-948B-1728B52AA6E4}">
-                  <adec:decorative xmlns:adec="http://schemas.microsoft.com/office/drawing/2017/decorative" val="1"/>
-                </a:ext>
-              </a:extLst>
-            </p:cNvPr>
-            <p:cNvSpPr/>
-            <p:nvPr>
-              <p:extLst>
-                <p:ext uri="{386F3935-93C4-4BCD-93E2-E3B085C9AB24}">
-                  <p16:designElem xmlns:p16="http://schemas.microsoft.com/office/powerpoint/2015/main" val="1"/>
-                </p:ext>
-              </p:extLst>
-            </p:nvPr>
-          </p:nvSpPr>
-          <p:spPr>
-            <a:xfrm rot="2700000">
-              <a:off x="301285" y="1282788"/>
-              <a:ext cx="485578" cy="485578"/>
-            </a:xfrm>
-            <a:prstGeom prst="rect">
-              <a:avLst/>
-            </a:prstGeom>
-            <a:solidFill>
-              <a:schemeClr val="accent1">
-                <a:alpha val="30000"/>
-              </a:schemeClr>
-            </a:solidFill>
-            <a:ln>
-              <a:noFill/>
-            </a:ln>
-          </p:spPr>
-          <p:style>
-            <a:lnRef idx="2">
-              <a:schemeClr val="accent1">
-                <a:shade val="50000"/>
-              </a:schemeClr>
-            </a:lnRef>
-            <a:fillRef idx="1">
-              <a:schemeClr val="accent1"/>
-            </a:fillRef>
-            <a:effectRef idx="0">
-              <a:schemeClr val="accent1"/>
-            </a:effectRef>
-            <a:fontRef idx="minor">
-              <a:schemeClr val="lt1"/>
-            </a:fontRef>
-          </p:style>
-          <p:txBody>
-            <a:bodyPr rtlCol="0" anchor="ctr"/>
-            <a:lstStyle/>
-            <a:p>
-              <a:pPr algn="ctr"/>
-              <a:endParaRPr lang="en-US"/>
-            </a:p>
-          </p:txBody>
-        </p:sp>
-      </p:grpSp>
-      <p:sp>
-        <p:nvSpPr>
-          <p:cNvPr id="16" name="Rectangle 15">
-            <a:extLst>
-              <a:ext uri="{FF2B5EF4-FFF2-40B4-BE49-F238E27FC236}">
-                <a16:creationId xmlns:a16="http://schemas.microsoft.com/office/drawing/2014/main" id="{2E80C965-DB6D-4F81-9E9E-B027384D0BD6}"/>
-              </a:ext>
-              <a:ext uri="{C183D7F6-B498-43B3-948B-1728B52AA6E4}">
-                <adec:decorative xmlns:adec="http://schemas.microsoft.com/office/drawing/2017/decorative" val="1"/>
-              </a:ext>
-            </a:extLst>
-          </p:cNvPr>
-          <p:cNvSpPr>
-            <a:spLocks noGrp="1" noRot="1" noChangeAspect="1" noMove="1" noResize="1" noEditPoints="1" noAdjustHandles="1" noChangeArrowheads="1" noChangeShapeType="1" noTextEdit="1"/>
-          </p:cNvSpPr>
-          <p:nvPr>
-            <p:extLst>
-              <p:ext uri="{386F3935-93C4-4BCD-93E2-E3B085C9AB24}">
-                <p16:designElem xmlns:p16="http://schemas.microsoft.com/office/powerpoint/2015/main" val="1"/>
-              </p:ext>
-            </p:extLst>
-          </p:nvPr>
-        </p:nvSpPr>
-        <p:spPr>
-          <a:xfrm rot="2700000">
-            <a:off x="2737196" y="6033666"/>
-            <a:ext cx="645368" cy="645368"/>
-          </a:xfrm>
-          <a:prstGeom prst="rect">
-            <a:avLst/>
-          </a:prstGeom>
-          <a:solidFill>
-            <a:schemeClr val="accent4">
-              <a:alpha val="30000"/>
-            </a:schemeClr>
-          </a:solidFill>
-          <a:ln>
-            <a:noFill/>
-          </a:ln>
-        </p:spPr>
-        <p:style>
-          <a:lnRef idx="2">
-            <a:schemeClr val="accent1">
-              <a:shade val="50000"/>
-            </a:schemeClr>
-          </a:lnRef>
-          <a:fillRef idx="1">
-            <a:schemeClr val="accent1"/>
-          </a:fillRef>
-          <a:effectRef idx="0">
-            <a:schemeClr val="accent1"/>
-          </a:effectRef>
-          <a:fontRef idx="minor">
-            <a:schemeClr val="lt1"/>
-          </a:fontRef>
-        </p:style>
-        <p:txBody>
-          <a:bodyPr rtlCol="0" anchor="ctr"/>
-          <a:lstStyle/>
-          <a:p>
-            <a:pPr algn="ctr"/>
-            <a:endParaRPr lang="en-US"/>
-          </a:p>
-        </p:txBody>
-      </p:sp>
-      <p:sp>
-        <p:nvSpPr>
-          <p:cNvPr id="18" name="Isosceles Triangle 17">
-            <a:extLst>
-              <a:ext uri="{FF2B5EF4-FFF2-40B4-BE49-F238E27FC236}">
-                <a16:creationId xmlns:a16="http://schemas.microsoft.com/office/drawing/2014/main" id="{633C5E46-DAC5-4661-9C87-22B08E2A512F}"/>
-              </a:ext>
-              <a:ext uri="{C183D7F6-B498-43B3-948B-1728B52AA6E4}">
-                <adec:decorative xmlns:adec="http://schemas.microsoft.com/office/drawing/2017/decorative" val="1"/>
-              </a:ext>
-            </a:extLst>
-          </p:cNvPr>
-          <p:cNvSpPr>
-            <a:spLocks noGrp="1" noRot="1" noChangeAspect="1" noMove="1" noResize="1" noEditPoints="1" noAdjustHandles="1" noChangeArrowheads="1" noChangeShapeType="1" noTextEdit="1"/>
-          </p:cNvSpPr>
-          <p:nvPr>
-            <p:extLst>
-              <p:ext uri="{386F3935-93C4-4BCD-93E2-E3B085C9AB24}">
-                <p16:designElem xmlns:p16="http://schemas.microsoft.com/office/powerpoint/2015/main" val="1"/>
-              </p:ext>
-            </p:extLst>
-          </p:nvPr>
-        </p:nvSpPr>
-        <p:spPr>
-          <a:xfrm>
-            <a:off x="1343436" y="5721108"/>
-            <a:ext cx="2261965" cy="1136891"/>
-          </a:xfrm>
-          <a:prstGeom prst="triangle">
-            <a:avLst>
-              <a:gd name="adj" fmla="val 50000"/>
-            </a:avLst>
-          </a:prstGeom>
-          <a:solidFill>
-            <a:schemeClr val="accent4">
-              <a:alpha val="30000"/>
-            </a:schemeClr>
-          </a:solidFill>
-          <a:ln>
-            <a:noFill/>
-          </a:ln>
-        </p:spPr>
-        <p:style>
-          <a:lnRef idx="2">
-            <a:schemeClr val="accent1">
-              <a:shade val="50000"/>
-            </a:schemeClr>
-          </a:lnRef>
-          <a:fillRef idx="1">
-            <a:schemeClr val="accent1"/>
-          </a:fillRef>
-          <a:effectRef idx="0">
-            <a:schemeClr val="accent1"/>
-          </a:effectRef>
-          <a:fontRef idx="minor">
-            <a:schemeClr val="lt1"/>
-          </a:fontRef>
-        </p:style>
-        <p:txBody>
-          <a:bodyPr rtlCol="0" anchor="ctr"/>
-          <a:lstStyle/>
-          <a:p>
-            <a:pPr algn="ctr"/>
-            <a:endParaRPr lang="en-US"/>
-          </a:p>
-        </p:txBody>
-      </p:sp>
-      <p:pic>
-        <p:nvPicPr>
-          <p:cNvPr id="5" name="Grafik 4">
-            <a:extLst>
-              <a:ext uri="{FF2B5EF4-FFF2-40B4-BE49-F238E27FC236}">
                 <a16:creationId xmlns:a16="http://schemas.microsoft.com/office/drawing/2014/main" id="{712ADAEC-62CD-478F-0795-F9B5236A655B}"/>
               </a:ext>
             </a:extLst>
@@ -6954,1101 +8139,6 @@
     <p:extLst>
       <p:ext uri="{BB962C8B-B14F-4D97-AF65-F5344CB8AC3E}">
         <p14:creationId xmlns:p14="http://schemas.microsoft.com/office/powerpoint/2010/main" val="3629812554"/>
-      </p:ext>
-    </p:extLst>
-  </p:cSld>
-  <p:clrMapOvr>
-    <a:masterClrMapping/>
-  </p:clrMapOvr>
-</p:sld>
-</file>
-
-<file path=ppt/slides/slide8.xml><?xml version="1.0" encoding="utf-8"?>
-<p:sld xmlns:a="http://schemas.openxmlformats.org/drawingml/2006/main" xmlns:r="http://schemas.openxmlformats.org/officeDocument/2006/relationships" xmlns:p="http://schemas.openxmlformats.org/presentationml/2006/main">
-  <p:cSld>
-    <p:bg>
-      <p:bgPr>
-        <a:solidFill>
-          <a:schemeClr val="bg1"/>
-        </a:solidFill>
-        <a:effectLst/>
-      </p:bgPr>
-    </p:bg>
-    <p:spTree>
-      <p:nvGrpSpPr>
-        <p:cNvPr id="1" name=""/>
-        <p:cNvGrpSpPr/>
-        <p:nvPr/>
-      </p:nvGrpSpPr>
-      <p:grpSpPr>
-        <a:xfrm>
-          <a:off x="0" y="0"/>
-          <a:ext cx="0" cy="0"/>
-          <a:chOff x="0" y="0"/>
-          <a:chExt cx="0" cy="0"/>
-        </a:xfrm>
-      </p:grpSpPr>
-      <p:sp>
-        <p:nvSpPr>
-          <p:cNvPr id="10" name="Rectangle 9">
-            <a:extLst>
-              <a:ext uri="{FF2B5EF4-FFF2-40B4-BE49-F238E27FC236}">
-                <a16:creationId xmlns:a16="http://schemas.microsoft.com/office/drawing/2014/main" id="{F3060C83-F051-4F0E-ABAD-AA0DFC48B218}"/>
-              </a:ext>
-              <a:ext uri="{C183D7F6-B498-43B3-948B-1728B52AA6E4}">
-                <adec:decorative xmlns:adec="http://schemas.microsoft.com/office/drawing/2017/decorative" val="1"/>
-              </a:ext>
-            </a:extLst>
-          </p:cNvPr>
-          <p:cNvSpPr>
-            <a:spLocks noGrp="1" noRot="1" noChangeAspect="1" noMove="1" noResize="1" noEditPoints="1" noAdjustHandles="1" noChangeArrowheads="1" noChangeShapeType="1" noTextEdit="1"/>
-          </p:cNvSpPr>
-          <p:nvPr>
-            <p:extLst>
-              <p:ext uri="{386F3935-93C4-4BCD-93E2-E3B085C9AB24}">
-                <p16:designElem xmlns:p16="http://schemas.microsoft.com/office/powerpoint/2015/main" val="1"/>
-              </p:ext>
-            </p:extLst>
-          </p:nvPr>
-        </p:nvSpPr>
-        <p:spPr>
-          <a:xfrm>
-            <a:off x="0" y="0"/>
-            <a:ext cx="12192000" cy="6858000"/>
-          </a:xfrm>
-          <a:prstGeom prst="rect">
-            <a:avLst/>
-          </a:prstGeom>
-          <a:solidFill>
-            <a:schemeClr val="bg1"/>
-          </a:solidFill>
-          <a:ln>
-            <a:noFill/>
-          </a:ln>
-        </p:spPr>
-        <p:style>
-          <a:lnRef idx="2">
-            <a:schemeClr val="accent1">
-              <a:shade val="50000"/>
-            </a:schemeClr>
-          </a:lnRef>
-          <a:fillRef idx="1">
-            <a:schemeClr val="accent1"/>
-          </a:fillRef>
-          <a:effectRef idx="0">
-            <a:schemeClr val="accent1"/>
-          </a:effectRef>
-          <a:fontRef idx="minor">
-            <a:schemeClr val="lt1"/>
-          </a:fontRef>
-        </p:style>
-        <p:txBody>
-          <a:bodyPr rtlCol="0" anchor="ctr"/>
-          <a:lstStyle/>
-          <a:p>
-            <a:pPr algn="ctr"/>
-            <a:endParaRPr lang="en-US" dirty="0"/>
-          </a:p>
-        </p:txBody>
-      </p:sp>
-      <p:sp>
-        <p:nvSpPr>
-          <p:cNvPr id="12" name="Freeform: Shape 11">
-            <a:extLst>
-              <a:ext uri="{FF2B5EF4-FFF2-40B4-BE49-F238E27FC236}">
-                <a16:creationId xmlns:a16="http://schemas.microsoft.com/office/drawing/2014/main" id="{83C98ABE-055B-441F-B07E-44F97F083C39}"/>
-              </a:ext>
-              <a:ext uri="{C183D7F6-B498-43B3-948B-1728B52AA6E4}">
-                <adec:decorative xmlns:adec="http://schemas.microsoft.com/office/drawing/2017/decorative" val="1"/>
-              </a:ext>
-            </a:extLst>
-          </p:cNvPr>
-          <p:cNvSpPr>
-            <a:spLocks noGrp="1" noRot="1" noChangeAspect="1" noMove="1" noResize="1" noEditPoints="1" noAdjustHandles="1" noChangeArrowheads="1" noChangeShapeType="1" noTextEdit="1"/>
-          </p:cNvSpPr>
-          <p:nvPr>
-            <p:extLst>
-              <p:ext uri="{386F3935-93C4-4BCD-93E2-E3B085C9AB24}">
-                <p16:designElem xmlns:p16="http://schemas.microsoft.com/office/powerpoint/2015/main" val="1"/>
-              </p:ext>
-            </p:extLst>
-          </p:nvPr>
-        </p:nvSpPr>
-        <p:spPr>
-          <a:xfrm rot="18900000" flipH="1">
-            <a:off x="-376156" y="-253670"/>
-            <a:ext cx="1827638" cy="1376989"/>
-          </a:xfrm>
-          <a:custGeom>
-            <a:avLst/>
-            <a:gdLst>
-              <a:gd name="connsiteX0" fmla="*/ 0 w 1827638"/>
-              <a:gd name="connsiteY0" fmla="*/ 987379 h 1376989"/>
-              <a:gd name="connsiteX1" fmla="*/ 987379 w 1827638"/>
-              <a:gd name="connsiteY1" fmla="*/ 0 h 1376989"/>
-              <a:gd name="connsiteX2" fmla="*/ 1827638 w 1827638"/>
-              <a:gd name="connsiteY2" fmla="*/ 840260 h 1376989"/>
-              <a:gd name="connsiteX3" fmla="*/ 1827638 w 1827638"/>
-              <a:gd name="connsiteY3" fmla="*/ 1376989 h 1376989"/>
-              <a:gd name="connsiteX4" fmla="*/ 0 w 1827638"/>
-              <a:gd name="connsiteY4" fmla="*/ 1376989 h 1376989"/>
-            </a:gdLst>
-            <a:ahLst/>
-            <a:cxnLst>
-              <a:cxn ang="0">
-                <a:pos x="connsiteX0" y="connsiteY0"/>
-              </a:cxn>
-              <a:cxn ang="0">
-                <a:pos x="connsiteX1" y="connsiteY1"/>
-              </a:cxn>
-              <a:cxn ang="0">
-                <a:pos x="connsiteX2" y="connsiteY2"/>
-              </a:cxn>
-              <a:cxn ang="0">
-                <a:pos x="connsiteX3" y="connsiteY3"/>
-              </a:cxn>
-              <a:cxn ang="0">
-                <a:pos x="connsiteX4" y="connsiteY4"/>
-              </a:cxn>
-            </a:cxnLst>
-            <a:rect l="l" t="t" r="r" b="b"/>
-            <a:pathLst>
-              <a:path w="1827638" h="1376989">
-                <a:moveTo>
-                  <a:pt x="0" y="987379"/>
-                </a:moveTo>
-                <a:lnTo>
-                  <a:pt x="987379" y="0"/>
-                </a:lnTo>
-                <a:lnTo>
-                  <a:pt x="1827638" y="840260"/>
-                </a:lnTo>
-                <a:lnTo>
-                  <a:pt x="1827638" y="1376989"/>
-                </a:lnTo>
-                <a:lnTo>
-                  <a:pt x="0" y="1376989"/>
-                </a:lnTo>
-                <a:close/>
-              </a:path>
-            </a:pathLst>
-          </a:custGeom>
-          <a:solidFill>
-            <a:schemeClr val="accent1">
-              <a:alpha val="30000"/>
-            </a:schemeClr>
-          </a:solidFill>
-          <a:ln>
-            <a:noFill/>
-          </a:ln>
-        </p:spPr>
-        <p:style>
-          <a:lnRef idx="2">
-            <a:schemeClr val="accent1">
-              <a:shade val="50000"/>
-            </a:schemeClr>
-          </a:lnRef>
-          <a:fillRef idx="1">
-            <a:schemeClr val="accent1"/>
-          </a:fillRef>
-          <a:effectRef idx="0">
-            <a:schemeClr val="accent1"/>
-          </a:effectRef>
-          <a:fontRef idx="minor">
-            <a:schemeClr val="lt1"/>
-          </a:fontRef>
-        </p:style>
-        <p:txBody>
-          <a:bodyPr rtlCol="0" anchor="ctr"/>
-          <a:lstStyle/>
-          <a:p>
-            <a:pPr algn="ctr"/>
-            <a:endParaRPr lang="en-US" dirty="0"/>
-          </a:p>
-        </p:txBody>
-      </p:sp>
-      <p:sp>
-        <p:nvSpPr>
-          <p:cNvPr id="14" name="Rectangle 13">
-            <a:extLst>
-              <a:ext uri="{FF2B5EF4-FFF2-40B4-BE49-F238E27FC236}">
-                <a16:creationId xmlns:a16="http://schemas.microsoft.com/office/drawing/2014/main" id="{29FDB030-9B49-4CED-8CCD-4D99382388AC}"/>
-              </a:ext>
-              <a:ext uri="{C183D7F6-B498-43B3-948B-1728B52AA6E4}">
-                <adec:decorative xmlns:adec="http://schemas.microsoft.com/office/drawing/2017/decorative" val="1"/>
-              </a:ext>
-            </a:extLst>
-          </p:cNvPr>
-          <p:cNvSpPr>
-            <a:spLocks noGrp="1" noRot="1" noChangeAspect="1" noMove="1" noResize="1" noEditPoints="1" noAdjustHandles="1" noChangeArrowheads="1" noChangeShapeType="1" noTextEdit="1"/>
-          </p:cNvSpPr>
-          <p:nvPr>
-            <p:extLst>
-              <p:ext uri="{386F3935-93C4-4BCD-93E2-E3B085C9AB24}">
-                <p16:designElem xmlns:p16="http://schemas.microsoft.com/office/powerpoint/2015/main" val="1"/>
-              </p:ext>
-            </p:extLst>
-          </p:nvPr>
-        </p:nvSpPr>
-        <p:spPr>
-          <a:xfrm rot="18900000" flipH="1">
-            <a:off x="891641" y="422146"/>
-            <a:ext cx="645368" cy="645368"/>
-          </a:xfrm>
-          <a:prstGeom prst="rect">
-            <a:avLst/>
-          </a:prstGeom>
-          <a:solidFill>
-            <a:schemeClr val="accent1">
-              <a:alpha val="30000"/>
-            </a:schemeClr>
-          </a:solidFill>
-          <a:ln>
-            <a:noFill/>
-          </a:ln>
-        </p:spPr>
-        <p:style>
-          <a:lnRef idx="2">
-            <a:schemeClr val="accent1">
-              <a:shade val="50000"/>
-            </a:schemeClr>
-          </a:lnRef>
-          <a:fillRef idx="1">
-            <a:schemeClr val="accent1"/>
-          </a:fillRef>
-          <a:effectRef idx="0">
-            <a:schemeClr val="accent1"/>
-          </a:effectRef>
-          <a:fontRef idx="minor">
-            <a:schemeClr val="lt1"/>
-          </a:fontRef>
-        </p:style>
-        <p:txBody>
-          <a:bodyPr rtlCol="0" anchor="ctr"/>
-          <a:lstStyle/>
-          <a:p>
-            <a:pPr algn="ctr"/>
-            <a:endParaRPr lang="en-US"/>
-          </a:p>
-        </p:txBody>
-      </p:sp>
-      <p:sp>
-        <p:nvSpPr>
-          <p:cNvPr id="16" name="Rectangle 15">
-            <a:extLst>
-              <a:ext uri="{FF2B5EF4-FFF2-40B4-BE49-F238E27FC236}">
-                <a16:creationId xmlns:a16="http://schemas.microsoft.com/office/drawing/2014/main" id="{3783CA14-24A1-485C-8B30-D6A5D87987AD}"/>
-              </a:ext>
-              <a:ext uri="{C183D7F6-B498-43B3-948B-1728B52AA6E4}">
-                <adec:decorative xmlns:adec="http://schemas.microsoft.com/office/drawing/2017/decorative" val="1"/>
-              </a:ext>
-            </a:extLst>
-          </p:cNvPr>
-          <p:cNvSpPr>
-            <a:spLocks noGrp="1" noRot="1" noChangeAspect="1" noMove="1" noResize="1" noEditPoints="1" noAdjustHandles="1" noChangeArrowheads="1" noChangeShapeType="1" noTextEdit="1"/>
-          </p:cNvSpPr>
-          <p:nvPr>
-            <p:extLst>
-              <p:ext uri="{386F3935-93C4-4BCD-93E2-E3B085C9AB24}">
-                <p16:designElem xmlns:p16="http://schemas.microsoft.com/office/powerpoint/2015/main" val="1"/>
-              </p:ext>
-            </p:extLst>
-          </p:nvPr>
-        </p:nvSpPr>
-        <p:spPr>
-          <a:xfrm rot="18900000" flipH="1">
-            <a:off x="10043482" y="655140"/>
-            <a:ext cx="687472" cy="687472"/>
-          </a:xfrm>
-          <a:prstGeom prst="rect">
-            <a:avLst/>
-          </a:prstGeom>
-          <a:solidFill>
-            <a:schemeClr val="accent4">
-              <a:alpha val="30000"/>
-            </a:schemeClr>
-          </a:solidFill>
-          <a:ln>
-            <a:noFill/>
-          </a:ln>
-        </p:spPr>
-        <p:style>
-          <a:lnRef idx="2">
-            <a:schemeClr val="accent1">
-              <a:shade val="50000"/>
-            </a:schemeClr>
-          </a:lnRef>
-          <a:fillRef idx="1">
-            <a:schemeClr val="accent1"/>
-          </a:fillRef>
-          <a:effectRef idx="0">
-            <a:schemeClr val="accent1"/>
-          </a:effectRef>
-          <a:fontRef idx="minor">
-            <a:schemeClr val="lt1"/>
-          </a:fontRef>
-        </p:style>
-        <p:txBody>
-          <a:bodyPr rtlCol="0" anchor="ctr"/>
-          <a:lstStyle/>
-          <a:p>
-            <a:pPr algn="ctr"/>
-            <a:endParaRPr lang="en-US"/>
-          </a:p>
-        </p:txBody>
-      </p:sp>
-      <p:sp>
-        <p:nvSpPr>
-          <p:cNvPr id="18" name="Freeform: Shape 17">
-            <a:extLst>
-              <a:ext uri="{FF2B5EF4-FFF2-40B4-BE49-F238E27FC236}">
-                <a16:creationId xmlns:a16="http://schemas.microsoft.com/office/drawing/2014/main" id="{9A97C86A-04D6-40F7-AE84-31AB43E6A846}"/>
-              </a:ext>
-              <a:ext uri="{C183D7F6-B498-43B3-948B-1728B52AA6E4}">
-                <adec:decorative xmlns:adec="http://schemas.microsoft.com/office/drawing/2017/decorative" val="1"/>
-              </a:ext>
-            </a:extLst>
-          </p:cNvPr>
-          <p:cNvSpPr>
-            <a:spLocks noGrp="1" noRot="1" noChangeAspect="1" noMove="1" noResize="1" noEditPoints="1" noAdjustHandles="1" noChangeArrowheads="1" noChangeShapeType="1" noTextEdit="1"/>
-          </p:cNvSpPr>
-          <p:nvPr>
-            <p:extLst>
-              <p:ext uri="{386F3935-93C4-4BCD-93E2-E3B085C9AB24}">
-                <p16:designElem xmlns:p16="http://schemas.microsoft.com/office/powerpoint/2015/main" val="1"/>
-              </p:ext>
-            </p:extLst>
-          </p:nvPr>
-        </p:nvSpPr>
-        <p:spPr>
-          <a:xfrm rot="10800000" flipH="1">
-            <a:off x="9356643" y="0"/>
-            <a:ext cx="2835357" cy="1480837"/>
-          </a:xfrm>
-          <a:custGeom>
-            <a:avLst/>
-            <a:gdLst>
-              <a:gd name="connsiteX0" fmla="*/ 2835357 w 2835357"/>
-              <a:gd name="connsiteY0" fmla="*/ 1480837 h 1480837"/>
-              <a:gd name="connsiteX1" fmla="*/ 0 w 2835357"/>
-              <a:gd name="connsiteY1" fmla="*/ 1480837 h 1480837"/>
-              <a:gd name="connsiteX2" fmla="*/ 1552727 w 2835357"/>
-              <a:gd name="connsiteY2" fmla="*/ 0 h 1480837"/>
-              <a:gd name="connsiteX3" fmla="*/ 2835357 w 2835357"/>
-              <a:gd name="connsiteY3" fmla="*/ 1223245 h 1480837"/>
-            </a:gdLst>
-            <a:ahLst/>
-            <a:cxnLst>
-              <a:cxn ang="0">
-                <a:pos x="connsiteX0" y="connsiteY0"/>
-              </a:cxn>
-              <a:cxn ang="0">
-                <a:pos x="connsiteX1" y="connsiteY1"/>
-              </a:cxn>
-              <a:cxn ang="0">
-                <a:pos x="connsiteX2" y="connsiteY2"/>
-              </a:cxn>
-              <a:cxn ang="0">
-                <a:pos x="connsiteX3" y="connsiteY3"/>
-              </a:cxn>
-            </a:cxnLst>
-            <a:rect l="l" t="t" r="r" b="b"/>
-            <a:pathLst>
-              <a:path w="2835357" h="1480837">
-                <a:moveTo>
-                  <a:pt x="2835357" y="1480837"/>
-                </a:moveTo>
-                <a:lnTo>
-                  <a:pt x="0" y="1480837"/>
-                </a:lnTo>
-                <a:lnTo>
-                  <a:pt x="1552727" y="0"/>
-                </a:lnTo>
-                <a:lnTo>
-                  <a:pt x="2835357" y="1223245"/>
-                </a:lnTo>
-                <a:close/>
-              </a:path>
-            </a:pathLst>
-          </a:custGeom>
-          <a:solidFill>
-            <a:schemeClr val="accent4">
-              <a:alpha val="30000"/>
-            </a:schemeClr>
-          </a:solidFill>
-          <a:ln>
-            <a:noFill/>
-          </a:ln>
-        </p:spPr>
-        <p:style>
-          <a:lnRef idx="2">
-            <a:schemeClr val="accent1">
-              <a:shade val="50000"/>
-            </a:schemeClr>
-          </a:lnRef>
-          <a:fillRef idx="1">
-            <a:schemeClr val="accent1"/>
-          </a:fillRef>
-          <a:effectRef idx="0">
-            <a:schemeClr val="accent1"/>
-          </a:effectRef>
-          <a:fontRef idx="minor">
-            <a:schemeClr val="lt1"/>
-          </a:fontRef>
-        </p:style>
-        <p:txBody>
-          <a:bodyPr wrap="square" rtlCol="0" anchor="ctr">
-            <a:noAutofit/>
-          </a:bodyPr>
-          <a:lstStyle/>
-          <a:p>
-            <a:pPr algn="ctr"/>
-            <a:endParaRPr lang="en-US" dirty="0"/>
-          </a:p>
-        </p:txBody>
-      </p:sp>
-      <p:sp>
-        <p:nvSpPr>
-          <p:cNvPr id="20" name="Isosceles Triangle 19">
-            <a:extLst>
-              <a:ext uri="{FF2B5EF4-FFF2-40B4-BE49-F238E27FC236}">
-                <a16:creationId xmlns:a16="http://schemas.microsoft.com/office/drawing/2014/main" id="{FF9F2414-84E8-453E-B1F3-389FDE8192D9}"/>
-              </a:ext>
-              <a:ext uri="{C183D7F6-B498-43B3-948B-1728B52AA6E4}">
-                <adec:decorative xmlns:adec="http://schemas.microsoft.com/office/drawing/2017/decorative" val="1"/>
-              </a:ext>
-            </a:extLst>
-          </p:cNvPr>
-          <p:cNvSpPr>
-            <a:spLocks noGrp="1" noRot="1" noChangeAspect="1" noMove="1" noResize="1" noEditPoints="1" noAdjustHandles="1" noChangeArrowheads="1" noChangeShapeType="1" noTextEdit="1"/>
-          </p:cNvSpPr>
-          <p:nvPr>
-            <p:extLst>
-              <p:ext uri="{386F3935-93C4-4BCD-93E2-E3B085C9AB24}">
-                <p16:designElem xmlns:p16="http://schemas.microsoft.com/office/powerpoint/2015/main" val="1"/>
-              </p:ext>
-            </p:extLst>
-          </p:nvPr>
-        </p:nvSpPr>
-        <p:spPr>
-          <a:xfrm flipH="1">
-            <a:off x="7976344" y="6115501"/>
-            <a:ext cx="1494513" cy="742499"/>
-          </a:xfrm>
-          <a:prstGeom prst="triangle">
-            <a:avLst/>
-          </a:prstGeom>
-          <a:solidFill>
-            <a:schemeClr val="accent1">
-              <a:alpha val="30000"/>
-            </a:schemeClr>
-          </a:solidFill>
-          <a:ln>
-            <a:noFill/>
-          </a:ln>
-        </p:spPr>
-        <p:style>
-          <a:lnRef idx="2">
-            <a:schemeClr val="accent1">
-              <a:shade val="50000"/>
-            </a:schemeClr>
-          </a:lnRef>
-          <a:fillRef idx="1">
-            <a:schemeClr val="accent1"/>
-          </a:fillRef>
-          <a:effectRef idx="0">
-            <a:schemeClr val="accent1"/>
-          </a:effectRef>
-          <a:fontRef idx="minor">
-            <a:schemeClr val="lt1"/>
-          </a:fontRef>
-        </p:style>
-        <p:txBody>
-          <a:bodyPr rtlCol="0" anchor="ctr"/>
-          <a:lstStyle/>
-          <a:p>
-            <a:pPr algn="ctr"/>
-            <a:endParaRPr lang="en-US"/>
-          </a:p>
-        </p:txBody>
-      </p:sp>
-      <p:pic>
-        <p:nvPicPr>
-          <p:cNvPr id="5" name="Grafik 4">
-            <a:extLst>
-              <a:ext uri="{FF2B5EF4-FFF2-40B4-BE49-F238E27FC236}">
-                <a16:creationId xmlns:a16="http://schemas.microsoft.com/office/drawing/2014/main" id="{802B7ED9-1C32-7125-975D-F87E560B7290}"/>
-              </a:ext>
-            </a:extLst>
-          </p:cNvPr>
-          <p:cNvPicPr>
-            <a:picLocks noChangeAspect="1"/>
-          </p:cNvPicPr>
-          <p:nvPr/>
-        </p:nvPicPr>
-        <p:blipFill>
-          <a:blip r:embed="rId2"/>
-          <a:stretch>
-            <a:fillRect/>
-          </a:stretch>
-        </p:blipFill>
-        <p:spPr>
-          <a:xfrm>
-            <a:off x="643467" y="1956815"/>
-            <a:ext cx="10905066" cy="2944368"/>
-          </a:xfrm>
-          <a:prstGeom prst="rect">
-            <a:avLst/>
-          </a:prstGeom>
-          <a:ln>
-            <a:noFill/>
-          </a:ln>
-        </p:spPr>
-      </p:pic>
-      <p:sp>
-        <p:nvSpPr>
-          <p:cNvPr id="22" name="Isosceles Triangle 21">
-            <a:extLst>
-              <a:ext uri="{FF2B5EF4-FFF2-40B4-BE49-F238E27FC236}">
-                <a16:creationId xmlns:a16="http://schemas.microsoft.com/office/drawing/2014/main" id="{3ECA69A1-7536-43AC-85EF-C7106179F5ED}"/>
-              </a:ext>
-              <a:ext uri="{C183D7F6-B498-43B3-948B-1728B52AA6E4}">
-                <adec:decorative xmlns:adec="http://schemas.microsoft.com/office/drawing/2017/decorative" val="1"/>
-              </a:ext>
-            </a:extLst>
-          </p:cNvPr>
-          <p:cNvSpPr>
-            <a:spLocks noGrp="1" noRot="1" noChangeAspect="1" noMove="1" noResize="1" noEditPoints="1" noAdjustHandles="1" noChangeArrowheads="1" noChangeShapeType="1" noTextEdit="1"/>
-          </p:cNvSpPr>
-          <p:nvPr>
-            <p:extLst>
-              <p:ext uri="{386F3935-93C4-4BCD-93E2-E3B085C9AB24}">
-                <p16:designElem xmlns:p16="http://schemas.microsoft.com/office/powerpoint/2015/main" val="1"/>
-              </p:ext>
-            </p:extLst>
-          </p:nvPr>
-        </p:nvSpPr>
-        <p:spPr>
-          <a:xfrm flipH="1">
-            <a:off x="7604080" y="6453143"/>
-            <a:ext cx="814903" cy="404857"/>
-          </a:xfrm>
-          <a:prstGeom prst="triangle">
-            <a:avLst/>
-          </a:prstGeom>
-          <a:solidFill>
-            <a:schemeClr val="accent1">
-              <a:alpha val="30000"/>
-            </a:schemeClr>
-          </a:solidFill>
-          <a:ln>
-            <a:noFill/>
-          </a:ln>
-        </p:spPr>
-        <p:style>
-          <a:lnRef idx="2">
-            <a:schemeClr val="accent1">
-              <a:shade val="50000"/>
-            </a:schemeClr>
-          </a:lnRef>
-          <a:fillRef idx="1">
-            <a:schemeClr val="accent1"/>
-          </a:fillRef>
-          <a:effectRef idx="0">
-            <a:schemeClr val="accent1"/>
-          </a:effectRef>
-          <a:fontRef idx="minor">
-            <a:schemeClr val="lt1"/>
-          </a:fontRef>
-        </p:style>
-        <p:txBody>
-          <a:bodyPr rtlCol="0" anchor="ctr"/>
-          <a:lstStyle/>
-          <a:p>
-            <a:pPr algn="ctr"/>
-            <a:endParaRPr lang="en-US"/>
-          </a:p>
-        </p:txBody>
-      </p:sp>
-    </p:spTree>
-    <p:extLst>
-      <p:ext uri="{BB962C8B-B14F-4D97-AF65-F5344CB8AC3E}">
-        <p14:creationId xmlns:p14="http://schemas.microsoft.com/office/powerpoint/2010/main" val="1264714409"/>
-      </p:ext>
-    </p:extLst>
-  </p:cSld>
-  <p:clrMapOvr>
-    <a:masterClrMapping/>
-  </p:clrMapOvr>
-</p:sld>
-</file>
-
-<file path=ppt/slides/slide9.xml><?xml version="1.0" encoding="utf-8"?>
-<p:sld xmlns:a="http://schemas.openxmlformats.org/drawingml/2006/main" xmlns:r="http://schemas.openxmlformats.org/officeDocument/2006/relationships" xmlns:p="http://schemas.openxmlformats.org/presentationml/2006/main">
-  <p:cSld>
-    <p:bg>
-      <p:bgPr>
-        <a:solidFill>
-          <a:schemeClr val="bg1"/>
-        </a:solidFill>
-        <a:effectLst/>
-      </p:bgPr>
-    </p:bg>
-    <p:spTree>
-      <p:nvGrpSpPr>
-        <p:cNvPr id="1" name=""/>
-        <p:cNvGrpSpPr/>
-        <p:nvPr/>
-      </p:nvGrpSpPr>
-      <p:grpSpPr>
-        <a:xfrm>
-          <a:off x="0" y="0"/>
-          <a:ext cx="0" cy="0"/>
-          <a:chOff x="0" y="0"/>
-          <a:chExt cx="0" cy="0"/>
-        </a:xfrm>
-      </p:grpSpPr>
-      <p:sp>
-        <p:nvSpPr>
-          <p:cNvPr id="10" name="Rectangle 9">
-            <a:extLst>
-              <a:ext uri="{FF2B5EF4-FFF2-40B4-BE49-F238E27FC236}">
-                <a16:creationId xmlns:a16="http://schemas.microsoft.com/office/drawing/2014/main" id="{86FF76B9-219D-4469-AF87-0236D29032F1}"/>
-              </a:ext>
-              <a:ext uri="{C183D7F6-B498-43B3-948B-1728B52AA6E4}">
-                <adec:decorative xmlns:adec="http://schemas.microsoft.com/office/drawing/2017/decorative" val="1"/>
-              </a:ext>
-            </a:extLst>
-          </p:cNvPr>
-          <p:cNvSpPr>
-            <a:spLocks noGrp="1" noRot="1" noChangeAspect="1" noMove="1" noResize="1" noEditPoints="1" noAdjustHandles="1" noChangeArrowheads="1" noChangeShapeType="1" noTextEdit="1"/>
-          </p:cNvSpPr>
-          <p:nvPr>
-            <p:extLst>
-              <p:ext uri="{386F3935-93C4-4BCD-93E2-E3B085C9AB24}">
-                <p16:designElem xmlns:p16="http://schemas.microsoft.com/office/powerpoint/2015/main" val="1"/>
-              </p:ext>
-            </p:extLst>
-          </p:nvPr>
-        </p:nvSpPr>
-        <p:spPr>
-          <a:xfrm>
-            <a:off x="0" y="0"/>
-            <a:ext cx="12192000" cy="6858000"/>
-          </a:xfrm>
-          <a:prstGeom prst="rect">
-            <a:avLst/>
-          </a:prstGeom>
-          <a:solidFill>
-            <a:schemeClr val="bg1"/>
-          </a:solidFill>
-          <a:ln>
-            <a:noFill/>
-          </a:ln>
-        </p:spPr>
-        <p:style>
-          <a:lnRef idx="2">
-            <a:schemeClr val="accent1">
-              <a:shade val="50000"/>
-            </a:schemeClr>
-          </a:lnRef>
-          <a:fillRef idx="1">
-            <a:schemeClr val="accent1"/>
-          </a:fillRef>
-          <a:effectRef idx="0">
-            <a:schemeClr val="accent1"/>
-          </a:effectRef>
-          <a:fontRef idx="minor">
-            <a:schemeClr val="lt1"/>
-          </a:fontRef>
-        </p:style>
-        <p:txBody>
-          <a:bodyPr rtlCol="0" anchor="ctr"/>
-          <a:lstStyle/>
-          <a:p>
-            <a:pPr algn="ctr"/>
-            <a:endParaRPr lang="en-US" dirty="0"/>
-          </a:p>
-        </p:txBody>
-      </p:sp>
-      <p:grpSp>
-        <p:nvGrpSpPr>
-          <p:cNvPr id="12" name="Group 11">
-            <a:extLst>
-              <a:ext uri="{FF2B5EF4-FFF2-40B4-BE49-F238E27FC236}">
-                <a16:creationId xmlns:a16="http://schemas.microsoft.com/office/drawing/2014/main" id="{DB88BD78-87E1-424D-B479-C37D8E41B12E}"/>
-              </a:ext>
-              <a:ext uri="{C183D7F6-B498-43B3-948B-1728B52AA6E4}">
-                <adec:decorative xmlns:adec="http://schemas.microsoft.com/office/drawing/2017/decorative" val="1"/>
-              </a:ext>
-            </a:extLst>
-          </p:cNvPr>
-          <p:cNvGrpSpPr>
-            <a:grpSpLocks noGrp="1" noUngrp="1" noRot="1" noChangeAspect="1" noMove="1" noResize="1"/>
-          </p:cNvGrpSpPr>
-          <p:nvPr>
-            <p:extLst>
-              <p:ext uri="{386F3935-93C4-4BCD-93E2-E3B085C9AB24}">
-                <p16:designElem xmlns:p16="http://schemas.microsoft.com/office/powerpoint/2015/main" val="1"/>
-              </p:ext>
-            </p:extLst>
-          </p:nvPr>
-        </p:nvGrpSpPr>
-        <p:grpSpPr>
-          <a:xfrm flipH="1">
-            <a:off x="10964637" y="2358"/>
-            <a:ext cx="1876653" cy="1766008"/>
-            <a:chOff x="-648769" y="2358"/>
-            <a:chExt cx="1876653" cy="1766008"/>
-          </a:xfrm>
-        </p:grpSpPr>
-        <p:sp>
-          <p:nvSpPr>
-            <p:cNvPr id="13" name="Freeform: Shape 12">
-              <a:extLst>
-                <a:ext uri="{FF2B5EF4-FFF2-40B4-BE49-F238E27FC236}">
-                  <a16:creationId xmlns:a16="http://schemas.microsoft.com/office/drawing/2014/main" id="{C05EB894-9410-4B20-95E4-7A25101AB895}"/>
-                </a:ext>
-                <a:ext uri="{C183D7F6-B498-43B3-948B-1728B52AA6E4}">
-                  <adec:decorative xmlns:adec="http://schemas.microsoft.com/office/drawing/2017/decorative" val="1"/>
-                </a:ext>
-              </a:extLst>
-            </p:cNvPr>
-            <p:cNvSpPr/>
-            <p:nvPr>
-              <p:extLst>
-                <p:ext uri="{386F3935-93C4-4BCD-93E2-E3B085C9AB24}">
-                  <p16:designElem xmlns:p16="http://schemas.microsoft.com/office/powerpoint/2015/main" val="1"/>
-                </p:ext>
-              </p:extLst>
-            </p:nvPr>
-          </p:nvSpPr>
-          <p:spPr>
-            <a:xfrm rot="2700000">
-              <a:off x="-415188" y="-231223"/>
-              <a:ext cx="1409491" cy="1876653"/>
-            </a:xfrm>
-            <a:custGeom>
-              <a:avLst/>
-              <a:gdLst>
-                <a:gd name="connsiteX0" fmla="*/ 0 w 1409491"/>
-                <a:gd name="connsiteY0" fmla="*/ 643075 h 1876653"/>
-                <a:gd name="connsiteX1" fmla="*/ 643075 w 1409491"/>
-                <a:gd name="connsiteY1" fmla="*/ 0 h 1876653"/>
-                <a:gd name="connsiteX2" fmla="*/ 1409491 w 1409491"/>
-                <a:gd name="connsiteY2" fmla="*/ 0 h 1876653"/>
-                <a:gd name="connsiteX3" fmla="*/ 1409491 w 1409491"/>
-                <a:gd name="connsiteY3" fmla="*/ 1876653 h 1876653"/>
-                <a:gd name="connsiteX4" fmla="*/ 1233578 w 1409491"/>
-                <a:gd name="connsiteY4" fmla="*/ 1876653 h 1876653"/>
-              </a:gdLst>
-              <a:ahLst/>
-              <a:cxnLst>
-                <a:cxn ang="0">
-                  <a:pos x="connsiteX0" y="connsiteY0"/>
-                </a:cxn>
-                <a:cxn ang="0">
-                  <a:pos x="connsiteX1" y="connsiteY1"/>
-                </a:cxn>
-                <a:cxn ang="0">
-                  <a:pos x="connsiteX2" y="connsiteY2"/>
-                </a:cxn>
-                <a:cxn ang="0">
-                  <a:pos x="connsiteX3" y="connsiteY3"/>
-                </a:cxn>
-                <a:cxn ang="0">
-                  <a:pos x="connsiteX4" y="connsiteY4"/>
-                </a:cxn>
-              </a:cxnLst>
-              <a:rect l="l" t="t" r="r" b="b"/>
-              <a:pathLst>
-                <a:path w="1409491" h="1876653">
-                  <a:moveTo>
-                    <a:pt x="0" y="643075"/>
-                  </a:moveTo>
-                  <a:lnTo>
-                    <a:pt x="643075" y="0"/>
-                  </a:lnTo>
-                  <a:lnTo>
-                    <a:pt x="1409491" y="0"/>
-                  </a:lnTo>
-                  <a:lnTo>
-                    <a:pt x="1409491" y="1876653"/>
-                  </a:lnTo>
-                  <a:lnTo>
-                    <a:pt x="1233578" y="1876653"/>
-                  </a:lnTo>
-                  <a:close/>
-                </a:path>
-              </a:pathLst>
-            </a:custGeom>
-            <a:solidFill>
-              <a:schemeClr val="accent1">
-                <a:alpha val="30000"/>
-              </a:schemeClr>
-            </a:solidFill>
-            <a:ln>
-              <a:noFill/>
-            </a:ln>
-          </p:spPr>
-          <p:style>
-            <a:lnRef idx="2">
-              <a:schemeClr val="accent1">
-                <a:shade val="50000"/>
-              </a:schemeClr>
-            </a:lnRef>
-            <a:fillRef idx="1">
-              <a:schemeClr val="accent1"/>
-            </a:fillRef>
-            <a:effectRef idx="0">
-              <a:schemeClr val="accent1"/>
-            </a:effectRef>
-            <a:fontRef idx="minor">
-              <a:schemeClr val="lt1"/>
-            </a:fontRef>
-          </p:style>
-          <p:txBody>
-            <a:bodyPr rtlCol="0" anchor="ctr"/>
-            <a:lstStyle/>
-            <a:p>
-              <a:pPr algn="ctr"/>
-              <a:endParaRPr lang="en-US"/>
-            </a:p>
-          </p:txBody>
-        </p:sp>
-        <p:sp>
-          <p:nvSpPr>
-            <p:cNvPr id="14" name="Rectangle 13">
-              <a:extLst>
-                <a:ext uri="{FF2B5EF4-FFF2-40B4-BE49-F238E27FC236}">
-                  <a16:creationId xmlns:a16="http://schemas.microsoft.com/office/drawing/2014/main" id="{166E38B6-B050-4340-8E8F-3A971DADC031}"/>
-                </a:ext>
-                <a:ext uri="{C183D7F6-B498-43B3-948B-1728B52AA6E4}">
-                  <adec:decorative xmlns:adec="http://schemas.microsoft.com/office/drawing/2017/decorative" val="1"/>
-                </a:ext>
-              </a:extLst>
-            </p:cNvPr>
-            <p:cNvSpPr/>
-            <p:nvPr>
-              <p:extLst>
-                <p:ext uri="{386F3935-93C4-4BCD-93E2-E3B085C9AB24}">
-                  <p16:designElem xmlns:p16="http://schemas.microsoft.com/office/powerpoint/2015/main" val="1"/>
-                </p:ext>
-              </p:extLst>
-            </p:nvPr>
-          </p:nvSpPr>
-          <p:spPr>
-            <a:xfrm rot="2700000">
-              <a:off x="301285" y="1282788"/>
-              <a:ext cx="485578" cy="485578"/>
-            </a:xfrm>
-            <a:prstGeom prst="rect">
-              <a:avLst/>
-            </a:prstGeom>
-            <a:solidFill>
-              <a:schemeClr val="accent1">
-                <a:alpha val="30000"/>
-              </a:schemeClr>
-            </a:solidFill>
-            <a:ln>
-              <a:noFill/>
-            </a:ln>
-          </p:spPr>
-          <p:style>
-            <a:lnRef idx="2">
-              <a:schemeClr val="accent1">
-                <a:shade val="50000"/>
-              </a:schemeClr>
-            </a:lnRef>
-            <a:fillRef idx="1">
-              <a:schemeClr val="accent1"/>
-            </a:fillRef>
-            <a:effectRef idx="0">
-              <a:schemeClr val="accent1"/>
-            </a:effectRef>
-            <a:fontRef idx="minor">
-              <a:schemeClr val="lt1"/>
-            </a:fontRef>
-          </p:style>
-          <p:txBody>
-            <a:bodyPr rtlCol="0" anchor="ctr"/>
-            <a:lstStyle/>
-            <a:p>
-              <a:pPr algn="ctr"/>
-              <a:endParaRPr lang="en-US"/>
-            </a:p>
-          </p:txBody>
-        </p:sp>
-      </p:grpSp>
-      <p:sp>
-        <p:nvSpPr>
-          <p:cNvPr id="16" name="Rectangle 15">
-            <a:extLst>
-              <a:ext uri="{FF2B5EF4-FFF2-40B4-BE49-F238E27FC236}">
-                <a16:creationId xmlns:a16="http://schemas.microsoft.com/office/drawing/2014/main" id="{2E80C965-DB6D-4F81-9E9E-B027384D0BD6}"/>
-              </a:ext>
-              <a:ext uri="{C183D7F6-B498-43B3-948B-1728B52AA6E4}">
-                <adec:decorative xmlns:adec="http://schemas.microsoft.com/office/drawing/2017/decorative" val="1"/>
-              </a:ext>
-            </a:extLst>
-          </p:cNvPr>
-          <p:cNvSpPr>
-            <a:spLocks noGrp="1" noRot="1" noChangeAspect="1" noMove="1" noResize="1" noEditPoints="1" noAdjustHandles="1" noChangeArrowheads="1" noChangeShapeType="1" noTextEdit="1"/>
-          </p:cNvSpPr>
-          <p:nvPr>
-            <p:extLst>
-              <p:ext uri="{386F3935-93C4-4BCD-93E2-E3B085C9AB24}">
-                <p16:designElem xmlns:p16="http://schemas.microsoft.com/office/powerpoint/2015/main" val="1"/>
-              </p:ext>
-            </p:extLst>
-          </p:nvPr>
-        </p:nvSpPr>
-        <p:spPr>
-          <a:xfrm rot="2700000">
-            <a:off x="2737196" y="6033666"/>
-            <a:ext cx="645368" cy="645368"/>
-          </a:xfrm>
-          <a:prstGeom prst="rect">
-            <a:avLst/>
-          </a:prstGeom>
-          <a:solidFill>
-            <a:schemeClr val="accent4">
-              <a:alpha val="30000"/>
-            </a:schemeClr>
-          </a:solidFill>
-          <a:ln>
-            <a:noFill/>
-          </a:ln>
-        </p:spPr>
-        <p:style>
-          <a:lnRef idx="2">
-            <a:schemeClr val="accent1">
-              <a:shade val="50000"/>
-            </a:schemeClr>
-          </a:lnRef>
-          <a:fillRef idx="1">
-            <a:schemeClr val="accent1"/>
-          </a:fillRef>
-          <a:effectRef idx="0">
-            <a:schemeClr val="accent1"/>
-          </a:effectRef>
-          <a:fontRef idx="minor">
-            <a:schemeClr val="lt1"/>
-          </a:fontRef>
-        </p:style>
-        <p:txBody>
-          <a:bodyPr rtlCol="0" anchor="ctr"/>
-          <a:lstStyle/>
-          <a:p>
-            <a:pPr algn="ctr"/>
-            <a:endParaRPr lang="en-US"/>
-          </a:p>
-        </p:txBody>
-      </p:sp>
-      <p:sp>
-        <p:nvSpPr>
-          <p:cNvPr id="18" name="Isosceles Triangle 17">
-            <a:extLst>
-              <a:ext uri="{FF2B5EF4-FFF2-40B4-BE49-F238E27FC236}">
-                <a16:creationId xmlns:a16="http://schemas.microsoft.com/office/drawing/2014/main" id="{633C5E46-DAC5-4661-9C87-22B08E2A512F}"/>
-              </a:ext>
-              <a:ext uri="{C183D7F6-B498-43B3-948B-1728B52AA6E4}">
-                <adec:decorative xmlns:adec="http://schemas.microsoft.com/office/drawing/2017/decorative" val="1"/>
-              </a:ext>
-            </a:extLst>
-          </p:cNvPr>
-          <p:cNvSpPr>
-            <a:spLocks noGrp="1" noRot="1" noChangeAspect="1" noMove="1" noResize="1" noEditPoints="1" noAdjustHandles="1" noChangeArrowheads="1" noChangeShapeType="1" noTextEdit="1"/>
-          </p:cNvSpPr>
-          <p:nvPr>
-            <p:extLst>
-              <p:ext uri="{386F3935-93C4-4BCD-93E2-E3B085C9AB24}">
-                <p16:designElem xmlns:p16="http://schemas.microsoft.com/office/powerpoint/2015/main" val="1"/>
-              </p:ext>
-            </p:extLst>
-          </p:nvPr>
-        </p:nvSpPr>
-        <p:spPr>
-          <a:xfrm>
-            <a:off x="1343436" y="5721108"/>
-            <a:ext cx="2261965" cy="1136891"/>
-          </a:xfrm>
-          <a:prstGeom prst="triangle">
-            <a:avLst>
-              <a:gd name="adj" fmla="val 50000"/>
-            </a:avLst>
-          </a:prstGeom>
-          <a:solidFill>
-            <a:schemeClr val="accent4">
-              <a:alpha val="30000"/>
-            </a:schemeClr>
-          </a:solidFill>
-          <a:ln>
-            <a:noFill/>
-          </a:ln>
-        </p:spPr>
-        <p:style>
-          <a:lnRef idx="2">
-            <a:schemeClr val="accent1">
-              <a:shade val="50000"/>
-            </a:schemeClr>
-          </a:lnRef>
-          <a:fillRef idx="1">
-            <a:schemeClr val="accent1"/>
-          </a:fillRef>
-          <a:effectRef idx="0">
-            <a:schemeClr val="accent1"/>
-          </a:effectRef>
-          <a:fontRef idx="minor">
-            <a:schemeClr val="lt1"/>
-          </a:fontRef>
-        </p:style>
-        <p:txBody>
-          <a:bodyPr rtlCol="0" anchor="ctr"/>
-          <a:lstStyle/>
-          <a:p>
-            <a:pPr algn="ctr"/>
-            <a:endParaRPr lang="en-US"/>
-          </a:p>
-        </p:txBody>
-      </p:sp>
-      <p:pic>
-        <p:nvPicPr>
-          <p:cNvPr id="5" name="Grafik 4">
-            <a:extLst>
-              <a:ext uri="{FF2B5EF4-FFF2-40B4-BE49-F238E27FC236}">
-                <a16:creationId xmlns:a16="http://schemas.microsoft.com/office/drawing/2014/main" id="{5ED7E082-4B45-58E4-1F21-6C885C647D36}"/>
-              </a:ext>
-            </a:extLst>
-          </p:cNvPr>
-          <p:cNvPicPr>
-            <a:picLocks noChangeAspect="1"/>
-          </p:cNvPicPr>
-          <p:nvPr/>
-        </p:nvPicPr>
-        <p:blipFill>
-          <a:blip r:embed="rId2"/>
-          <a:stretch>
-            <a:fillRect/>
-          </a:stretch>
-        </p:blipFill>
-        <p:spPr>
-          <a:xfrm>
-            <a:off x="2369536" y="643467"/>
-            <a:ext cx="7452928" cy="5571065"/>
-          </a:xfrm>
-          <a:prstGeom prst="rect">
-            <a:avLst/>
-          </a:prstGeom>
-          <a:ln>
-            <a:noFill/>
-          </a:ln>
-        </p:spPr>
-      </p:pic>
-    </p:spTree>
-    <p:extLst>
-      <p:ext uri="{BB962C8B-B14F-4D97-AF65-F5344CB8AC3E}">
-        <p14:creationId xmlns:p14="http://schemas.microsoft.com/office/powerpoint/2010/main" val="3261119834"/>
       </p:ext>
     </p:extLst>
   </p:cSld>
